--- a/doc/Presentations/Final/2221_LocalisationSousMarine-PresentationFinale.pptx
+++ b/doc/Presentations/Final/2221_LocalisationSousMarine-PresentationFinale.pptx
@@ -7,12 +7,21 @@
   <p:sldIdLst>
     <p:sldId id="256" r:id="rId2"/>
     <p:sldId id="257" r:id="rId3"/>
-    <p:sldId id="261" r:id="rId4"/>
-    <p:sldId id="262" r:id="rId5"/>
-    <p:sldId id="258" r:id="rId6"/>
-    <p:sldId id="263" r:id="rId7"/>
-    <p:sldId id="259" r:id="rId8"/>
-    <p:sldId id="260" r:id="rId9"/>
+    <p:sldId id="266" r:id="rId4"/>
+    <p:sldId id="261" r:id="rId5"/>
+    <p:sldId id="262" r:id="rId6"/>
+    <p:sldId id="258" r:id="rId7"/>
+    <p:sldId id="263" r:id="rId8"/>
+    <p:sldId id="264" r:id="rId9"/>
+    <p:sldId id="269" r:id="rId10"/>
+    <p:sldId id="259" r:id="rId11"/>
+    <p:sldId id="260" r:id="rId12"/>
+    <p:sldId id="270" r:id="rId13"/>
+    <p:sldId id="272" r:id="rId14"/>
+    <p:sldId id="271" r:id="rId15"/>
+    <p:sldId id="265" r:id="rId16"/>
+    <p:sldId id="267" r:id="rId17"/>
+    <p:sldId id="268" r:id="rId18"/>
   </p:sldIdLst>
   <p:sldSz cx="12192000" cy="6858000"/>
   <p:notesSz cx="6858000" cy="9144000"/>
@@ -3171,6 +3180,36 @@
           </a:p>
         </p:txBody>
       </p:sp>
+      <p:pic>
+        <p:nvPicPr>
+          <p:cNvPr id="7" name="Image 6"/>
+          <p:cNvPicPr>
+            <a:picLocks noChangeAspect="1"/>
+          </p:cNvPicPr>
+          <p:nvPr/>
+        </p:nvPicPr>
+        <p:blipFill>
+          <a:blip r:embed="rId3" cstate="print">
+            <a:extLst>
+              <a:ext uri="{28A0092B-C50C-407E-A947-70E740481C1C}">
+                <a14:useLocalDpi xmlns:a14="http://schemas.microsoft.com/office/drawing/2010/main" val="0"/>
+              </a:ext>
+            </a:extLst>
+          </a:blip>
+          <a:stretch>
+            <a:fillRect/>
+          </a:stretch>
+        </p:blipFill>
+        <p:spPr>
+          <a:xfrm>
+            <a:off x="9410007" y="381974"/>
+            <a:ext cx="1480777" cy="1480777"/>
+          </a:xfrm>
+          <a:prstGeom prst="rect">
+            <a:avLst/>
+          </a:prstGeom>
+        </p:spPr>
+      </p:pic>
     </p:spTree>
     <p:extLst>
       <p:ext uri="{BB962C8B-B14F-4D97-AF65-F5344CB8AC3E}">
@@ -3181,6 +3220,2724 @@
   <p:clrMapOvr>
     <a:masterClrMapping/>
   </p:clrMapOvr>
+  <mc:AlternateContent xmlns:mc="http://schemas.openxmlformats.org/markup-compatibility/2006">
+    <mc:Choice xmlns:p14="http://schemas.microsoft.com/office/powerpoint/2010/main" Requires="p14">
+      <p:transition>
+        <p14:reveal/>
+      </p:transition>
+    </mc:Choice>
+    <mc:Fallback>
+      <p:transition>
+        <p:fade/>
+      </p:transition>
+    </mc:Fallback>
+  </mc:AlternateContent>
+  <p:timing>
+    <p:tnLst>
+      <p:par>
+        <p:cTn id="1" dur="indefinite" restart="never" nodeType="tmRoot"/>
+      </p:par>
+    </p:tnLst>
+  </p:timing>
+</p:sld>
+</file>
+
+<file path=ppt/slides/slide10.xml><?xml version="1.0" encoding="utf-8"?>
+<p:sld xmlns:a="http://schemas.openxmlformats.org/drawingml/2006/main" xmlns:r="http://schemas.openxmlformats.org/officeDocument/2006/relationships" xmlns:p="http://schemas.openxmlformats.org/presentationml/2006/main">
+  <p:cSld>
+    <p:spTree>
+      <p:nvGrpSpPr>
+        <p:cNvPr id="1" name=""/>
+        <p:cNvGrpSpPr/>
+        <p:nvPr/>
+      </p:nvGrpSpPr>
+      <p:grpSpPr>
+        <a:xfrm>
+          <a:off x="0" y="0"/>
+          <a:ext cx="0" cy="0"/>
+          <a:chOff x="0" y="0"/>
+          <a:chExt cx="0" cy="0"/>
+        </a:xfrm>
+      </p:grpSpPr>
+      <p:sp>
+        <p:nvSpPr>
+          <p:cNvPr id="6" name="Rectangle 5"/>
+          <p:cNvSpPr/>
+          <p:nvPr/>
+        </p:nvSpPr>
+        <p:spPr>
+          <a:xfrm>
+            <a:off x="0" y="365125"/>
+            <a:ext cx="12192000" cy="473075"/>
+          </a:xfrm>
+          <a:prstGeom prst="rect">
+            <a:avLst/>
+          </a:prstGeom>
+          <a:solidFill>
+            <a:schemeClr val="bg1">
+              <a:lumMod val="95000"/>
+            </a:schemeClr>
+          </a:solidFill>
+          <a:ln>
+            <a:solidFill>
+              <a:schemeClr val="bg1">
+                <a:lumMod val="95000"/>
+              </a:schemeClr>
+            </a:solidFill>
+          </a:ln>
+        </p:spPr>
+        <p:style>
+          <a:lnRef idx="2">
+            <a:schemeClr val="accent1">
+              <a:shade val="50000"/>
+            </a:schemeClr>
+          </a:lnRef>
+          <a:fillRef idx="1">
+            <a:schemeClr val="accent1"/>
+          </a:fillRef>
+          <a:effectRef idx="0">
+            <a:schemeClr val="accent1"/>
+          </a:effectRef>
+          <a:fontRef idx="minor">
+            <a:schemeClr val="lt1"/>
+          </a:fontRef>
+        </p:style>
+        <p:txBody>
+          <a:bodyPr rtlCol="0" anchor="ctr"/>
+          <a:lstStyle/>
+          <a:p>
+            <a:pPr algn="ctr"/>
+            <a:endParaRPr lang="fr-CH"/>
+          </a:p>
+        </p:txBody>
+      </p:sp>
+      <p:sp>
+        <p:nvSpPr>
+          <p:cNvPr id="4" name="Rectangle 3"/>
+          <p:cNvSpPr/>
+          <p:nvPr/>
+        </p:nvSpPr>
+        <p:spPr>
+          <a:xfrm>
+            <a:off x="1" y="0"/>
+            <a:ext cx="12192000" cy="365125"/>
+          </a:xfrm>
+          <a:prstGeom prst="rect">
+            <a:avLst/>
+          </a:prstGeom>
+          <a:solidFill>
+            <a:srgbClr val="002060"/>
+          </a:solidFill>
+          <a:ln>
+            <a:solidFill>
+              <a:srgbClr val="002060"/>
+            </a:solidFill>
+          </a:ln>
+        </p:spPr>
+        <p:style>
+          <a:lnRef idx="2">
+            <a:schemeClr val="accent1">
+              <a:shade val="50000"/>
+            </a:schemeClr>
+          </a:lnRef>
+          <a:fillRef idx="1">
+            <a:schemeClr val="accent1"/>
+          </a:fillRef>
+          <a:effectRef idx="0">
+            <a:schemeClr val="accent1"/>
+          </a:effectRef>
+          <a:fontRef idx="minor">
+            <a:schemeClr val="lt1"/>
+          </a:fontRef>
+        </p:style>
+        <p:txBody>
+          <a:bodyPr rtlCol="0" anchor="ctr"/>
+          <a:lstStyle/>
+          <a:p>
+            <a:pPr algn="ctr"/>
+            <a:endParaRPr lang="fr-CH"/>
+          </a:p>
+        </p:txBody>
+      </p:sp>
+      <p:sp>
+        <p:nvSpPr>
+          <p:cNvPr id="2" name="Titre 1"/>
+          <p:cNvSpPr>
+            <a:spLocks noGrp="1"/>
+          </p:cNvSpPr>
+          <p:nvPr>
+            <p:ph type="title"/>
+          </p:nvPr>
+        </p:nvSpPr>
+        <p:spPr>
+          <a:xfrm>
+            <a:off x="838200" y="365125"/>
+            <a:ext cx="10515600" cy="473075"/>
+          </a:xfrm>
+        </p:spPr>
+        <p:txBody>
+          <a:bodyPr>
+            <a:noAutofit/>
+          </a:bodyPr>
+          <a:lstStyle/>
+          <a:p>
+            <a:r>
+              <a:rPr lang="fr-CH" sz="2000" dirty="0">
+                <a:latin typeface="Helvetica" panose="020B0604020202030204" pitchFamily="34" charset="0"/>
+              </a:rPr>
+              <a:t>DESIGN</a:t>
+            </a:r>
+            <a:endParaRPr lang="fr-CH" sz="2000" dirty="0">
+              <a:latin typeface="Helvetica" panose="020B0604020202030204" pitchFamily="34" charset="0"/>
+            </a:endParaRPr>
+          </a:p>
+        </p:txBody>
+      </p:sp>
+      <p:sp>
+        <p:nvSpPr>
+          <p:cNvPr id="7" name="Rectangle 6"/>
+          <p:cNvSpPr/>
+          <p:nvPr/>
+        </p:nvSpPr>
+        <p:spPr>
+          <a:xfrm>
+            <a:off x="-1" y="849313"/>
+            <a:ext cx="5057775" cy="473075"/>
+          </a:xfrm>
+          <a:prstGeom prst="rect">
+            <a:avLst/>
+          </a:prstGeom>
+          <a:solidFill>
+            <a:schemeClr val="accent1">
+              <a:lumMod val="20000"/>
+              <a:lumOff val="80000"/>
+            </a:schemeClr>
+          </a:solidFill>
+          <a:ln>
+            <a:solidFill>
+              <a:schemeClr val="accent1">
+                <a:lumMod val="20000"/>
+                <a:lumOff val="80000"/>
+              </a:schemeClr>
+            </a:solidFill>
+          </a:ln>
+        </p:spPr>
+        <p:style>
+          <a:lnRef idx="2">
+            <a:schemeClr val="accent1">
+              <a:shade val="50000"/>
+            </a:schemeClr>
+          </a:lnRef>
+          <a:fillRef idx="1">
+            <a:schemeClr val="accent1"/>
+          </a:fillRef>
+          <a:effectRef idx="0">
+            <a:schemeClr val="accent1"/>
+          </a:effectRef>
+          <a:fontRef idx="minor">
+            <a:schemeClr val="lt1"/>
+          </a:fontRef>
+        </p:style>
+        <p:txBody>
+          <a:bodyPr rtlCol="0" anchor="ctr"/>
+          <a:lstStyle/>
+          <a:p>
+            <a:endParaRPr lang="fr-CH" sz="2000" dirty="0">
+              <a:solidFill>
+                <a:schemeClr val="tx1"/>
+              </a:solidFill>
+              <a:latin typeface="Helvetica" panose="020B0604020202030204" pitchFamily="34" charset="0"/>
+            </a:endParaRPr>
+          </a:p>
+        </p:txBody>
+      </p:sp>
+      <p:sp>
+        <p:nvSpPr>
+          <p:cNvPr id="9" name="Titre 1"/>
+          <p:cNvSpPr txBox="1">
+            <a:spLocks/>
+          </p:cNvSpPr>
+          <p:nvPr/>
+        </p:nvSpPr>
+        <p:spPr>
+          <a:xfrm>
+            <a:off x="838200" y="850900"/>
+            <a:ext cx="4219574" cy="473075"/>
+          </a:xfrm>
+          <a:prstGeom prst="rect">
+            <a:avLst/>
+          </a:prstGeom>
+        </p:spPr>
+        <p:txBody>
+          <a:bodyPr vert="horz" lIns="91440" tIns="45720" rIns="91440" bIns="45720" rtlCol="0" anchor="ctr">
+            <a:noAutofit/>
+          </a:bodyPr>
+          <a:lstStyle>
+            <a:lvl1pPr algn="l" defTabSz="914400" rtl="0" eaLnBrk="1" latinLnBrk="0" hangingPunct="1">
+              <a:lnSpc>
+                <a:spcPct val="90000"/>
+              </a:lnSpc>
+              <a:spcBef>
+                <a:spcPct val="0"/>
+              </a:spcBef>
+              <a:buNone/>
+              <a:defRPr sz="4400" kern="1200">
+                <a:solidFill>
+                  <a:schemeClr val="tx1"/>
+                </a:solidFill>
+                <a:latin typeface="+mj-lt"/>
+                <a:ea typeface="+mj-ea"/>
+                <a:cs typeface="+mj-cs"/>
+              </a:defRPr>
+            </a:lvl1pPr>
+          </a:lstStyle>
+          <a:p>
+            <a:r>
+              <a:rPr lang="fr-CH" sz="2000" dirty="0" smtClean="0">
+                <a:latin typeface="Helvetica" panose="020B0604020202030204" pitchFamily="34" charset="0"/>
+              </a:rPr>
+              <a:t>PRIX </a:t>
+            </a:r>
+            <a:r>
+              <a:rPr lang="fr-CH" sz="2000" dirty="0" smtClean="0">
+                <a:latin typeface="Helvetica" panose="020B0604020202030204" pitchFamily="34" charset="0"/>
+              </a:rPr>
+              <a:t>PRINCIPAUX</a:t>
+            </a:r>
+            <a:endParaRPr lang="fr-CH" sz="2000" dirty="0">
+              <a:latin typeface="Helvetica" panose="020B0604020202030204" pitchFamily="34" charset="0"/>
+            </a:endParaRPr>
+          </a:p>
+        </p:txBody>
+      </p:sp>
+      <p:pic>
+        <p:nvPicPr>
+          <p:cNvPr id="10" name="Espace réservé du contenu 9"/>
+          <p:cNvPicPr>
+            <a:picLocks noGrp="1" noChangeAspect="1"/>
+          </p:cNvPicPr>
+          <p:nvPr>
+            <p:ph idx="1"/>
+          </p:nvPr>
+        </p:nvPicPr>
+        <p:blipFill>
+          <a:blip r:embed="rId2">
+            <a:extLst>
+              <a:ext uri="{28A0092B-C50C-407E-A947-70E740481C1C}">
+                <a14:useLocalDpi xmlns:a14="http://schemas.microsoft.com/office/drawing/2010/main" val="0"/>
+              </a:ext>
+            </a:extLst>
+          </a:blip>
+          <a:stretch>
+            <a:fillRect/>
+          </a:stretch>
+        </p:blipFill>
+        <p:spPr>
+          <a:xfrm>
+            <a:off x="3813429" y="1806576"/>
+            <a:ext cx="4018206" cy="3974941"/>
+          </a:xfrm>
+        </p:spPr>
+      </p:pic>
+    </p:spTree>
+    <p:extLst>
+      <p:ext uri="{BB962C8B-B14F-4D97-AF65-F5344CB8AC3E}">
+        <p14:creationId xmlns:p14="http://schemas.microsoft.com/office/powerpoint/2010/main" val="757670399"/>
+      </p:ext>
+    </p:extLst>
+  </p:cSld>
+  <p:clrMapOvr>
+    <a:masterClrMapping/>
+  </p:clrMapOvr>
+  <mc:AlternateContent xmlns:mc="http://schemas.openxmlformats.org/markup-compatibility/2006">
+    <mc:Choice xmlns:p14="http://schemas.microsoft.com/office/powerpoint/2010/main" Requires="p14">
+      <p:transition>
+        <p14:reveal/>
+      </p:transition>
+    </mc:Choice>
+    <mc:Fallback>
+      <p:transition>
+        <p:fade/>
+      </p:transition>
+    </mc:Fallback>
+  </mc:AlternateContent>
+  <p:timing>
+    <p:tnLst>
+      <p:par>
+        <p:cTn id="1" dur="indefinite" restart="never" nodeType="tmRoot"/>
+      </p:par>
+    </p:tnLst>
+  </p:timing>
+</p:sld>
+</file>
+
+<file path=ppt/slides/slide11.xml><?xml version="1.0" encoding="utf-8"?>
+<p:sld xmlns:a="http://schemas.openxmlformats.org/drawingml/2006/main" xmlns:r="http://schemas.openxmlformats.org/officeDocument/2006/relationships" xmlns:p="http://schemas.openxmlformats.org/presentationml/2006/main">
+  <p:cSld>
+    <p:spTree>
+      <p:nvGrpSpPr>
+        <p:cNvPr id="1" name=""/>
+        <p:cNvGrpSpPr/>
+        <p:nvPr/>
+      </p:nvGrpSpPr>
+      <p:grpSpPr>
+        <a:xfrm>
+          <a:off x="0" y="0"/>
+          <a:ext cx="0" cy="0"/>
+          <a:chOff x="0" y="0"/>
+          <a:chExt cx="0" cy="0"/>
+        </a:xfrm>
+      </p:grpSpPr>
+      <p:sp>
+        <p:nvSpPr>
+          <p:cNvPr id="6" name="Rectangle 5"/>
+          <p:cNvSpPr/>
+          <p:nvPr/>
+        </p:nvSpPr>
+        <p:spPr>
+          <a:xfrm>
+            <a:off x="0" y="365125"/>
+            <a:ext cx="12192000" cy="473075"/>
+          </a:xfrm>
+          <a:prstGeom prst="rect">
+            <a:avLst/>
+          </a:prstGeom>
+          <a:solidFill>
+            <a:schemeClr val="bg1">
+              <a:lumMod val="95000"/>
+            </a:schemeClr>
+          </a:solidFill>
+          <a:ln>
+            <a:solidFill>
+              <a:schemeClr val="bg1">
+                <a:lumMod val="95000"/>
+              </a:schemeClr>
+            </a:solidFill>
+          </a:ln>
+        </p:spPr>
+        <p:style>
+          <a:lnRef idx="2">
+            <a:schemeClr val="accent1">
+              <a:shade val="50000"/>
+            </a:schemeClr>
+          </a:lnRef>
+          <a:fillRef idx="1">
+            <a:schemeClr val="accent1"/>
+          </a:fillRef>
+          <a:effectRef idx="0">
+            <a:schemeClr val="accent1"/>
+          </a:effectRef>
+          <a:fontRef idx="minor">
+            <a:schemeClr val="lt1"/>
+          </a:fontRef>
+        </p:style>
+        <p:txBody>
+          <a:bodyPr rtlCol="0" anchor="ctr"/>
+          <a:lstStyle/>
+          <a:p>
+            <a:pPr algn="ctr"/>
+            <a:endParaRPr lang="fr-CH"/>
+          </a:p>
+        </p:txBody>
+      </p:sp>
+      <p:sp>
+        <p:nvSpPr>
+          <p:cNvPr id="4" name="Rectangle 3"/>
+          <p:cNvSpPr/>
+          <p:nvPr/>
+        </p:nvSpPr>
+        <p:spPr>
+          <a:xfrm>
+            <a:off x="1" y="0"/>
+            <a:ext cx="12192000" cy="365125"/>
+          </a:xfrm>
+          <a:prstGeom prst="rect">
+            <a:avLst/>
+          </a:prstGeom>
+          <a:solidFill>
+            <a:srgbClr val="002060"/>
+          </a:solidFill>
+          <a:ln>
+            <a:solidFill>
+              <a:srgbClr val="002060"/>
+            </a:solidFill>
+          </a:ln>
+        </p:spPr>
+        <p:style>
+          <a:lnRef idx="2">
+            <a:schemeClr val="accent1">
+              <a:shade val="50000"/>
+            </a:schemeClr>
+          </a:lnRef>
+          <a:fillRef idx="1">
+            <a:schemeClr val="accent1"/>
+          </a:fillRef>
+          <a:effectRef idx="0">
+            <a:schemeClr val="accent1"/>
+          </a:effectRef>
+          <a:fontRef idx="minor">
+            <a:schemeClr val="lt1"/>
+          </a:fontRef>
+        </p:style>
+        <p:txBody>
+          <a:bodyPr rtlCol="0" anchor="ctr"/>
+          <a:lstStyle/>
+          <a:p>
+            <a:pPr algn="ctr"/>
+            <a:endParaRPr lang="fr-CH"/>
+          </a:p>
+        </p:txBody>
+      </p:sp>
+      <p:sp>
+        <p:nvSpPr>
+          <p:cNvPr id="2" name="Titre 1"/>
+          <p:cNvSpPr>
+            <a:spLocks noGrp="1"/>
+          </p:cNvSpPr>
+          <p:nvPr>
+            <p:ph type="title"/>
+          </p:nvPr>
+        </p:nvSpPr>
+        <p:spPr>
+          <a:xfrm>
+            <a:off x="838200" y="365125"/>
+            <a:ext cx="10515600" cy="473075"/>
+          </a:xfrm>
+        </p:spPr>
+        <p:txBody>
+          <a:bodyPr>
+            <a:noAutofit/>
+          </a:bodyPr>
+          <a:lstStyle/>
+          <a:p>
+            <a:r>
+              <a:rPr lang="fr-CH" sz="2000" dirty="0">
+                <a:latin typeface="Helvetica" panose="020B0604020202030204" pitchFamily="34" charset="0"/>
+              </a:rPr>
+              <a:t>DESIGN</a:t>
+            </a:r>
+            <a:endParaRPr lang="fr-CH" sz="2000" dirty="0">
+              <a:latin typeface="Helvetica" panose="020B0604020202030204" pitchFamily="34" charset="0"/>
+            </a:endParaRPr>
+          </a:p>
+        </p:txBody>
+      </p:sp>
+      <p:sp>
+        <p:nvSpPr>
+          <p:cNvPr id="7" name="Rectangle 6"/>
+          <p:cNvSpPr/>
+          <p:nvPr/>
+        </p:nvSpPr>
+        <p:spPr>
+          <a:xfrm>
+            <a:off x="-1" y="849313"/>
+            <a:ext cx="5057775" cy="473075"/>
+          </a:xfrm>
+          <a:prstGeom prst="rect">
+            <a:avLst/>
+          </a:prstGeom>
+          <a:solidFill>
+            <a:schemeClr val="accent1">
+              <a:lumMod val="20000"/>
+              <a:lumOff val="80000"/>
+            </a:schemeClr>
+          </a:solidFill>
+          <a:ln>
+            <a:solidFill>
+              <a:schemeClr val="accent1">
+                <a:lumMod val="20000"/>
+                <a:lumOff val="80000"/>
+              </a:schemeClr>
+            </a:solidFill>
+          </a:ln>
+        </p:spPr>
+        <p:style>
+          <a:lnRef idx="2">
+            <a:schemeClr val="accent1">
+              <a:shade val="50000"/>
+            </a:schemeClr>
+          </a:lnRef>
+          <a:fillRef idx="1">
+            <a:schemeClr val="accent1"/>
+          </a:fillRef>
+          <a:effectRef idx="0">
+            <a:schemeClr val="accent1"/>
+          </a:effectRef>
+          <a:fontRef idx="minor">
+            <a:schemeClr val="lt1"/>
+          </a:fontRef>
+        </p:style>
+        <p:txBody>
+          <a:bodyPr rtlCol="0" anchor="ctr"/>
+          <a:lstStyle/>
+          <a:p>
+            <a:endParaRPr lang="fr-CH" sz="2000" dirty="0">
+              <a:solidFill>
+                <a:schemeClr val="tx1"/>
+              </a:solidFill>
+              <a:latin typeface="Helvetica" panose="020B0604020202030204" pitchFamily="34" charset="0"/>
+            </a:endParaRPr>
+          </a:p>
+        </p:txBody>
+      </p:sp>
+      <p:sp>
+        <p:nvSpPr>
+          <p:cNvPr id="9" name="Titre 1"/>
+          <p:cNvSpPr txBox="1">
+            <a:spLocks/>
+          </p:cNvSpPr>
+          <p:nvPr/>
+        </p:nvSpPr>
+        <p:spPr>
+          <a:xfrm>
+            <a:off x="838200" y="850900"/>
+            <a:ext cx="4219574" cy="473075"/>
+          </a:xfrm>
+          <a:prstGeom prst="rect">
+            <a:avLst/>
+          </a:prstGeom>
+        </p:spPr>
+        <p:txBody>
+          <a:bodyPr vert="horz" lIns="91440" tIns="45720" rIns="91440" bIns="45720" rtlCol="0" anchor="ctr">
+            <a:noAutofit/>
+          </a:bodyPr>
+          <a:lstStyle>
+            <a:lvl1pPr algn="l" defTabSz="914400" rtl="0" eaLnBrk="1" latinLnBrk="0" hangingPunct="1">
+              <a:lnSpc>
+                <a:spcPct val="90000"/>
+              </a:lnSpc>
+              <a:spcBef>
+                <a:spcPct val="0"/>
+              </a:spcBef>
+              <a:buNone/>
+              <a:defRPr sz="4400" kern="1200">
+                <a:solidFill>
+                  <a:schemeClr val="tx1"/>
+                </a:solidFill>
+                <a:latin typeface="+mj-lt"/>
+                <a:ea typeface="+mj-ea"/>
+                <a:cs typeface="+mj-cs"/>
+              </a:defRPr>
+            </a:lvl1pPr>
+          </a:lstStyle>
+          <a:p>
+            <a:r>
+              <a:rPr lang="fr-CH" sz="2000" dirty="0" smtClean="0">
+                <a:latin typeface="Helvetica" panose="020B0604020202030204" pitchFamily="34" charset="0"/>
+              </a:rPr>
+              <a:t>MECANIQUE - CONTRAINTES</a:t>
+            </a:r>
+            <a:endParaRPr lang="fr-CH" sz="2000" dirty="0">
+              <a:latin typeface="Helvetica" panose="020B0604020202030204" pitchFamily="34" charset="0"/>
+            </a:endParaRPr>
+          </a:p>
+        </p:txBody>
+      </p:sp>
+      <p:grpSp>
+        <p:nvGrpSpPr>
+          <p:cNvPr id="8" name="Groupe 7"/>
+          <p:cNvGrpSpPr/>
+          <p:nvPr/>
+        </p:nvGrpSpPr>
+        <p:grpSpPr>
+          <a:xfrm>
+            <a:off x="1361961" y="1811974"/>
+            <a:ext cx="4257675" cy="1552575"/>
+            <a:chOff x="2476500" y="2124075"/>
+            <a:chExt cx="4257675" cy="1552575"/>
+          </a:xfrm>
+        </p:grpSpPr>
+        <p:sp>
+          <p:nvSpPr>
+            <p:cNvPr id="5" name="Rectangle 4"/>
+            <p:cNvSpPr/>
+            <p:nvPr/>
+          </p:nvSpPr>
+          <p:spPr>
+            <a:xfrm>
+              <a:off x="2476500" y="2124075"/>
+              <a:ext cx="4257675" cy="352425"/>
+            </a:xfrm>
+            <a:prstGeom prst="rect">
+              <a:avLst/>
+            </a:prstGeom>
+            <a:solidFill>
+              <a:srgbClr val="002060"/>
+            </a:solidFill>
+            <a:ln>
+              <a:solidFill>
+                <a:srgbClr val="002060"/>
+              </a:solidFill>
+            </a:ln>
+          </p:spPr>
+          <p:style>
+            <a:lnRef idx="2">
+              <a:schemeClr val="accent1">
+                <a:shade val="50000"/>
+              </a:schemeClr>
+            </a:lnRef>
+            <a:fillRef idx="1">
+              <a:schemeClr val="accent1"/>
+            </a:fillRef>
+            <a:effectRef idx="0">
+              <a:schemeClr val="accent1"/>
+            </a:effectRef>
+            <a:fontRef idx="minor">
+              <a:schemeClr val="lt1"/>
+            </a:fontRef>
+          </p:style>
+          <p:txBody>
+            <a:bodyPr rtlCol="0" anchor="ctr"/>
+            <a:lstStyle/>
+            <a:p>
+              <a:pPr algn="ctr"/>
+              <a:r>
+                <a:rPr lang="fr-CH" dirty="0" smtClean="0">
+                  <a:latin typeface="Helvetica" panose="020B0604020202030204" pitchFamily="34" charset="0"/>
+                </a:rPr>
+                <a:t>TIGE CONDUCTRICES</a:t>
+              </a:r>
+              <a:endParaRPr lang="fr-CH" dirty="0">
+                <a:latin typeface="Helvetica" panose="020B0604020202030204" pitchFamily="34" charset="0"/>
+              </a:endParaRPr>
+            </a:p>
+          </p:txBody>
+        </p:sp>
+        <p:sp>
+          <p:nvSpPr>
+            <p:cNvPr id="11" name="Rectangle 10"/>
+            <p:cNvSpPr/>
+            <p:nvPr/>
+          </p:nvSpPr>
+          <p:spPr>
+            <a:xfrm>
+              <a:off x="2476500" y="2476500"/>
+              <a:ext cx="4257675" cy="1200150"/>
+            </a:xfrm>
+            <a:prstGeom prst="rect">
+              <a:avLst/>
+            </a:prstGeom>
+            <a:solidFill>
+              <a:schemeClr val="bg1">
+                <a:lumMod val="95000"/>
+              </a:schemeClr>
+            </a:solidFill>
+            <a:ln>
+              <a:solidFill>
+                <a:schemeClr val="bg1">
+                  <a:lumMod val="95000"/>
+                </a:schemeClr>
+              </a:solidFill>
+            </a:ln>
+          </p:spPr>
+          <p:style>
+            <a:lnRef idx="2">
+              <a:schemeClr val="accent1">
+                <a:shade val="50000"/>
+              </a:schemeClr>
+            </a:lnRef>
+            <a:fillRef idx="1">
+              <a:schemeClr val="accent1"/>
+            </a:fillRef>
+            <a:effectRef idx="0">
+              <a:schemeClr val="accent1"/>
+            </a:effectRef>
+            <a:fontRef idx="minor">
+              <a:schemeClr val="lt1"/>
+            </a:fontRef>
+          </p:style>
+          <p:txBody>
+            <a:bodyPr rtlCol="0" anchor="t"/>
+            <a:lstStyle/>
+            <a:p>
+              <a:r>
+                <a:rPr lang="fr-CH" dirty="0" smtClean="0">
+                  <a:solidFill>
+                    <a:schemeClr val="tx1"/>
+                  </a:solidFill>
+                  <a:latin typeface="Helvetica" panose="020B0604020202030204" pitchFamily="34" charset="0"/>
+                </a:rPr>
+                <a:t>Il faut </a:t>
+              </a:r>
+              <a:r>
+                <a:rPr lang="fr-CH" dirty="0">
+                  <a:solidFill>
+                    <a:schemeClr val="tx1"/>
+                  </a:solidFill>
+                  <a:latin typeface="Helvetica" panose="020B0604020202030204" pitchFamily="34" charset="0"/>
+                </a:rPr>
+                <a:t>prévoir une zone sans composant, sans cuivre apparent et si possible sans pistes sur les</a:t>
+              </a:r>
+            </a:p>
+            <a:p>
+              <a:r>
+                <a:rPr lang="fr-CH" dirty="0">
+                  <a:solidFill>
+                    <a:schemeClr val="tx1"/>
+                  </a:solidFill>
+                  <a:latin typeface="Helvetica" panose="020B0604020202030204" pitchFamily="34" charset="0"/>
+                </a:rPr>
+                <a:t>bords de la couche </a:t>
+              </a:r>
+              <a:r>
+                <a:rPr lang="fr-CH" i="1" dirty="0" err="1">
+                  <a:solidFill>
+                    <a:schemeClr val="tx1"/>
+                  </a:solidFill>
+                  <a:latin typeface="Helvetica" panose="020B0604020202030204" pitchFamily="34" charset="0"/>
+                </a:rPr>
+                <a:t>bottom</a:t>
+              </a:r>
+              <a:r>
+                <a:rPr lang="fr-CH" dirty="0">
+                  <a:solidFill>
+                    <a:schemeClr val="tx1"/>
+                  </a:solidFill>
+                  <a:latin typeface="Helvetica" panose="020B0604020202030204" pitchFamily="34" charset="0"/>
+                </a:rPr>
+                <a:t>.</a:t>
+              </a:r>
+            </a:p>
+          </p:txBody>
+        </p:sp>
+      </p:grpSp>
+      <p:grpSp>
+        <p:nvGrpSpPr>
+          <p:cNvPr id="10" name="Groupe 9"/>
+          <p:cNvGrpSpPr/>
+          <p:nvPr/>
+        </p:nvGrpSpPr>
+        <p:grpSpPr>
+          <a:xfrm>
+            <a:off x="6394748" y="1806576"/>
+            <a:ext cx="4257675" cy="1557973"/>
+            <a:chOff x="2476500" y="2124075"/>
+            <a:chExt cx="4257675" cy="1557973"/>
+          </a:xfrm>
+        </p:grpSpPr>
+        <p:sp>
+          <p:nvSpPr>
+            <p:cNvPr id="12" name="Rectangle 11"/>
+            <p:cNvSpPr/>
+            <p:nvPr/>
+          </p:nvSpPr>
+          <p:spPr>
+            <a:xfrm>
+              <a:off x="2476500" y="2124075"/>
+              <a:ext cx="4257675" cy="352425"/>
+            </a:xfrm>
+            <a:prstGeom prst="rect">
+              <a:avLst/>
+            </a:prstGeom>
+            <a:solidFill>
+              <a:srgbClr val="002060"/>
+            </a:solidFill>
+            <a:ln>
+              <a:solidFill>
+                <a:srgbClr val="002060"/>
+              </a:solidFill>
+            </a:ln>
+          </p:spPr>
+          <p:style>
+            <a:lnRef idx="2">
+              <a:schemeClr val="accent1">
+                <a:shade val="50000"/>
+              </a:schemeClr>
+            </a:lnRef>
+            <a:fillRef idx="1">
+              <a:schemeClr val="accent1"/>
+            </a:fillRef>
+            <a:effectRef idx="0">
+              <a:schemeClr val="accent1"/>
+            </a:effectRef>
+            <a:fontRef idx="minor">
+              <a:schemeClr val="lt1"/>
+            </a:fontRef>
+          </p:style>
+          <p:txBody>
+            <a:bodyPr rtlCol="0" anchor="ctr"/>
+            <a:lstStyle/>
+            <a:p>
+              <a:pPr algn="ctr"/>
+              <a:r>
+                <a:rPr lang="fr-CH" dirty="0" smtClean="0">
+                  <a:latin typeface="Helvetica" panose="020B0604020202030204" pitchFamily="34" charset="0"/>
+                </a:rPr>
+                <a:t>IMU</a:t>
+              </a:r>
+              <a:endParaRPr lang="fr-CH" dirty="0">
+                <a:latin typeface="Helvetica" panose="020B0604020202030204" pitchFamily="34" charset="0"/>
+              </a:endParaRPr>
+            </a:p>
+          </p:txBody>
+        </p:sp>
+        <p:sp>
+          <p:nvSpPr>
+            <p:cNvPr id="13" name="Rectangle 12"/>
+            <p:cNvSpPr/>
+            <p:nvPr/>
+          </p:nvSpPr>
+          <p:spPr>
+            <a:xfrm>
+              <a:off x="2476500" y="2476500"/>
+              <a:ext cx="4257675" cy="1205548"/>
+            </a:xfrm>
+            <a:prstGeom prst="rect">
+              <a:avLst/>
+            </a:prstGeom>
+            <a:solidFill>
+              <a:schemeClr val="bg1">
+                <a:lumMod val="95000"/>
+              </a:schemeClr>
+            </a:solidFill>
+            <a:ln>
+              <a:solidFill>
+                <a:schemeClr val="bg1">
+                  <a:lumMod val="95000"/>
+                </a:schemeClr>
+              </a:solidFill>
+            </a:ln>
+          </p:spPr>
+          <p:style>
+            <a:lnRef idx="2">
+              <a:schemeClr val="accent1">
+                <a:shade val="50000"/>
+              </a:schemeClr>
+            </a:lnRef>
+            <a:fillRef idx="1">
+              <a:schemeClr val="accent1"/>
+            </a:fillRef>
+            <a:effectRef idx="0">
+              <a:schemeClr val="accent1"/>
+            </a:effectRef>
+            <a:fontRef idx="minor">
+              <a:schemeClr val="lt1"/>
+            </a:fontRef>
+          </p:style>
+          <p:txBody>
+            <a:bodyPr rtlCol="0" anchor="t"/>
+            <a:lstStyle/>
+            <a:p>
+              <a:r>
+                <a:rPr lang="fr-CH" dirty="0">
+                  <a:solidFill>
+                    <a:schemeClr val="tx1"/>
+                  </a:solidFill>
+                  <a:latin typeface="Helvetica" panose="020B0604020202030204" pitchFamily="34" charset="0"/>
+                </a:rPr>
+                <a:t>La centrale inertielle, se connecte via des bergs femelles et vas par </a:t>
+              </a:r>
+              <a:r>
+                <a:rPr lang="fr-CH" dirty="0" smtClean="0">
+                  <a:solidFill>
+                    <a:schemeClr val="tx1"/>
+                  </a:solidFill>
+                  <a:latin typeface="Helvetica" panose="020B0604020202030204" pitchFamily="34" charset="0"/>
+                </a:rPr>
+                <a:t> conséquent prendre </a:t>
+              </a:r>
+              <a:r>
+                <a:rPr lang="fr-CH" dirty="0">
+                  <a:solidFill>
+                    <a:schemeClr val="tx1"/>
+                  </a:solidFill>
+                  <a:latin typeface="Helvetica" panose="020B0604020202030204" pitchFamily="34" charset="0"/>
+                </a:rPr>
+                <a:t>de la place en hauteur, ce qui doit être considéré.</a:t>
+              </a:r>
+              <a:endParaRPr lang="fr-CH" dirty="0">
+                <a:solidFill>
+                  <a:schemeClr val="tx1"/>
+                </a:solidFill>
+                <a:latin typeface="Helvetica" panose="020B0604020202030204" pitchFamily="34" charset="0"/>
+              </a:endParaRPr>
+            </a:p>
+          </p:txBody>
+        </p:sp>
+      </p:grpSp>
+      <p:grpSp>
+        <p:nvGrpSpPr>
+          <p:cNvPr id="14" name="Groupe 13"/>
+          <p:cNvGrpSpPr/>
+          <p:nvPr/>
+        </p:nvGrpSpPr>
+        <p:grpSpPr>
+          <a:xfrm>
+            <a:off x="1381012" y="3716974"/>
+            <a:ext cx="4257675" cy="1870747"/>
+            <a:chOff x="2476500" y="2124075"/>
+            <a:chExt cx="4257675" cy="1870747"/>
+          </a:xfrm>
+        </p:grpSpPr>
+        <p:sp>
+          <p:nvSpPr>
+            <p:cNvPr id="15" name="Rectangle 14"/>
+            <p:cNvSpPr/>
+            <p:nvPr/>
+          </p:nvSpPr>
+          <p:spPr>
+            <a:xfrm>
+              <a:off x="2476500" y="2124075"/>
+              <a:ext cx="4257675" cy="352425"/>
+            </a:xfrm>
+            <a:prstGeom prst="rect">
+              <a:avLst/>
+            </a:prstGeom>
+            <a:solidFill>
+              <a:srgbClr val="002060"/>
+            </a:solidFill>
+            <a:ln>
+              <a:solidFill>
+                <a:srgbClr val="002060"/>
+              </a:solidFill>
+            </a:ln>
+          </p:spPr>
+          <p:style>
+            <a:lnRef idx="2">
+              <a:schemeClr val="accent1">
+                <a:shade val="50000"/>
+              </a:schemeClr>
+            </a:lnRef>
+            <a:fillRef idx="1">
+              <a:schemeClr val="accent1"/>
+            </a:fillRef>
+            <a:effectRef idx="0">
+              <a:schemeClr val="accent1"/>
+            </a:effectRef>
+            <a:fontRef idx="minor">
+              <a:schemeClr val="lt1"/>
+            </a:fontRef>
+          </p:style>
+          <p:txBody>
+            <a:bodyPr rtlCol="0" anchor="ctr"/>
+            <a:lstStyle/>
+            <a:p>
+              <a:pPr algn="ctr"/>
+              <a:r>
+                <a:rPr lang="fr-CH" dirty="0" smtClean="0">
+                  <a:latin typeface="Helvetica" panose="020B0604020202030204" pitchFamily="34" charset="0"/>
+                </a:rPr>
+                <a:t>CARTE SD</a:t>
+              </a:r>
+              <a:endParaRPr lang="fr-CH" dirty="0">
+                <a:latin typeface="Helvetica" panose="020B0604020202030204" pitchFamily="34" charset="0"/>
+              </a:endParaRPr>
+            </a:p>
+          </p:txBody>
+        </p:sp>
+        <p:sp>
+          <p:nvSpPr>
+            <p:cNvPr id="16" name="Rectangle 15"/>
+            <p:cNvSpPr/>
+            <p:nvPr/>
+          </p:nvSpPr>
+          <p:spPr>
+            <a:xfrm>
+              <a:off x="2476500" y="2476500"/>
+              <a:ext cx="4257675" cy="1518322"/>
+            </a:xfrm>
+            <a:prstGeom prst="rect">
+              <a:avLst/>
+            </a:prstGeom>
+            <a:solidFill>
+              <a:schemeClr val="bg1">
+                <a:lumMod val="95000"/>
+              </a:schemeClr>
+            </a:solidFill>
+            <a:ln>
+              <a:solidFill>
+                <a:schemeClr val="bg1">
+                  <a:lumMod val="95000"/>
+                </a:schemeClr>
+              </a:solidFill>
+            </a:ln>
+          </p:spPr>
+          <p:style>
+            <a:lnRef idx="2">
+              <a:schemeClr val="accent1">
+                <a:shade val="50000"/>
+              </a:schemeClr>
+            </a:lnRef>
+            <a:fillRef idx="1">
+              <a:schemeClr val="accent1"/>
+            </a:fillRef>
+            <a:effectRef idx="0">
+              <a:schemeClr val="accent1"/>
+            </a:effectRef>
+            <a:fontRef idx="minor">
+              <a:schemeClr val="lt1"/>
+            </a:fontRef>
+          </p:style>
+          <p:txBody>
+            <a:bodyPr rtlCol="0" anchor="t"/>
+            <a:lstStyle/>
+            <a:p>
+              <a:r>
+                <a:rPr lang="fr-CH" dirty="0">
+                  <a:solidFill>
+                    <a:schemeClr val="tx1"/>
+                  </a:solidFill>
+                  <a:latin typeface="Helvetica" panose="020B0604020202030204" pitchFamily="34" charset="0"/>
+                </a:rPr>
+                <a:t>La carte SD requiert un </a:t>
+              </a:r>
+              <a:r>
+                <a:rPr lang="fr-CH" dirty="0" smtClean="0">
+                  <a:solidFill>
+                    <a:schemeClr val="tx1"/>
+                  </a:solidFill>
+                  <a:latin typeface="Helvetica" panose="020B0604020202030204" pitchFamily="34" charset="0"/>
+                </a:rPr>
+                <a:t>support relativement </a:t>
+              </a:r>
+              <a:r>
+                <a:rPr lang="fr-CH" dirty="0">
+                  <a:solidFill>
+                    <a:schemeClr val="tx1"/>
+                  </a:solidFill>
+                  <a:latin typeface="Helvetica" panose="020B0604020202030204" pitchFamily="34" charset="0"/>
+                </a:rPr>
+                <a:t>grand et un espace doit être </a:t>
+              </a:r>
+              <a:r>
+                <a:rPr lang="fr-CH" dirty="0" smtClean="0">
+                  <a:solidFill>
+                    <a:schemeClr val="tx1"/>
+                  </a:solidFill>
+                  <a:latin typeface="Helvetica" panose="020B0604020202030204" pitchFamily="34" charset="0"/>
+                </a:rPr>
+                <a:t>prévu pour </a:t>
+              </a:r>
+              <a:r>
+                <a:rPr lang="fr-CH" dirty="0">
+                  <a:solidFill>
+                    <a:schemeClr val="tx1"/>
+                  </a:solidFill>
+                  <a:latin typeface="Helvetica" panose="020B0604020202030204" pitchFamily="34" charset="0"/>
+                </a:rPr>
+                <a:t>pouvoir insérer/retirer la carte facilement et sans qu’elle dépasse trop du PCB.</a:t>
+              </a:r>
+              <a:endParaRPr lang="fr-CH" dirty="0">
+                <a:solidFill>
+                  <a:schemeClr val="tx1"/>
+                </a:solidFill>
+                <a:latin typeface="Helvetica" panose="020B0604020202030204" pitchFamily="34" charset="0"/>
+              </a:endParaRPr>
+            </a:p>
+          </p:txBody>
+        </p:sp>
+      </p:grpSp>
+      <p:grpSp>
+        <p:nvGrpSpPr>
+          <p:cNvPr id="17" name="Groupe 16"/>
+          <p:cNvGrpSpPr/>
+          <p:nvPr/>
+        </p:nvGrpSpPr>
+        <p:grpSpPr>
+          <a:xfrm>
+            <a:off x="6394748" y="3716974"/>
+            <a:ext cx="4257675" cy="1870747"/>
+            <a:chOff x="2476500" y="2124075"/>
+            <a:chExt cx="4257675" cy="1870747"/>
+          </a:xfrm>
+        </p:grpSpPr>
+        <p:sp>
+          <p:nvSpPr>
+            <p:cNvPr id="18" name="Rectangle 17"/>
+            <p:cNvSpPr/>
+            <p:nvPr/>
+          </p:nvSpPr>
+          <p:spPr>
+            <a:xfrm>
+              <a:off x="2476500" y="2124075"/>
+              <a:ext cx="4257675" cy="352425"/>
+            </a:xfrm>
+            <a:prstGeom prst="rect">
+              <a:avLst/>
+            </a:prstGeom>
+            <a:solidFill>
+              <a:srgbClr val="002060"/>
+            </a:solidFill>
+            <a:ln>
+              <a:solidFill>
+                <a:srgbClr val="002060"/>
+              </a:solidFill>
+            </a:ln>
+          </p:spPr>
+          <p:style>
+            <a:lnRef idx="2">
+              <a:schemeClr val="accent1">
+                <a:shade val="50000"/>
+              </a:schemeClr>
+            </a:lnRef>
+            <a:fillRef idx="1">
+              <a:schemeClr val="accent1"/>
+            </a:fillRef>
+            <a:effectRef idx="0">
+              <a:schemeClr val="accent1"/>
+            </a:effectRef>
+            <a:fontRef idx="minor">
+              <a:schemeClr val="lt1"/>
+            </a:fontRef>
+          </p:style>
+          <p:txBody>
+            <a:bodyPr rtlCol="0" anchor="ctr"/>
+            <a:lstStyle/>
+            <a:p>
+              <a:pPr algn="ctr"/>
+              <a:r>
+                <a:rPr lang="fr-CH" dirty="0" smtClean="0">
+                  <a:latin typeface="Helvetica" panose="020B0604020202030204" pitchFamily="34" charset="0"/>
+                </a:rPr>
+                <a:t>CLICK BOARD</a:t>
+              </a:r>
+              <a:endParaRPr lang="fr-CH" dirty="0">
+                <a:latin typeface="Helvetica" panose="020B0604020202030204" pitchFamily="34" charset="0"/>
+              </a:endParaRPr>
+            </a:p>
+          </p:txBody>
+        </p:sp>
+        <p:sp>
+          <p:nvSpPr>
+            <p:cNvPr id="19" name="Rectangle 18"/>
+            <p:cNvSpPr/>
+            <p:nvPr/>
+          </p:nvSpPr>
+          <p:spPr>
+            <a:xfrm>
+              <a:off x="2476500" y="2476500"/>
+              <a:ext cx="4257675" cy="1518322"/>
+            </a:xfrm>
+            <a:prstGeom prst="rect">
+              <a:avLst/>
+            </a:prstGeom>
+            <a:solidFill>
+              <a:schemeClr val="bg1">
+                <a:lumMod val="95000"/>
+              </a:schemeClr>
+            </a:solidFill>
+            <a:ln>
+              <a:solidFill>
+                <a:schemeClr val="bg1">
+                  <a:lumMod val="95000"/>
+                </a:schemeClr>
+              </a:solidFill>
+            </a:ln>
+          </p:spPr>
+          <p:style>
+            <a:lnRef idx="2">
+              <a:schemeClr val="accent1">
+                <a:shade val="50000"/>
+              </a:schemeClr>
+            </a:lnRef>
+            <a:fillRef idx="1">
+              <a:schemeClr val="accent1"/>
+            </a:fillRef>
+            <a:effectRef idx="0">
+              <a:schemeClr val="accent1"/>
+            </a:effectRef>
+            <a:fontRef idx="minor">
+              <a:schemeClr val="lt1"/>
+            </a:fontRef>
+          </p:style>
+          <p:txBody>
+            <a:bodyPr rtlCol="0" anchor="t"/>
+            <a:lstStyle/>
+            <a:p>
+              <a:r>
+                <a:rPr lang="fr-CH" dirty="0">
+                  <a:solidFill>
+                    <a:schemeClr val="tx1"/>
+                  </a:solidFill>
+                  <a:latin typeface="Helvetica" panose="020B0604020202030204" pitchFamily="34" charset="0"/>
+                </a:rPr>
+                <a:t>Un slot </a:t>
+              </a:r>
+              <a:r>
+                <a:rPr lang="fr-CH" dirty="0" err="1">
+                  <a:solidFill>
+                    <a:schemeClr val="tx1"/>
+                  </a:solidFill>
+                  <a:latin typeface="Helvetica" panose="020B0604020202030204" pitchFamily="34" charset="0"/>
+                </a:rPr>
+                <a:t>mikroe</a:t>
+              </a:r>
+              <a:r>
+                <a:rPr lang="fr-CH" dirty="0">
+                  <a:solidFill>
+                    <a:schemeClr val="tx1"/>
+                  </a:solidFill>
+                  <a:latin typeface="Helvetica" panose="020B0604020202030204" pitchFamily="34" charset="0"/>
+                </a:rPr>
+                <a:t> est présent dans le projet et pour être implémenté, vas </a:t>
+              </a:r>
+              <a:r>
+                <a:rPr lang="fr-CH" dirty="0" smtClean="0">
+                  <a:solidFill>
+                    <a:schemeClr val="tx1"/>
+                  </a:solidFill>
+                  <a:latin typeface="Helvetica" panose="020B0604020202030204" pitchFamily="34" charset="0"/>
+                </a:rPr>
+                <a:t>requérir un </a:t>
+              </a:r>
+              <a:r>
+                <a:rPr lang="fr-CH" dirty="0">
+                  <a:solidFill>
+                    <a:schemeClr val="tx1"/>
+                  </a:solidFill>
+                  <a:latin typeface="Helvetica" panose="020B0604020202030204" pitchFamily="34" charset="0"/>
+                </a:rPr>
+                <a:t>allongement mécanique du bouton de la lampe, pour gagner de la place.</a:t>
+              </a:r>
+              <a:endParaRPr lang="fr-CH" dirty="0">
+                <a:solidFill>
+                  <a:schemeClr val="tx1"/>
+                </a:solidFill>
+                <a:latin typeface="Helvetica" panose="020B0604020202030204" pitchFamily="34" charset="0"/>
+              </a:endParaRPr>
+            </a:p>
+          </p:txBody>
+        </p:sp>
+      </p:grpSp>
+    </p:spTree>
+    <p:extLst>
+      <p:ext uri="{BB962C8B-B14F-4D97-AF65-F5344CB8AC3E}">
+        <p14:creationId xmlns:p14="http://schemas.microsoft.com/office/powerpoint/2010/main" val="592129865"/>
+      </p:ext>
+    </p:extLst>
+  </p:cSld>
+  <p:clrMapOvr>
+    <a:masterClrMapping/>
+  </p:clrMapOvr>
+  <mc:AlternateContent xmlns:mc="http://schemas.openxmlformats.org/markup-compatibility/2006">
+    <mc:Choice xmlns:p14="http://schemas.microsoft.com/office/powerpoint/2010/main" Requires="p14">
+      <p:transition>
+        <p14:reveal/>
+      </p:transition>
+    </mc:Choice>
+    <mc:Fallback>
+      <p:transition>
+        <p:fade/>
+      </p:transition>
+    </mc:Fallback>
+  </mc:AlternateContent>
+  <p:timing>
+    <p:tnLst>
+      <p:par>
+        <p:cTn id="1" dur="indefinite" restart="never" nodeType="tmRoot"/>
+      </p:par>
+    </p:tnLst>
+  </p:timing>
+</p:sld>
+</file>
+
+<file path=ppt/slides/slide12.xml><?xml version="1.0" encoding="utf-8"?>
+<p:sld xmlns:a="http://schemas.openxmlformats.org/drawingml/2006/main" xmlns:r="http://schemas.openxmlformats.org/officeDocument/2006/relationships" xmlns:p="http://schemas.openxmlformats.org/presentationml/2006/main">
+  <p:cSld>
+    <p:spTree>
+      <p:nvGrpSpPr>
+        <p:cNvPr id="1" name=""/>
+        <p:cNvGrpSpPr/>
+        <p:nvPr/>
+      </p:nvGrpSpPr>
+      <p:grpSpPr>
+        <a:xfrm>
+          <a:off x="0" y="0"/>
+          <a:ext cx="0" cy="0"/>
+          <a:chOff x="0" y="0"/>
+          <a:chExt cx="0" cy="0"/>
+        </a:xfrm>
+      </p:grpSpPr>
+      <p:sp>
+        <p:nvSpPr>
+          <p:cNvPr id="6" name="Rectangle 5"/>
+          <p:cNvSpPr/>
+          <p:nvPr/>
+        </p:nvSpPr>
+        <p:spPr>
+          <a:xfrm>
+            <a:off x="0" y="365125"/>
+            <a:ext cx="12192000" cy="473075"/>
+          </a:xfrm>
+          <a:prstGeom prst="rect">
+            <a:avLst/>
+          </a:prstGeom>
+          <a:solidFill>
+            <a:schemeClr val="bg1">
+              <a:lumMod val="95000"/>
+            </a:schemeClr>
+          </a:solidFill>
+          <a:ln>
+            <a:solidFill>
+              <a:schemeClr val="bg1">
+                <a:lumMod val="95000"/>
+              </a:schemeClr>
+            </a:solidFill>
+          </a:ln>
+        </p:spPr>
+        <p:style>
+          <a:lnRef idx="2">
+            <a:schemeClr val="accent1">
+              <a:shade val="50000"/>
+            </a:schemeClr>
+          </a:lnRef>
+          <a:fillRef idx="1">
+            <a:schemeClr val="accent1"/>
+          </a:fillRef>
+          <a:effectRef idx="0">
+            <a:schemeClr val="accent1"/>
+          </a:effectRef>
+          <a:fontRef idx="minor">
+            <a:schemeClr val="lt1"/>
+          </a:fontRef>
+        </p:style>
+        <p:txBody>
+          <a:bodyPr rtlCol="0" anchor="ctr"/>
+          <a:lstStyle/>
+          <a:p>
+            <a:pPr algn="ctr"/>
+            <a:endParaRPr lang="fr-CH"/>
+          </a:p>
+        </p:txBody>
+      </p:sp>
+      <p:sp>
+        <p:nvSpPr>
+          <p:cNvPr id="4" name="Rectangle 3"/>
+          <p:cNvSpPr/>
+          <p:nvPr/>
+        </p:nvSpPr>
+        <p:spPr>
+          <a:xfrm>
+            <a:off x="1" y="0"/>
+            <a:ext cx="12192000" cy="365125"/>
+          </a:xfrm>
+          <a:prstGeom prst="rect">
+            <a:avLst/>
+          </a:prstGeom>
+          <a:solidFill>
+            <a:srgbClr val="002060"/>
+          </a:solidFill>
+          <a:ln>
+            <a:solidFill>
+              <a:srgbClr val="002060"/>
+            </a:solidFill>
+          </a:ln>
+        </p:spPr>
+        <p:style>
+          <a:lnRef idx="2">
+            <a:schemeClr val="accent1">
+              <a:shade val="50000"/>
+            </a:schemeClr>
+          </a:lnRef>
+          <a:fillRef idx="1">
+            <a:schemeClr val="accent1"/>
+          </a:fillRef>
+          <a:effectRef idx="0">
+            <a:schemeClr val="accent1"/>
+          </a:effectRef>
+          <a:fontRef idx="minor">
+            <a:schemeClr val="lt1"/>
+          </a:fontRef>
+        </p:style>
+        <p:txBody>
+          <a:bodyPr rtlCol="0" anchor="ctr"/>
+          <a:lstStyle/>
+          <a:p>
+            <a:pPr algn="ctr"/>
+            <a:endParaRPr lang="fr-CH"/>
+          </a:p>
+        </p:txBody>
+      </p:sp>
+      <p:sp>
+        <p:nvSpPr>
+          <p:cNvPr id="2" name="Titre 1"/>
+          <p:cNvSpPr>
+            <a:spLocks noGrp="1"/>
+          </p:cNvSpPr>
+          <p:nvPr>
+            <p:ph type="title"/>
+          </p:nvPr>
+        </p:nvSpPr>
+        <p:spPr>
+          <a:xfrm>
+            <a:off x="838200" y="365125"/>
+            <a:ext cx="10515600" cy="473075"/>
+          </a:xfrm>
+        </p:spPr>
+        <p:txBody>
+          <a:bodyPr>
+            <a:noAutofit/>
+          </a:bodyPr>
+          <a:lstStyle/>
+          <a:p>
+            <a:r>
+              <a:rPr lang="fr-CH" sz="2000" dirty="0">
+                <a:latin typeface="Helvetica" panose="020B0604020202030204" pitchFamily="34" charset="0"/>
+              </a:rPr>
+              <a:t>DESIGN</a:t>
+            </a:r>
+            <a:endParaRPr lang="fr-CH" sz="2000" dirty="0">
+              <a:latin typeface="Helvetica" panose="020B0604020202030204" pitchFamily="34" charset="0"/>
+            </a:endParaRPr>
+          </a:p>
+        </p:txBody>
+      </p:sp>
+      <p:sp>
+        <p:nvSpPr>
+          <p:cNvPr id="7" name="Rectangle 6"/>
+          <p:cNvSpPr/>
+          <p:nvPr/>
+        </p:nvSpPr>
+        <p:spPr>
+          <a:xfrm>
+            <a:off x="-1" y="849313"/>
+            <a:ext cx="5057775" cy="473075"/>
+          </a:xfrm>
+          <a:prstGeom prst="rect">
+            <a:avLst/>
+          </a:prstGeom>
+          <a:solidFill>
+            <a:schemeClr val="accent1">
+              <a:lumMod val="20000"/>
+              <a:lumOff val="80000"/>
+            </a:schemeClr>
+          </a:solidFill>
+          <a:ln>
+            <a:solidFill>
+              <a:schemeClr val="accent1">
+                <a:lumMod val="20000"/>
+                <a:lumOff val="80000"/>
+              </a:schemeClr>
+            </a:solidFill>
+          </a:ln>
+        </p:spPr>
+        <p:style>
+          <a:lnRef idx="2">
+            <a:schemeClr val="accent1">
+              <a:shade val="50000"/>
+            </a:schemeClr>
+          </a:lnRef>
+          <a:fillRef idx="1">
+            <a:schemeClr val="accent1"/>
+          </a:fillRef>
+          <a:effectRef idx="0">
+            <a:schemeClr val="accent1"/>
+          </a:effectRef>
+          <a:fontRef idx="minor">
+            <a:schemeClr val="lt1"/>
+          </a:fontRef>
+        </p:style>
+        <p:txBody>
+          <a:bodyPr rtlCol="0" anchor="ctr"/>
+          <a:lstStyle/>
+          <a:p>
+            <a:endParaRPr lang="fr-CH" sz="2000" dirty="0">
+              <a:solidFill>
+                <a:schemeClr val="tx1"/>
+              </a:solidFill>
+              <a:latin typeface="Helvetica" panose="020B0604020202030204" pitchFamily="34" charset="0"/>
+            </a:endParaRPr>
+          </a:p>
+        </p:txBody>
+      </p:sp>
+      <p:sp>
+        <p:nvSpPr>
+          <p:cNvPr id="9" name="Titre 1"/>
+          <p:cNvSpPr txBox="1">
+            <a:spLocks/>
+          </p:cNvSpPr>
+          <p:nvPr/>
+        </p:nvSpPr>
+        <p:spPr>
+          <a:xfrm>
+            <a:off x="838200" y="850900"/>
+            <a:ext cx="4219574" cy="473075"/>
+          </a:xfrm>
+          <a:prstGeom prst="rect">
+            <a:avLst/>
+          </a:prstGeom>
+        </p:spPr>
+        <p:txBody>
+          <a:bodyPr vert="horz" lIns="91440" tIns="45720" rIns="91440" bIns="45720" rtlCol="0" anchor="ctr">
+            <a:noAutofit/>
+          </a:bodyPr>
+          <a:lstStyle>
+            <a:lvl1pPr algn="l" defTabSz="914400" rtl="0" eaLnBrk="1" latinLnBrk="0" hangingPunct="1">
+              <a:lnSpc>
+                <a:spcPct val="90000"/>
+              </a:lnSpc>
+              <a:spcBef>
+                <a:spcPct val="0"/>
+              </a:spcBef>
+              <a:buNone/>
+              <a:defRPr sz="4400" kern="1200">
+                <a:solidFill>
+                  <a:schemeClr val="tx1"/>
+                </a:solidFill>
+                <a:latin typeface="+mj-lt"/>
+                <a:ea typeface="+mj-ea"/>
+                <a:cs typeface="+mj-cs"/>
+              </a:defRPr>
+            </a:lvl1pPr>
+          </a:lstStyle>
+          <a:p>
+            <a:r>
+              <a:rPr lang="fr-CH" sz="2000" dirty="0" smtClean="0">
+                <a:latin typeface="Helvetica" panose="020B0604020202030204" pitchFamily="34" charset="0"/>
+              </a:rPr>
+              <a:t>MECANIQUE - PLACEMENT</a:t>
+            </a:r>
+            <a:endParaRPr lang="fr-CH" sz="2000" dirty="0">
+              <a:latin typeface="Helvetica" panose="020B0604020202030204" pitchFamily="34" charset="0"/>
+            </a:endParaRPr>
+          </a:p>
+        </p:txBody>
+      </p:sp>
+      <p:grpSp>
+        <p:nvGrpSpPr>
+          <p:cNvPr id="24" name="Groupe 23"/>
+          <p:cNvGrpSpPr/>
+          <p:nvPr/>
+        </p:nvGrpSpPr>
+        <p:grpSpPr>
+          <a:xfrm>
+            <a:off x="630222" y="1322387"/>
+            <a:ext cx="11267736" cy="5293566"/>
+            <a:chOff x="630222" y="1322387"/>
+            <a:chExt cx="11267736" cy="5293566"/>
+          </a:xfrm>
+        </p:grpSpPr>
+        <p:pic>
+          <p:nvPicPr>
+            <p:cNvPr id="3" name="Image 2"/>
+            <p:cNvPicPr>
+              <a:picLocks noChangeAspect="1"/>
+            </p:cNvPicPr>
+            <p:nvPr/>
+          </p:nvPicPr>
+          <p:blipFill>
+            <a:blip r:embed="rId2">
+              <a:extLst>
+                <a:ext uri="{28A0092B-C50C-407E-A947-70E740481C1C}">
+                  <a14:useLocalDpi xmlns:a14="http://schemas.microsoft.com/office/drawing/2010/main" val="0"/>
+                </a:ext>
+              </a:extLst>
+            </a:blip>
+            <a:stretch>
+              <a:fillRect/>
+            </a:stretch>
+          </p:blipFill>
+          <p:spPr>
+            <a:xfrm>
+              <a:off x="630222" y="1418460"/>
+              <a:ext cx="5969242" cy="5197493"/>
+            </a:xfrm>
+            <a:prstGeom prst="rect">
+              <a:avLst/>
+            </a:prstGeom>
+          </p:spPr>
+        </p:pic>
+        <p:pic>
+          <p:nvPicPr>
+            <p:cNvPr id="20" name="Image 19"/>
+            <p:cNvPicPr>
+              <a:picLocks noChangeAspect="1"/>
+            </p:cNvPicPr>
+            <p:nvPr/>
+          </p:nvPicPr>
+          <p:blipFill>
+            <a:blip r:embed="rId3"/>
+            <a:stretch>
+              <a:fillRect/>
+            </a:stretch>
+          </p:blipFill>
+          <p:spPr>
+            <a:xfrm>
+              <a:off x="3981168" y="4362162"/>
+              <a:ext cx="7916790" cy="2089595"/>
+            </a:xfrm>
+            <a:prstGeom prst="rect">
+              <a:avLst/>
+            </a:prstGeom>
+          </p:spPr>
+        </p:pic>
+        <p:sp>
+          <p:nvSpPr>
+            <p:cNvPr id="22" name="Titre 1"/>
+            <p:cNvSpPr txBox="1">
+              <a:spLocks/>
+            </p:cNvSpPr>
+            <p:nvPr/>
+          </p:nvSpPr>
+          <p:spPr>
+            <a:xfrm>
+              <a:off x="7042085" y="1322387"/>
+              <a:ext cx="2727389" cy="473075"/>
+            </a:xfrm>
+            <a:prstGeom prst="rect">
+              <a:avLst/>
+            </a:prstGeom>
+          </p:spPr>
+          <p:txBody>
+            <a:bodyPr vert="horz" lIns="91440" tIns="45720" rIns="91440" bIns="45720" rtlCol="0" anchor="ctr">
+              <a:noAutofit/>
+            </a:bodyPr>
+            <a:lstStyle>
+              <a:lvl1pPr algn="l" defTabSz="914400" rtl="0" eaLnBrk="1" latinLnBrk="0" hangingPunct="1">
+                <a:lnSpc>
+                  <a:spcPct val="90000"/>
+                </a:lnSpc>
+                <a:spcBef>
+                  <a:spcPct val="0"/>
+                </a:spcBef>
+                <a:buNone/>
+                <a:defRPr sz="4400" kern="1200">
+                  <a:solidFill>
+                    <a:schemeClr val="tx1"/>
+                  </a:solidFill>
+                  <a:latin typeface="+mj-lt"/>
+                  <a:ea typeface="+mj-ea"/>
+                  <a:cs typeface="+mj-cs"/>
+                </a:defRPr>
+              </a:lvl1pPr>
+            </a:lstStyle>
+            <a:p>
+              <a:r>
+                <a:rPr lang="fr-CH" sz="2000" b="1" dirty="0" smtClean="0">
+                  <a:latin typeface="Helvetica" panose="020B0604020202030204" pitchFamily="34" charset="0"/>
+                </a:rPr>
+                <a:t>BAS DU PCB</a:t>
+              </a:r>
+              <a:endParaRPr lang="fr-CH" sz="2000" b="1" dirty="0">
+                <a:latin typeface="Helvetica" panose="020B0604020202030204" pitchFamily="34" charset="0"/>
+              </a:endParaRPr>
+            </a:p>
+          </p:txBody>
+        </p:sp>
+      </p:grpSp>
+    </p:spTree>
+    <p:extLst>
+      <p:ext uri="{BB962C8B-B14F-4D97-AF65-F5344CB8AC3E}">
+        <p14:creationId xmlns:p14="http://schemas.microsoft.com/office/powerpoint/2010/main" val="2280438914"/>
+      </p:ext>
+    </p:extLst>
+  </p:cSld>
+  <p:clrMapOvr>
+    <a:masterClrMapping/>
+  </p:clrMapOvr>
+  <mc:AlternateContent xmlns:mc="http://schemas.openxmlformats.org/markup-compatibility/2006">
+    <mc:Choice xmlns:p14="http://schemas.microsoft.com/office/powerpoint/2010/main" Requires="p14">
+      <p:transition>
+        <p14:reveal/>
+      </p:transition>
+    </mc:Choice>
+    <mc:Fallback>
+      <p:transition>
+        <p:fade/>
+      </p:transition>
+    </mc:Fallback>
+  </mc:AlternateContent>
+  <p:timing>
+    <p:tnLst>
+      <p:par>
+        <p:cTn id="1" dur="indefinite" restart="never" nodeType="tmRoot"/>
+      </p:par>
+    </p:tnLst>
+  </p:timing>
+</p:sld>
+</file>
+
+<file path=ppt/slides/slide13.xml><?xml version="1.0" encoding="utf-8"?>
+<p:sld xmlns:a="http://schemas.openxmlformats.org/drawingml/2006/main" xmlns:r="http://schemas.openxmlformats.org/officeDocument/2006/relationships" xmlns:p="http://schemas.openxmlformats.org/presentationml/2006/main">
+  <p:cSld>
+    <p:spTree>
+      <p:nvGrpSpPr>
+        <p:cNvPr id="1" name=""/>
+        <p:cNvGrpSpPr/>
+        <p:nvPr/>
+      </p:nvGrpSpPr>
+      <p:grpSpPr>
+        <a:xfrm>
+          <a:off x="0" y="0"/>
+          <a:ext cx="0" cy="0"/>
+          <a:chOff x="0" y="0"/>
+          <a:chExt cx="0" cy="0"/>
+        </a:xfrm>
+      </p:grpSpPr>
+      <p:sp>
+        <p:nvSpPr>
+          <p:cNvPr id="6" name="Rectangle 5"/>
+          <p:cNvSpPr/>
+          <p:nvPr/>
+        </p:nvSpPr>
+        <p:spPr>
+          <a:xfrm>
+            <a:off x="0" y="365125"/>
+            <a:ext cx="12192000" cy="473075"/>
+          </a:xfrm>
+          <a:prstGeom prst="rect">
+            <a:avLst/>
+          </a:prstGeom>
+          <a:solidFill>
+            <a:schemeClr val="bg1">
+              <a:lumMod val="95000"/>
+            </a:schemeClr>
+          </a:solidFill>
+          <a:ln>
+            <a:solidFill>
+              <a:schemeClr val="bg1">
+                <a:lumMod val="95000"/>
+              </a:schemeClr>
+            </a:solidFill>
+          </a:ln>
+        </p:spPr>
+        <p:style>
+          <a:lnRef idx="2">
+            <a:schemeClr val="accent1">
+              <a:shade val="50000"/>
+            </a:schemeClr>
+          </a:lnRef>
+          <a:fillRef idx="1">
+            <a:schemeClr val="accent1"/>
+          </a:fillRef>
+          <a:effectRef idx="0">
+            <a:schemeClr val="accent1"/>
+          </a:effectRef>
+          <a:fontRef idx="minor">
+            <a:schemeClr val="lt1"/>
+          </a:fontRef>
+        </p:style>
+        <p:txBody>
+          <a:bodyPr rtlCol="0" anchor="ctr"/>
+          <a:lstStyle/>
+          <a:p>
+            <a:pPr algn="ctr"/>
+            <a:endParaRPr lang="fr-CH"/>
+          </a:p>
+        </p:txBody>
+      </p:sp>
+      <p:sp>
+        <p:nvSpPr>
+          <p:cNvPr id="4" name="Rectangle 3"/>
+          <p:cNvSpPr/>
+          <p:nvPr/>
+        </p:nvSpPr>
+        <p:spPr>
+          <a:xfrm>
+            <a:off x="1" y="0"/>
+            <a:ext cx="12192000" cy="365125"/>
+          </a:xfrm>
+          <a:prstGeom prst="rect">
+            <a:avLst/>
+          </a:prstGeom>
+          <a:solidFill>
+            <a:srgbClr val="002060"/>
+          </a:solidFill>
+          <a:ln>
+            <a:solidFill>
+              <a:srgbClr val="002060"/>
+            </a:solidFill>
+          </a:ln>
+        </p:spPr>
+        <p:style>
+          <a:lnRef idx="2">
+            <a:schemeClr val="accent1">
+              <a:shade val="50000"/>
+            </a:schemeClr>
+          </a:lnRef>
+          <a:fillRef idx="1">
+            <a:schemeClr val="accent1"/>
+          </a:fillRef>
+          <a:effectRef idx="0">
+            <a:schemeClr val="accent1"/>
+          </a:effectRef>
+          <a:fontRef idx="minor">
+            <a:schemeClr val="lt1"/>
+          </a:fontRef>
+        </p:style>
+        <p:txBody>
+          <a:bodyPr rtlCol="0" anchor="ctr"/>
+          <a:lstStyle/>
+          <a:p>
+            <a:pPr algn="ctr"/>
+            <a:endParaRPr lang="fr-CH"/>
+          </a:p>
+        </p:txBody>
+      </p:sp>
+      <p:sp>
+        <p:nvSpPr>
+          <p:cNvPr id="2" name="Titre 1"/>
+          <p:cNvSpPr>
+            <a:spLocks noGrp="1"/>
+          </p:cNvSpPr>
+          <p:nvPr>
+            <p:ph type="title"/>
+          </p:nvPr>
+        </p:nvSpPr>
+        <p:spPr>
+          <a:xfrm>
+            <a:off x="838200" y="365125"/>
+            <a:ext cx="10515600" cy="473075"/>
+          </a:xfrm>
+        </p:spPr>
+        <p:txBody>
+          <a:bodyPr>
+            <a:noAutofit/>
+          </a:bodyPr>
+          <a:lstStyle/>
+          <a:p>
+            <a:r>
+              <a:rPr lang="fr-CH" sz="2000" dirty="0">
+                <a:latin typeface="Helvetica" panose="020B0604020202030204" pitchFamily="34" charset="0"/>
+              </a:rPr>
+              <a:t>DESIGN</a:t>
+            </a:r>
+            <a:endParaRPr lang="fr-CH" sz="2000" dirty="0">
+              <a:latin typeface="Helvetica" panose="020B0604020202030204" pitchFamily="34" charset="0"/>
+            </a:endParaRPr>
+          </a:p>
+        </p:txBody>
+      </p:sp>
+      <p:sp>
+        <p:nvSpPr>
+          <p:cNvPr id="7" name="Rectangle 6"/>
+          <p:cNvSpPr/>
+          <p:nvPr/>
+        </p:nvSpPr>
+        <p:spPr>
+          <a:xfrm>
+            <a:off x="-1" y="849313"/>
+            <a:ext cx="5057775" cy="473075"/>
+          </a:xfrm>
+          <a:prstGeom prst="rect">
+            <a:avLst/>
+          </a:prstGeom>
+          <a:solidFill>
+            <a:schemeClr val="accent1">
+              <a:lumMod val="20000"/>
+              <a:lumOff val="80000"/>
+            </a:schemeClr>
+          </a:solidFill>
+          <a:ln>
+            <a:solidFill>
+              <a:schemeClr val="accent1">
+                <a:lumMod val="20000"/>
+                <a:lumOff val="80000"/>
+              </a:schemeClr>
+            </a:solidFill>
+          </a:ln>
+        </p:spPr>
+        <p:style>
+          <a:lnRef idx="2">
+            <a:schemeClr val="accent1">
+              <a:shade val="50000"/>
+            </a:schemeClr>
+          </a:lnRef>
+          <a:fillRef idx="1">
+            <a:schemeClr val="accent1"/>
+          </a:fillRef>
+          <a:effectRef idx="0">
+            <a:schemeClr val="accent1"/>
+          </a:effectRef>
+          <a:fontRef idx="minor">
+            <a:schemeClr val="lt1"/>
+          </a:fontRef>
+        </p:style>
+        <p:txBody>
+          <a:bodyPr rtlCol="0" anchor="ctr"/>
+          <a:lstStyle/>
+          <a:p>
+            <a:endParaRPr lang="fr-CH" sz="2000" dirty="0">
+              <a:solidFill>
+                <a:schemeClr val="tx1"/>
+              </a:solidFill>
+              <a:latin typeface="Helvetica" panose="020B0604020202030204" pitchFamily="34" charset="0"/>
+            </a:endParaRPr>
+          </a:p>
+        </p:txBody>
+      </p:sp>
+      <p:sp>
+        <p:nvSpPr>
+          <p:cNvPr id="9" name="Titre 1"/>
+          <p:cNvSpPr txBox="1">
+            <a:spLocks/>
+          </p:cNvSpPr>
+          <p:nvPr/>
+        </p:nvSpPr>
+        <p:spPr>
+          <a:xfrm>
+            <a:off x="838200" y="850900"/>
+            <a:ext cx="4219574" cy="473075"/>
+          </a:xfrm>
+          <a:prstGeom prst="rect">
+            <a:avLst/>
+          </a:prstGeom>
+        </p:spPr>
+        <p:txBody>
+          <a:bodyPr vert="horz" lIns="91440" tIns="45720" rIns="91440" bIns="45720" rtlCol="0" anchor="ctr">
+            <a:noAutofit/>
+          </a:bodyPr>
+          <a:lstStyle>
+            <a:lvl1pPr algn="l" defTabSz="914400" rtl="0" eaLnBrk="1" latinLnBrk="0" hangingPunct="1">
+              <a:lnSpc>
+                <a:spcPct val="90000"/>
+              </a:lnSpc>
+              <a:spcBef>
+                <a:spcPct val="0"/>
+              </a:spcBef>
+              <a:buNone/>
+              <a:defRPr sz="4400" kern="1200">
+                <a:solidFill>
+                  <a:schemeClr val="tx1"/>
+                </a:solidFill>
+                <a:latin typeface="+mj-lt"/>
+                <a:ea typeface="+mj-ea"/>
+                <a:cs typeface="+mj-cs"/>
+              </a:defRPr>
+            </a:lvl1pPr>
+          </a:lstStyle>
+          <a:p>
+            <a:r>
+              <a:rPr lang="fr-CH" sz="2000" dirty="0" smtClean="0">
+                <a:latin typeface="Helvetica" panose="020B0604020202030204" pitchFamily="34" charset="0"/>
+              </a:rPr>
+              <a:t>MECANIQUE - PLACEMENT</a:t>
+            </a:r>
+            <a:endParaRPr lang="fr-CH" sz="2000" dirty="0">
+              <a:latin typeface="Helvetica" panose="020B0604020202030204" pitchFamily="34" charset="0"/>
+            </a:endParaRPr>
+          </a:p>
+        </p:txBody>
+      </p:sp>
+      <p:grpSp>
+        <p:nvGrpSpPr>
+          <p:cNvPr id="26" name="Groupe 25"/>
+          <p:cNvGrpSpPr/>
+          <p:nvPr/>
+        </p:nvGrpSpPr>
+        <p:grpSpPr>
+          <a:xfrm>
+            <a:off x="734211" y="1054921"/>
+            <a:ext cx="10723578" cy="5255614"/>
+            <a:chOff x="734211" y="1054921"/>
+            <a:chExt cx="10723578" cy="5255614"/>
+          </a:xfrm>
+        </p:grpSpPr>
+        <p:pic>
+          <p:nvPicPr>
+            <p:cNvPr id="21" name="Image 20"/>
+            <p:cNvPicPr>
+              <a:picLocks noChangeAspect="1"/>
+            </p:cNvPicPr>
+            <p:nvPr/>
+          </p:nvPicPr>
+          <p:blipFill>
+            <a:blip r:embed="rId2">
+              <a:extLst>
+                <a:ext uri="{28A0092B-C50C-407E-A947-70E740481C1C}">
+                  <a14:useLocalDpi xmlns:a14="http://schemas.microsoft.com/office/drawing/2010/main" val="0"/>
+                </a:ext>
+              </a:extLst>
+            </a:blip>
+            <a:stretch>
+              <a:fillRect/>
+            </a:stretch>
+          </p:blipFill>
+          <p:spPr>
+            <a:xfrm rot="16200000">
+              <a:off x="3468193" y="-1679061"/>
+              <a:ext cx="5255614" cy="10723578"/>
+            </a:xfrm>
+            <a:prstGeom prst="rect">
+              <a:avLst/>
+            </a:prstGeom>
+          </p:spPr>
+        </p:pic>
+        <p:sp>
+          <p:nvSpPr>
+            <p:cNvPr id="25" name="Titre 1"/>
+            <p:cNvSpPr txBox="1">
+              <a:spLocks/>
+            </p:cNvSpPr>
+            <p:nvPr/>
+          </p:nvSpPr>
+          <p:spPr>
+            <a:xfrm>
+              <a:off x="7042085" y="1322388"/>
+              <a:ext cx="2727389" cy="473075"/>
+            </a:xfrm>
+            <a:prstGeom prst="rect">
+              <a:avLst/>
+            </a:prstGeom>
+          </p:spPr>
+          <p:txBody>
+            <a:bodyPr vert="horz" lIns="91440" tIns="45720" rIns="91440" bIns="45720" rtlCol="0" anchor="ctr">
+              <a:noAutofit/>
+            </a:bodyPr>
+            <a:lstStyle>
+              <a:lvl1pPr algn="l" defTabSz="914400" rtl="0" eaLnBrk="1" latinLnBrk="0" hangingPunct="1">
+                <a:lnSpc>
+                  <a:spcPct val="90000"/>
+                </a:lnSpc>
+                <a:spcBef>
+                  <a:spcPct val="0"/>
+                </a:spcBef>
+                <a:buNone/>
+                <a:defRPr sz="4400" kern="1200">
+                  <a:solidFill>
+                    <a:schemeClr val="tx1"/>
+                  </a:solidFill>
+                  <a:latin typeface="+mj-lt"/>
+                  <a:ea typeface="+mj-ea"/>
+                  <a:cs typeface="+mj-cs"/>
+                </a:defRPr>
+              </a:lvl1pPr>
+            </a:lstStyle>
+            <a:p>
+              <a:r>
+                <a:rPr lang="fr-CH" sz="2000" b="1" dirty="0" smtClean="0">
+                  <a:latin typeface="Helvetica" panose="020B0604020202030204" pitchFamily="34" charset="0"/>
+                </a:rPr>
+                <a:t>HAUT DU PCB</a:t>
+              </a:r>
+              <a:endParaRPr lang="fr-CH" sz="2000" b="1" dirty="0">
+                <a:latin typeface="Helvetica" panose="020B0604020202030204" pitchFamily="34" charset="0"/>
+              </a:endParaRPr>
+            </a:p>
+          </p:txBody>
+        </p:sp>
+      </p:grpSp>
+    </p:spTree>
+    <p:extLst>
+      <p:ext uri="{BB962C8B-B14F-4D97-AF65-F5344CB8AC3E}">
+        <p14:creationId xmlns:p14="http://schemas.microsoft.com/office/powerpoint/2010/main" val="4060633774"/>
+      </p:ext>
+    </p:extLst>
+  </p:cSld>
+  <p:clrMapOvr>
+    <a:masterClrMapping/>
+  </p:clrMapOvr>
+  <p:transition>
+    <p:fade/>
+  </p:transition>
+  <p:timing>
+    <p:tnLst>
+      <p:par>
+        <p:cTn id="1" dur="indefinite" restart="never" nodeType="tmRoot"/>
+      </p:par>
+    </p:tnLst>
+  </p:timing>
+</p:sld>
+</file>
+
+<file path=ppt/slides/slide14.xml><?xml version="1.0" encoding="utf-8"?>
+<p:sld xmlns:a="http://schemas.openxmlformats.org/drawingml/2006/main" xmlns:r="http://schemas.openxmlformats.org/officeDocument/2006/relationships" xmlns:p="http://schemas.openxmlformats.org/presentationml/2006/main">
+  <p:cSld>
+    <p:spTree>
+      <p:nvGrpSpPr>
+        <p:cNvPr id="1" name=""/>
+        <p:cNvGrpSpPr/>
+        <p:nvPr/>
+      </p:nvGrpSpPr>
+      <p:grpSpPr>
+        <a:xfrm>
+          <a:off x="0" y="0"/>
+          <a:ext cx="0" cy="0"/>
+          <a:chOff x="0" y="0"/>
+          <a:chExt cx="0" cy="0"/>
+        </a:xfrm>
+      </p:grpSpPr>
+      <p:sp>
+        <p:nvSpPr>
+          <p:cNvPr id="6" name="Rectangle 5"/>
+          <p:cNvSpPr/>
+          <p:nvPr/>
+        </p:nvSpPr>
+        <p:spPr>
+          <a:xfrm>
+            <a:off x="0" y="365125"/>
+            <a:ext cx="12192000" cy="473075"/>
+          </a:xfrm>
+          <a:prstGeom prst="rect">
+            <a:avLst/>
+          </a:prstGeom>
+          <a:solidFill>
+            <a:schemeClr val="bg1">
+              <a:lumMod val="95000"/>
+            </a:schemeClr>
+          </a:solidFill>
+          <a:ln>
+            <a:solidFill>
+              <a:schemeClr val="bg1">
+                <a:lumMod val="95000"/>
+              </a:schemeClr>
+            </a:solidFill>
+          </a:ln>
+        </p:spPr>
+        <p:style>
+          <a:lnRef idx="2">
+            <a:schemeClr val="accent1">
+              <a:shade val="50000"/>
+            </a:schemeClr>
+          </a:lnRef>
+          <a:fillRef idx="1">
+            <a:schemeClr val="accent1"/>
+          </a:fillRef>
+          <a:effectRef idx="0">
+            <a:schemeClr val="accent1"/>
+          </a:effectRef>
+          <a:fontRef idx="minor">
+            <a:schemeClr val="lt1"/>
+          </a:fontRef>
+        </p:style>
+        <p:txBody>
+          <a:bodyPr rtlCol="0" anchor="ctr"/>
+          <a:lstStyle/>
+          <a:p>
+            <a:pPr algn="ctr"/>
+            <a:endParaRPr lang="fr-CH"/>
+          </a:p>
+        </p:txBody>
+      </p:sp>
+      <p:sp>
+        <p:nvSpPr>
+          <p:cNvPr id="4" name="Rectangle 3"/>
+          <p:cNvSpPr/>
+          <p:nvPr/>
+        </p:nvSpPr>
+        <p:spPr>
+          <a:xfrm>
+            <a:off x="1" y="0"/>
+            <a:ext cx="12192000" cy="365125"/>
+          </a:xfrm>
+          <a:prstGeom prst="rect">
+            <a:avLst/>
+          </a:prstGeom>
+          <a:solidFill>
+            <a:srgbClr val="002060"/>
+          </a:solidFill>
+          <a:ln>
+            <a:solidFill>
+              <a:srgbClr val="002060"/>
+            </a:solidFill>
+          </a:ln>
+        </p:spPr>
+        <p:style>
+          <a:lnRef idx="2">
+            <a:schemeClr val="accent1">
+              <a:shade val="50000"/>
+            </a:schemeClr>
+          </a:lnRef>
+          <a:fillRef idx="1">
+            <a:schemeClr val="accent1"/>
+          </a:fillRef>
+          <a:effectRef idx="0">
+            <a:schemeClr val="accent1"/>
+          </a:effectRef>
+          <a:fontRef idx="minor">
+            <a:schemeClr val="lt1"/>
+          </a:fontRef>
+        </p:style>
+        <p:txBody>
+          <a:bodyPr rtlCol="0" anchor="ctr"/>
+          <a:lstStyle/>
+          <a:p>
+            <a:pPr algn="ctr"/>
+            <a:endParaRPr lang="fr-CH"/>
+          </a:p>
+        </p:txBody>
+      </p:sp>
+      <p:sp>
+        <p:nvSpPr>
+          <p:cNvPr id="2" name="Titre 1"/>
+          <p:cNvSpPr>
+            <a:spLocks noGrp="1"/>
+          </p:cNvSpPr>
+          <p:nvPr>
+            <p:ph type="title"/>
+          </p:nvPr>
+        </p:nvSpPr>
+        <p:spPr>
+          <a:xfrm>
+            <a:off x="838200" y="365125"/>
+            <a:ext cx="10515600" cy="473075"/>
+          </a:xfrm>
+        </p:spPr>
+        <p:txBody>
+          <a:bodyPr>
+            <a:noAutofit/>
+          </a:bodyPr>
+          <a:lstStyle/>
+          <a:p>
+            <a:r>
+              <a:rPr lang="fr-CH" sz="2000" dirty="0">
+                <a:latin typeface="Helvetica" panose="020B0604020202030204" pitchFamily="34" charset="0"/>
+              </a:rPr>
+              <a:t>DESIGN</a:t>
+            </a:r>
+            <a:endParaRPr lang="fr-CH" sz="2000" dirty="0">
+              <a:latin typeface="Helvetica" panose="020B0604020202030204" pitchFamily="34" charset="0"/>
+            </a:endParaRPr>
+          </a:p>
+        </p:txBody>
+      </p:sp>
+      <p:sp>
+        <p:nvSpPr>
+          <p:cNvPr id="7" name="Rectangle 6"/>
+          <p:cNvSpPr/>
+          <p:nvPr/>
+        </p:nvSpPr>
+        <p:spPr>
+          <a:xfrm>
+            <a:off x="-1" y="849313"/>
+            <a:ext cx="5057775" cy="473075"/>
+          </a:xfrm>
+          <a:prstGeom prst="rect">
+            <a:avLst/>
+          </a:prstGeom>
+          <a:solidFill>
+            <a:schemeClr val="accent1">
+              <a:lumMod val="20000"/>
+              <a:lumOff val="80000"/>
+            </a:schemeClr>
+          </a:solidFill>
+          <a:ln>
+            <a:solidFill>
+              <a:schemeClr val="accent1">
+                <a:lumMod val="20000"/>
+                <a:lumOff val="80000"/>
+              </a:schemeClr>
+            </a:solidFill>
+          </a:ln>
+        </p:spPr>
+        <p:style>
+          <a:lnRef idx="2">
+            <a:schemeClr val="accent1">
+              <a:shade val="50000"/>
+            </a:schemeClr>
+          </a:lnRef>
+          <a:fillRef idx="1">
+            <a:schemeClr val="accent1"/>
+          </a:fillRef>
+          <a:effectRef idx="0">
+            <a:schemeClr val="accent1"/>
+          </a:effectRef>
+          <a:fontRef idx="minor">
+            <a:schemeClr val="lt1"/>
+          </a:fontRef>
+        </p:style>
+        <p:txBody>
+          <a:bodyPr rtlCol="0" anchor="ctr"/>
+          <a:lstStyle/>
+          <a:p>
+            <a:endParaRPr lang="fr-CH" sz="2000" dirty="0">
+              <a:solidFill>
+                <a:schemeClr val="tx1"/>
+              </a:solidFill>
+              <a:latin typeface="Helvetica" panose="020B0604020202030204" pitchFamily="34" charset="0"/>
+            </a:endParaRPr>
+          </a:p>
+        </p:txBody>
+      </p:sp>
+      <p:sp>
+        <p:nvSpPr>
+          <p:cNvPr id="9" name="Titre 1"/>
+          <p:cNvSpPr txBox="1">
+            <a:spLocks/>
+          </p:cNvSpPr>
+          <p:nvPr/>
+        </p:nvSpPr>
+        <p:spPr>
+          <a:xfrm>
+            <a:off x="838200" y="850900"/>
+            <a:ext cx="4219574" cy="473075"/>
+          </a:xfrm>
+          <a:prstGeom prst="rect">
+            <a:avLst/>
+          </a:prstGeom>
+        </p:spPr>
+        <p:txBody>
+          <a:bodyPr vert="horz" lIns="91440" tIns="45720" rIns="91440" bIns="45720" rtlCol="0" anchor="ctr">
+            <a:noAutofit/>
+          </a:bodyPr>
+          <a:lstStyle>
+            <a:lvl1pPr algn="l" defTabSz="914400" rtl="0" eaLnBrk="1" latinLnBrk="0" hangingPunct="1">
+              <a:lnSpc>
+                <a:spcPct val="90000"/>
+              </a:lnSpc>
+              <a:spcBef>
+                <a:spcPct val="0"/>
+              </a:spcBef>
+              <a:buNone/>
+              <a:defRPr sz="4400" kern="1200">
+                <a:solidFill>
+                  <a:schemeClr val="tx1"/>
+                </a:solidFill>
+                <a:latin typeface="+mj-lt"/>
+                <a:ea typeface="+mj-ea"/>
+                <a:cs typeface="+mj-cs"/>
+              </a:defRPr>
+            </a:lvl1pPr>
+          </a:lstStyle>
+          <a:p>
+            <a:r>
+              <a:rPr lang="fr-CH" sz="2000" dirty="0" smtClean="0">
+                <a:latin typeface="Helvetica" panose="020B0604020202030204" pitchFamily="34" charset="0"/>
+              </a:rPr>
+              <a:t>MECANIQUE - DIMENSIONS</a:t>
+            </a:r>
+            <a:endParaRPr lang="fr-CH" sz="2000" dirty="0">
+              <a:latin typeface="Helvetica" panose="020B0604020202030204" pitchFamily="34" charset="0"/>
+            </a:endParaRPr>
+          </a:p>
+        </p:txBody>
+      </p:sp>
+      <p:pic>
+        <p:nvPicPr>
+          <p:cNvPr id="8" name="Image 7"/>
+          <p:cNvPicPr>
+            <a:picLocks noChangeAspect="1"/>
+          </p:cNvPicPr>
+          <p:nvPr/>
+        </p:nvPicPr>
+        <p:blipFill>
+          <a:blip r:embed="rId2" cstate="print">
+            <a:extLst>
+              <a:ext uri="{28A0092B-C50C-407E-A947-70E740481C1C}">
+                <a14:useLocalDpi xmlns:a14="http://schemas.microsoft.com/office/drawing/2010/main" val="0"/>
+              </a:ext>
+            </a:extLst>
+          </a:blip>
+          <a:stretch>
+            <a:fillRect/>
+          </a:stretch>
+        </p:blipFill>
+        <p:spPr>
+          <a:xfrm>
+            <a:off x="3527287" y="1461565"/>
+            <a:ext cx="6061213" cy="5396435"/>
+          </a:xfrm>
+          <a:prstGeom prst="rect">
+            <a:avLst/>
+          </a:prstGeom>
+        </p:spPr>
+      </p:pic>
+    </p:spTree>
+    <p:extLst>
+      <p:ext uri="{BB962C8B-B14F-4D97-AF65-F5344CB8AC3E}">
+        <p14:creationId xmlns:p14="http://schemas.microsoft.com/office/powerpoint/2010/main" val="837001357"/>
+      </p:ext>
+    </p:extLst>
+  </p:cSld>
+  <p:clrMapOvr>
+    <a:masterClrMapping/>
+  </p:clrMapOvr>
+  <mc:AlternateContent xmlns:mc="http://schemas.openxmlformats.org/markup-compatibility/2006">
+    <mc:Choice xmlns:p14="http://schemas.microsoft.com/office/powerpoint/2010/main" Requires="p14">
+      <p:transition spd="med" p14:dur="700">
+        <p:fade/>
+      </p:transition>
+    </mc:Choice>
+    <mc:Fallback>
+      <p:transition spd="med">
+        <p:fade/>
+      </p:transition>
+    </mc:Fallback>
+  </mc:AlternateContent>
+  <p:timing>
+    <p:tnLst>
+      <p:par>
+        <p:cTn id="1" dur="indefinite" restart="never" nodeType="tmRoot"/>
+      </p:par>
+    </p:tnLst>
+  </p:timing>
+</p:sld>
+</file>
+
+<file path=ppt/slides/slide15.xml><?xml version="1.0" encoding="utf-8"?>
+<p:sld xmlns:a="http://schemas.openxmlformats.org/drawingml/2006/main" xmlns:r="http://schemas.openxmlformats.org/officeDocument/2006/relationships" xmlns:p="http://schemas.openxmlformats.org/presentationml/2006/main">
+  <p:cSld>
+    <p:bg>
+      <p:bgPr>
+        <a:solidFill>
+          <a:srgbClr val="002060"/>
+        </a:solidFill>
+        <a:effectLst/>
+      </p:bgPr>
+    </p:bg>
+    <p:spTree>
+      <p:nvGrpSpPr>
+        <p:cNvPr id="1" name=""/>
+        <p:cNvGrpSpPr/>
+        <p:nvPr/>
+      </p:nvGrpSpPr>
+      <p:grpSpPr>
+        <a:xfrm>
+          <a:off x="0" y="0"/>
+          <a:ext cx="0" cy="0"/>
+          <a:chOff x="0" y="0"/>
+          <a:chExt cx="0" cy="0"/>
+        </a:xfrm>
+      </p:grpSpPr>
+      <p:sp>
+        <p:nvSpPr>
+          <p:cNvPr id="5" name="Espace réservé du contenu 4"/>
+          <p:cNvSpPr>
+            <a:spLocks noGrp="1"/>
+          </p:cNvSpPr>
+          <p:nvPr>
+            <p:ph idx="1"/>
+          </p:nvPr>
+        </p:nvSpPr>
+        <p:spPr>
+          <a:xfrm>
+            <a:off x="1" y="0"/>
+            <a:ext cx="12192000" cy="6858000"/>
+          </a:xfrm>
+        </p:spPr>
+        <p:txBody>
+          <a:bodyPr anchor="ctr">
+            <a:noAutofit/>
+          </a:bodyPr>
+          <a:lstStyle/>
+          <a:p>
+            <a:pPr marL="0" indent="0" algn="ctr">
+              <a:buNone/>
+            </a:pPr>
+            <a:r>
+              <a:rPr lang="fr-CH" sz="4400" dirty="0" smtClean="0">
+                <a:solidFill>
+                  <a:schemeClr val="bg1"/>
+                </a:solidFill>
+              </a:rPr>
+              <a:t>VALIDATION</a:t>
+            </a:r>
+            <a:endParaRPr lang="fr-CH" sz="4400" dirty="0">
+              <a:solidFill>
+                <a:schemeClr val="bg1"/>
+              </a:solidFill>
+            </a:endParaRPr>
+          </a:p>
+        </p:txBody>
+      </p:sp>
+    </p:spTree>
+    <p:extLst>
+      <p:ext uri="{BB962C8B-B14F-4D97-AF65-F5344CB8AC3E}">
+        <p14:creationId xmlns:p14="http://schemas.microsoft.com/office/powerpoint/2010/main" val="2357038073"/>
+      </p:ext>
+    </p:extLst>
+  </p:cSld>
+  <p:clrMapOvr>
+    <a:masterClrMapping/>
+  </p:clrMapOvr>
+  <mc:AlternateContent xmlns:mc="http://schemas.openxmlformats.org/markup-compatibility/2006">
+    <mc:Choice xmlns:p14="http://schemas.microsoft.com/office/powerpoint/2010/main" Requires="p14">
+      <p:transition>
+        <p14:reveal/>
+      </p:transition>
+    </mc:Choice>
+    <mc:Fallback>
+      <p:transition>
+        <p:fade/>
+      </p:transition>
+    </mc:Fallback>
+  </mc:AlternateContent>
+  <p:timing>
+    <p:tnLst>
+      <p:par>
+        <p:cTn id="1" dur="indefinite" restart="never" nodeType="tmRoot"/>
+      </p:par>
+    </p:tnLst>
+  </p:timing>
+</p:sld>
+</file>
+
+<file path=ppt/slides/slide16.xml><?xml version="1.0" encoding="utf-8"?>
+<p:sld xmlns:a="http://schemas.openxmlformats.org/drawingml/2006/main" xmlns:r="http://schemas.openxmlformats.org/officeDocument/2006/relationships" xmlns:p="http://schemas.openxmlformats.org/presentationml/2006/main">
+  <p:cSld>
+    <p:bg>
+      <p:bgPr>
+        <a:solidFill>
+          <a:srgbClr val="002060"/>
+        </a:solidFill>
+        <a:effectLst/>
+      </p:bgPr>
+    </p:bg>
+    <p:spTree>
+      <p:nvGrpSpPr>
+        <p:cNvPr id="1" name=""/>
+        <p:cNvGrpSpPr/>
+        <p:nvPr/>
+      </p:nvGrpSpPr>
+      <p:grpSpPr>
+        <a:xfrm>
+          <a:off x="0" y="0"/>
+          <a:ext cx="0" cy="0"/>
+          <a:chOff x="0" y="0"/>
+          <a:chExt cx="0" cy="0"/>
+        </a:xfrm>
+      </p:grpSpPr>
+      <p:sp>
+        <p:nvSpPr>
+          <p:cNvPr id="5" name="Espace réservé du contenu 4"/>
+          <p:cNvSpPr>
+            <a:spLocks noGrp="1"/>
+          </p:cNvSpPr>
+          <p:nvPr>
+            <p:ph idx="1"/>
+          </p:nvPr>
+        </p:nvSpPr>
+        <p:spPr>
+          <a:xfrm>
+            <a:off x="1" y="0"/>
+            <a:ext cx="12192000" cy="6858000"/>
+          </a:xfrm>
+        </p:spPr>
+        <p:txBody>
+          <a:bodyPr anchor="ctr">
+            <a:noAutofit/>
+          </a:bodyPr>
+          <a:lstStyle/>
+          <a:p>
+            <a:pPr marL="0" indent="0" algn="ctr">
+              <a:buNone/>
+            </a:pPr>
+            <a:r>
+              <a:rPr lang="fr-CH" sz="4400" dirty="0" smtClean="0">
+                <a:solidFill>
+                  <a:schemeClr val="bg1"/>
+                </a:solidFill>
+              </a:rPr>
+              <a:t>CARACTERISTIQUES FINALES</a:t>
+            </a:r>
+            <a:endParaRPr lang="fr-CH" sz="4400" dirty="0">
+              <a:solidFill>
+                <a:schemeClr val="bg1"/>
+              </a:solidFill>
+            </a:endParaRPr>
+          </a:p>
+        </p:txBody>
+      </p:sp>
+    </p:spTree>
+    <p:extLst>
+      <p:ext uri="{BB962C8B-B14F-4D97-AF65-F5344CB8AC3E}">
+        <p14:creationId xmlns:p14="http://schemas.microsoft.com/office/powerpoint/2010/main" val="2308667277"/>
+      </p:ext>
+    </p:extLst>
+  </p:cSld>
+  <p:clrMapOvr>
+    <a:masterClrMapping/>
+  </p:clrMapOvr>
+  <mc:AlternateContent xmlns:mc="http://schemas.openxmlformats.org/markup-compatibility/2006">
+    <mc:Choice xmlns:p14="http://schemas.microsoft.com/office/powerpoint/2010/main" Requires="p14">
+      <p:transition>
+        <p14:reveal/>
+      </p:transition>
+    </mc:Choice>
+    <mc:Fallback>
+      <p:transition>
+        <p:fade/>
+      </p:transition>
+    </mc:Fallback>
+  </mc:AlternateContent>
+  <p:timing>
+    <p:tnLst>
+      <p:par>
+        <p:cTn id="1" dur="indefinite" restart="never" nodeType="tmRoot"/>
+      </p:par>
+    </p:tnLst>
+  </p:timing>
+</p:sld>
+</file>
+
+<file path=ppt/slides/slide17.xml><?xml version="1.0" encoding="utf-8"?>
+<p:sld xmlns:a="http://schemas.openxmlformats.org/drawingml/2006/main" xmlns:r="http://schemas.openxmlformats.org/officeDocument/2006/relationships" xmlns:p="http://schemas.openxmlformats.org/presentationml/2006/main">
+  <p:cSld>
+    <p:bg>
+      <p:bgPr>
+        <a:solidFill>
+          <a:srgbClr val="002060"/>
+        </a:solidFill>
+        <a:effectLst/>
+      </p:bgPr>
+    </p:bg>
+    <p:spTree>
+      <p:nvGrpSpPr>
+        <p:cNvPr id="1" name=""/>
+        <p:cNvGrpSpPr/>
+        <p:nvPr/>
+      </p:nvGrpSpPr>
+      <p:grpSpPr>
+        <a:xfrm>
+          <a:off x="0" y="0"/>
+          <a:ext cx="0" cy="0"/>
+          <a:chOff x="0" y="0"/>
+          <a:chExt cx="0" cy="0"/>
+        </a:xfrm>
+      </p:grpSpPr>
+      <p:sp>
+        <p:nvSpPr>
+          <p:cNvPr id="5" name="Espace réservé du contenu 4"/>
+          <p:cNvSpPr>
+            <a:spLocks noGrp="1"/>
+          </p:cNvSpPr>
+          <p:nvPr>
+            <p:ph idx="1"/>
+          </p:nvPr>
+        </p:nvSpPr>
+        <p:spPr>
+          <a:xfrm>
+            <a:off x="1" y="0"/>
+            <a:ext cx="12192000" cy="6858000"/>
+          </a:xfrm>
+        </p:spPr>
+        <p:txBody>
+          <a:bodyPr anchor="ctr">
+            <a:noAutofit/>
+          </a:bodyPr>
+          <a:lstStyle/>
+          <a:p>
+            <a:pPr marL="0" indent="0" algn="ctr">
+              <a:buNone/>
+            </a:pPr>
+            <a:r>
+              <a:rPr lang="fr-CH" sz="4400" dirty="0" smtClean="0">
+                <a:solidFill>
+                  <a:schemeClr val="bg1"/>
+                </a:solidFill>
+              </a:rPr>
+              <a:t>CONCLUSION</a:t>
+            </a:r>
+            <a:endParaRPr lang="fr-CH" sz="4400" dirty="0">
+              <a:solidFill>
+                <a:schemeClr val="bg1"/>
+              </a:solidFill>
+            </a:endParaRPr>
+          </a:p>
+        </p:txBody>
+      </p:sp>
+    </p:spTree>
+    <p:extLst>
+      <p:ext uri="{BB962C8B-B14F-4D97-AF65-F5344CB8AC3E}">
+        <p14:creationId xmlns:p14="http://schemas.microsoft.com/office/powerpoint/2010/main" val="3649604521"/>
+      </p:ext>
+    </p:extLst>
+  </p:cSld>
+  <p:clrMapOvr>
+    <a:masterClrMapping/>
+  </p:clrMapOvr>
+  <mc:AlternateContent xmlns:mc="http://schemas.openxmlformats.org/markup-compatibility/2006">
+    <mc:Choice xmlns:p14="http://schemas.microsoft.com/office/powerpoint/2010/main" Requires="p14">
+      <p:transition>
+        <p14:reveal/>
+      </p:transition>
+    </mc:Choice>
+    <mc:Fallback>
+      <p:transition>
+        <p:fade/>
+      </p:transition>
+    </mc:Fallback>
+  </mc:AlternateContent>
   <p:timing>
     <p:tnLst>
       <p:par>
@@ -3366,7 +6123,7 @@
               <a:rPr lang="fr-CH" dirty="0" smtClean="0">
                 <a:latin typeface="Helvetica" panose="020B0604020202030204" pitchFamily="34" charset="0"/>
               </a:rPr>
-              <a:t>Concept</a:t>
+              <a:t>Concept et caractéristiques</a:t>
             </a:r>
           </a:p>
           <a:p>
@@ -3377,11 +6134,8 @@
               <a:rPr lang="fr-CH" dirty="0" smtClean="0">
                 <a:latin typeface="Helvetica" panose="020B0604020202030204" pitchFamily="34" charset="0"/>
               </a:rPr>
-              <a:t>Caractéristiques</a:t>
+              <a:t>Design</a:t>
             </a:r>
-            <a:endParaRPr lang="fr-CH" dirty="0" smtClean="0">
-              <a:latin typeface="Helvetica" panose="020B0604020202030204" pitchFamily="34" charset="0"/>
-            </a:endParaRPr>
           </a:p>
           <a:p>
             <a:pPr marL="514350" indent="-514350">
@@ -3391,27 +6145,7 @@
               <a:rPr lang="fr-CH" dirty="0" smtClean="0">
                 <a:latin typeface="Helvetica" panose="020B0604020202030204" pitchFamily="34" charset="0"/>
               </a:rPr>
-              <a:t>Développement du </a:t>
-            </a:r>
-            <a:r>
-              <a:rPr lang="fr-CH" dirty="0" err="1" smtClean="0">
-                <a:latin typeface="Helvetica" panose="020B0604020202030204" pitchFamily="34" charset="0"/>
-              </a:rPr>
-              <a:t>firmware</a:t>
-            </a:r>
-            <a:endParaRPr lang="fr-CH" dirty="0" smtClean="0">
-              <a:latin typeface="Helvetica" panose="020B0604020202030204" pitchFamily="34" charset="0"/>
-            </a:endParaRPr>
-          </a:p>
-          <a:p>
-            <a:pPr marL="514350" indent="-514350">
-              <a:buAutoNum type="arabicPeriod"/>
-            </a:pPr>
-            <a:r>
-              <a:rPr lang="fr-CH" dirty="0" smtClean="0">
-                <a:latin typeface="Helvetica" panose="020B0604020202030204" pitchFamily="34" charset="0"/>
-              </a:rPr>
-              <a:t>Validation du design</a:t>
+              <a:t>Validation</a:t>
             </a:r>
           </a:p>
           <a:p>
@@ -3433,6 +6167,18 @@
               <a:rPr lang="fr-CH" dirty="0" smtClean="0">
                 <a:latin typeface="Helvetica" panose="020B0604020202030204" pitchFamily="34" charset="0"/>
               </a:rPr>
+              <a:t>Conclusion</a:t>
+            </a:r>
+          </a:p>
+          <a:p>
+            <a:pPr marL="514350" indent="-514350">
+              <a:buFont typeface="Arial" panose="020B0604020202020204" pitchFamily="34" charset="0"/>
+              <a:buAutoNum type="arabicPeriod"/>
+            </a:pPr>
+            <a:r>
+              <a:rPr lang="fr-CH" dirty="0">
+                <a:latin typeface="Helvetica" panose="020B0604020202030204" pitchFamily="34" charset="0"/>
+              </a:rPr>
               <a:t>Démonstration</a:t>
             </a:r>
           </a:p>
@@ -3440,12 +6186,6 @@
             <a:pPr marL="514350" indent="-514350">
               <a:buAutoNum type="arabicPeriod"/>
             </a:pPr>
-            <a:r>
-              <a:rPr lang="fr-CH" dirty="0" smtClean="0">
-                <a:latin typeface="Helvetica" panose="020B0604020202030204" pitchFamily="34" charset="0"/>
-              </a:rPr>
-              <a:t>Conclusion</a:t>
-            </a:r>
             <a:endParaRPr lang="fr-CH" dirty="0" smtClean="0">
               <a:latin typeface="Helvetica" panose="020B0604020202030204" pitchFamily="34" charset="0"/>
             </a:endParaRPr>
@@ -3573,6 +6313,18 @@
   <p:clrMapOvr>
     <a:masterClrMapping/>
   </p:clrMapOvr>
+  <mc:AlternateContent xmlns:mc="http://schemas.openxmlformats.org/markup-compatibility/2006">
+    <mc:Choice xmlns:p14="http://schemas.microsoft.com/office/powerpoint/2010/main" Requires="p14">
+      <p:transition>
+        <p14:reveal/>
+      </p:transition>
+    </mc:Choice>
+    <mc:Fallback>
+      <p:transition>
+        <p:fade/>
+      </p:transition>
+    </mc:Fallback>
+  </mc:AlternateContent>
   <p:timing>
     <p:tnLst>
       <p:par>
@@ -3584,6 +6336,104 @@
 </file>
 
 <file path=ppt/slides/slide3.xml><?xml version="1.0" encoding="utf-8"?>
+<p:sld xmlns:a="http://schemas.openxmlformats.org/drawingml/2006/main" xmlns:r="http://schemas.openxmlformats.org/officeDocument/2006/relationships" xmlns:p="http://schemas.openxmlformats.org/presentationml/2006/main">
+  <p:cSld>
+    <p:bg>
+      <p:bgPr>
+        <a:solidFill>
+          <a:srgbClr val="002060"/>
+        </a:solidFill>
+        <a:effectLst/>
+      </p:bgPr>
+    </p:bg>
+    <p:spTree>
+      <p:nvGrpSpPr>
+        <p:cNvPr id="1" name=""/>
+        <p:cNvGrpSpPr/>
+        <p:nvPr/>
+      </p:nvGrpSpPr>
+      <p:grpSpPr>
+        <a:xfrm>
+          <a:off x="0" y="0"/>
+          <a:ext cx="0" cy="0"/>
+          <a:chOff x="0" y="0"/>
+          <a:chExt cx="0" cy="0"/>
+        </a:xfrm>
+      </p:grpSpPr>
+      <p:sp>
+        <p:nvSpPr>
+          <p:cNvPr id="5" name="Espace réservé du contenu 4"/>
+          <p:cNvSpPr>
+            <a:spLocks noGrp="1"/>
+          </p:cNvSpPr>
+          <p:nvPr>
+            <p:ph idx="1"/>
+          </p:nvPr>
+        </p:nvSpPr>
+        <p:spPr>
+          <a:xfrm>
+            <a:off x="1" y="0"/>
+            <a:ext cx="12192000" cy="6858000"/>
+          </a:xfrm>
+        </p:spPr>
+        <p:txBody>
+          <a:bodyPr anchor="ctr">
+            <a:noAutofit/>
+          </a:bodyPr>
+          <a:lstStyle/>
+          <a:p>
+            <a:pPr marL="0" indent="0" algn="ctr">
+              <a:buNone/>
+            </a:pPr>
+            <a:r>
+              <a:rPr lang="fr-CH" sz="4400" dirty="0" smtClean="0">
+                <a:solidFill>
+                  <a:schemeClr val="bg1"/>
+                </a:solidFill>
+              </a:rPr>
+              <a:t>CONCEPT &amp; INTRODUCTION</a:t>
+            </a:r>
+            <a:endParaRPr lang="fr-CH" sz="4400" dirty="0">
+              <a:solidFill>
+                <a:schemeClr val="bg1"/>
+              </a:solidFill>
+            </a:endParaRPr>
+          </a:p>
+        </p:txBody>
+      </p:sp>
+    </p:spTree>
+    <p:extLst>
+      <p:ext uri="{BB962C8B-B14F-4D97-AF65-F5344CB8AC3E}">
+        <p14:creationId xmlns:p14="http://schemas.microsoft.com/office/powerpoint/2010/main" val="2036315017"/>
+      </p:ext>
+    </p:extLst>
+  </p:cSld>
+  <p:clrMapOvr>
+    <a:masterClrMapping/>
+  </p:clrMapOvr>
+  <mc:AlternateContent xmlns:mc="http://schemas.openxmlformats.org/markup-compatibility/2006">
+    <mc:Choice xmlns:p14="http://schemas.microsoft.com/office/powerpoint/2010/main" Requires="p14">
+      <p:transition>
+        <p14:reveal/>
+      </p:transition>
+    </mc:Choice>
+    <mc:Fallback>
+      <p:transition>
+        <p:fade/>
+      </p:transition>
+    </mc:Fallback>
+  </mc:AlternateContent>
+  <p:timing>
+    <p:tnLst>
+      <p:par>
+        <p:cTn id="1" dur="indefinite" restart="never" nodeType="tmRoot"/>
+      </p:par>
+    </p:tnLst>
+  </p:timing>
+</p:sld>
+</file>
+
+<file path=ppt/slides/slide4.xml><?xml version="1.0" encoding="utf-8"?>
 <p:sld xmlns:a="http://schemas.openxmlformats.org/drawingml/2006/main" xmlns:r="http://schemas.openxmlformats.org/officeDocument/2006/relationships" xmlns:p="http://schemas.openxmlformats.org/presentationml/2006/main">
   <p:cSld>
     <p:spTree>
@@ -3803,7 +6653,7 @@
         <p:spPr>
           <a:xfrm>
             <a:off x="838200" y="850900"/>
-            <a:ext cx="10515600" cy="473075"/>
+            <a:ext cx="4234970" cy="473075"/>
           </a:xfrm>
           <a:prstGeom prst="rect">
             <a:avLst/>
@@ -7321,6 +10171,791 @@
           </a:p>
         </p:txBody>
       </p:sp>
+      <p:pic>
+        <p:nvPicPr>
+          <p:cNvPr id="1026" name="Picture 2" descr="6: Example sensor data from an IMU sensor placed on the lateral side of...  | Download Scientific Diagram"/>
+          <p:cNvPicPr>
+            <a:picLocks noChangeAspect="1" noChangeArrowheads="1"/>
+          </p:cNvPicPr>
+          <p:nvPr/>
+        </p:nvPicPr>
+        <p:blipFill>
+          <a:blip r:embed="rId7" cstate="print">
+            <a:extLst>
+              <a:ext uri="{28A0092B-C50C-407E-A947-70E740481C1C}">
+                <a14:useLocalDpi xmlns:a14="http://schemas.microsoft.com/office/drawing/2010/main" val="0"/>
+              </a:ext>
+            </a:extLst>
+          </a:blip>
+          <a:srcRect/>
+          <a:stretch>
+            <a:fillRect/>
+          </a:stretch>
+        </p:blipFill>
+        <p:spPr bwMode="auto">
+          <a:xfrm>
+            <a:off x="8971827" y="5007208"/>
+            <a:ext cx="3220173" cy="1871489"/>
+          </a:xfrm>
+          <a:prstGeom prst="rect">
+            <a:avLst/>
+          </a:prstGeom>
+          <a:noFill/>
+          <a:extLst>
+            <a:ext uri="{909E8E84-426E-40DD-AFC4-6F175D3DCCD1}">
+              <a14:hiddenFill xmlns:a14="http://schemas.microsoft.com/office/drawing/2010/main">
+                <a:solidFill>
+                  <a:srgbClr val="FFFFFF"/>
+                </a:solidFill>
+              </a14:hiddenFill>
+            </a:ext>
+          </a:extLst>
+        </p:spPr>
+      </p:pic>
+      <p:sp>
+        <p:nvSpPr>
+          <p:cNvPr id="35" name="Rectangle 9"/>
+          <p:cNvSpPr/>
+          <p:nvPr/>
+        </p:nvSpPr>
+        <p:spPr>
+          <a:xfrm>
+            <a:off x="-1736622" y="4466141"/>
+            <a:ext cx="14182622" cy="3670040"/>
+          </a:xfrm>
+          <a:custGeom>
+            <a:avLst/>
+            <a:gdLst>
+              <a:gd name="connsiteX0" fmla="*/ 0 w 12192001"/>
+              <a:gd name="connsiteY0" fmla="*/ 0 h 4917233"/>
+              <a:gd name="connsiteX1" fmla="*/ 12192001 w 12192001"/>
+              <a:gd name="connsiteY1" fmla="*/ 0 h 4917233"/>
+              <a:gd name="connsiteX2" fmla="*/ 12192001 w 12192001"/>
+              <a:gd name="connsiteY2" fmla="*/ 4917233 h 4917233"/>
+              <a:gd name="connsiteX3" fmla="*/ 0 w 12192001"/>
+              <a:gd name="connsiteY3" fmla="*/ 4917233 h 4917233"/>
+              <a:gd name="connsiteX4" fmla="*/ 0 w 12192001"/>
+              <a:gd name="connsiteY4" fmla="*/ 0 h 4917233"/>
+              <a:gd name="connsiteX0" fmla="*/ 0 w 12192001"/>
+              <a:gd name="connsiteY0" fmla="*/ 43 h 4917276"/>
+              <a:gd name="connsiteX1" fmla="*/ 522515 w 12192001"/>
+              <a:gd name="connsiteY1" fmla="*/ 158664 h 4917276"/>
+              <a:gd name="connsiteX2" fmla="*/ 12192001 w 12192001"/>
+              <a:gd name="connsiteY2" fmla="*/ 43 h 4917276"/>
+              <a:gd name="connsiteX3" fmla="*/ 12192001 w 12192001"/>
+              <a:gd name="connsiteY3" fmla="*/ 4917276 h 4917276"/>
+              <a:gd name="connsiteX4" fmla="*/ 0 w 12192001"/>
+              <a:gd name="connsiteY4" fmla="*/ 4917276 h 4917276"/>
+              <a:gd name="connsiteX5" fmla="*/ 0 w 12192001"/>
+              <a:gd name="connsiteY5" fmla="*/ 43 h 4917276"/>
+              <a:gd name="connsiteX0" fmla="*/ 0 w 12192001"/>
+              <a:gd name="connsiteY0" fmla="*/ 43 h 4917276"/>
+              <a:gd name="connsiteX1" fmla="*/ 522515 w 12192001"/>
+              <a:gd name="connsiteY1" fmla="*/ 158664 h 4917276"/>
+              <a:gd name="connsiteX2" fmla="*/ 830425 w 12192001"/>
+              <a:gd name="connsiteY2" fmla="*/ 84019 h 4917276"/>
+              <a:gd name="connsiteX3" fmla="*/ 12192001 w 12192001"/>
+              <a:gd name="connsiteY3" fmla="*/ 43 h 4917276"/>
+              <a:gd name="connsiteX4" fmla="*/ 12192001 w 12192001"/>
+              <a:gd name="connsiteY4" fmla="*/ 4917276 h 4917276"/>
+              <a:gd name="connsiteX5" fmla="*/ 0 w 12192001"/>
+              <a:gd name="connsiteY5" fmla="*/ 4917276 h 4917276"/>
+              <a:gd name="connsiteX6" fmla="*/ 0 w 12192001"/>
+              <a:gd name="connsiteY6" fmla="*/ 43 h 4917276"/>
+              <a:gd name="connsiteX0" fmla="*/ 0 w 12192001"/>
+              <a:gd name="connsiteY0" fmla="*/ 37322 h 4954555"/>
+              <a:gd name="connsiteX1" fmla="*/ 522515 w 12192001"/>
+              <a:gd name="connsiteY1" fmla="*/ 195943 h 4954555"/>
+              <a:gd name="connsiteX2" fmla="*/ 830425 w 12192001"/>
+              <a:gd name="connsiteY2" fmla="*/ 121298 h 4954555"/>
+              <a:gd name="connsiteX3" fmla="*/ 1091683 w 12192001"/>
+              <a:gd name="connsiteY3" fmla="*/ 0 h 4954555"/>
+              <a:gd name="connsiteX4" fmla="*/ 12192001 w 12192001"/>
+              <a:gd name="connsiteY4" fmla="*/ 37322 h 4954555"/>
+              <a:gd name="connsiteX5" fmla="*/ 12192001 w 12192001"/>
+              <a:gd name="connsiteY5" fmla="*/ 4954555 h 4954555"/>
+              <a:gd name="connsiteX6" fmla="*/ 0 w 12192001"/>
+              <a:gd name="connsiteY6" fmla="*/ 4954555 h 4954555"/>
+              <a:gd name="connsiteX7" fmla="*/ 0 w 12192001"/>
+              <a:gd name="connsiteY7" fmla="*/ 37322 h 4954555"/>
+              <a:gd name="connsiteX0" fmla="*/ 0 w 12192001"/>
+              <a:gd name="connsiteY0" fmla="*/ 37974 h 4955207"/>
+              <a:gd name="connsiteX1" fmla="*/ 522515 w 12192001"/>
+              <a:gd name="connsiteY1" fmla="*/ 196595 h 4955207"/>
+              <a:gd name="connsiteX2" fmla="*/ 830425 w 12192001"/>
+              <a:gd name="connsiteY2" fmla="*/ 121950 h 4955207"/>
+              <a:gd name="connsiteX3" fmla="*/ 1091683 w 12192001"/>
+              <a:gd name="connsiteY3" fmla="*/ 652 h 4955207"/>
+              <a:gd name="connsiteX4" fmla="*/ 1483568 w 12192001"/>
+              <a:gd name="connsiteY4" fmla="*/ 28645 h 4955207"/>
+              <a:gd name="connsiteX5" fmla="*/ 12192001 w 12192001"/>
+              <a:gd name="connsiteY5" fmla="*/ 37974 h 4955207"/>
+              <a:gd name="connsiteX6" fmla="*/ 12192001 w 12192001"/>
+              <a:gd name="connsiteY6" fmla="*/ 4955207 h 4955207"/>
+              <a:gd name="connsiteX7" fmla="*/ 0 w 12192001"/>
+              <a:gd name="connsiteY7" fmla="*/ 4955207 h 4955207"/>
+              <a:gd name="connsiteX8" fmla="*/ 0 w 12192001"/>
+              <a:gd name="connsiteY8" fmla="*/ 37974 h 4955207"/>
+              <a:gd name="connsiteX0" fmla="*/ 0 w 12192001"/>
+              <a:gd name="connsiteY0" fmla="*/ 37974 h 4955207"/>
+              <a:gd name="connsiteX1" fmla="*/ 522515 w 12192001"/>
+              <a:gd name="connsiteY1" fmla="*/ 196595 h 4955207"/>
+              <a:gd name="connsiteX2" fmla="*/ 830425 w 12192001"/>
+              <a:gd name="connsiteY2" fmla="*/ 121950 h 4955207"/>
+              <a:gd name="connsiteX3" fmla="*/ 1091683 w 12192001"/>
+              <a:gd name="connsiteY3" fmla="*/ 652 h 4955207"/>
+              <a:gd name="connsiteX4" fmla="*/ 1483568 w 12192001"/>
+              <a:gd name="connsiteY4" fmla="*/ 28645 h 4955207"/>
+              <a:gd name="connsiteX5" fmla="*/ 1950099 w 12192001"/>
+              <a:gd name="connsiteY5" fmla="*/ 84628 h 4955207"/>
+              <a:gd name="connsiteX6" fmla="*/ 12192001 w 12192001"/>
+              <a:gd name="connsiteY6" fmla="*/ 37974 h 4955207"/>
+              <a:gd name="connsiteX7" fmla="*/ 12192001 w 12192001"/>
+              <a:gd name="connsiteY7" fmla="*/ 4955207 h 4955207"/>
+              <a:gd name="connsiteX8" fmla="*/ 0 w 12192001"/>
+              <a:gd name="connsiteY8" fmla="*/ 4955207 h 4955207"/>
+              <a:gd name="connsiteX9" fmla="*/ 0 w 12192001"/>
+              <a:gd name="connsiteY9" fmla="*/ 37974 h 4955207"/>
+              <a:gd name="connsiteX0" fmla="*/ 0 w 12192001"/>
+              <a:gd name="connsiteY0" fmla="*/ 37974 h 4955207"/>
+              <a:gd name="connsiteX1" fmla="*/ 522515 w 12192001"/>
+              <a:gd name="connsiteY1" fmla="*/ 196595 h 4955207"/>
+              <a:gd name="connsiteX2" fmla="*/ 830425 w 12192001"/>
+              <a:gd name="connsiteY2" fmla="*/ 121950 h 4955207"/>
+              <a:gd name="connsiteX3" fmla="*/ 1091683 w 12192001"/>
+              <a:gd name="connsiteY3" fmla="*/ 652 h 4955207"/>
+              <a:gd name="connsiteX4" fmla="*/ 1483568 w 12192001"/>
+              <a:gd name="connsiteY4" fmla="*/ 28645 h 4955207"/>
+              <a:gd name="connsiteX5" fmla="*/ 1950099 w 12192001"/>
+              <a:gd name="connsiteY5" fmla="*/ 84628 h 4955207"/>
+              <a:gd name="connsiteX6" fmla="*/ 2369977 w 12192001"/>
+              <a:gd name="connsiteY6" fmla="*/ 19314 h 4955207"/>
+              <a:gd name="connsiteX7" fmla="*/ 12192001 w 12192001"/>
+              <a:gd name="connsiteY7" fmla="*/ 37974 h 4955207"/>
+              <a:gd name="connsiteX8" fmla="*/ 12192001 w 12192001"/>
+              <a:gd name="connsiteY8" fmla="*/ 4955207 h 4955207"/>
+              <a:gd name="connsiteX9" fmla="*/ 0 w 12192001"/>
+              <a:gd name="connsiteY9" fmla="*/ 4955207 h 4955207"/>
+              <a:gd name="connsiteX10" fmla="*/ 0 w 12192001"/>
+              <a:gd name="connsiteY10" fmla="*/ 37974 h 4955207"/>
+              <a:gd name="connsiteX0" fmla="*/ 0 w 12192001"/>
+              <a:gd name="connsiteY0" fmla="*/ 37974 h 4955207"/>
+              <a:gd name="connsiteX1" fmla="*/ 522515 w 12192001"/>
+              <a:gd name="connsiteY1" fmla="*/ 196595 h 4955207"/>
+              <a:gd name="connsiteX2" fmla="*/ 830425 w 12192001"/>
+              <a:gd name="connsiteY2" fmla="*/ 121950 h 4955207"/>
+              <a:gd name="connsiteX3" fmla="*/ 1091683 w 12192001"/>
+              <a:gd name="connsiteY3" fmla="*/ 652 h 4955207"/>
+              <a:gd name="connsiteX4" fmla="*/ 1483568 w 12192001"/>
+              <a:gd name="connsiteY4" fmla="*/ 28645 h 4955207"/>
+              <a:gd name="connsiteX5" fmla="*/ 1950099 w 12192001"/>
+              <a:gd name="connsiteY5" fmla="*/ 84628 h 4955207"/>
+              <a:gd name="connsiteX6" fmla="*/ 2369977 w 12192001"/>
+              <a:gd name="connsiteY6" fmla="*/ 19314 h 4955207"/>
+              <a:gd name="connsiteX7" fmla="*/ 3275046 w 12192001"/>
+              <a:gd name="connsiteY7" fmla="*/ 75298 h 4955207"/>
+              <a:gd name="connsiteX8" fmla="*/ 12192001 w 12192001"/>
+              <a:gd name="connsiteY8" fmla="*/ 37974 h 4955207"/>
+              <a:gd name="connsiteX9" fmla="*/ 12192001 w 12192001"/>
+              <a:gd name="connsiteY9" fmla="*/ 4955207 h 4955207"/>
+              <a:gd name="connsiteX10" fmla="*/ 0 w 12192001"/>
+              <a:gd name="connsiteY10" fmla="*/ 4955207 h 4955207"/>
+              <a:gd name="connsiteX11" fmla="*/ 0 w 12192001"/>
+              <a:gd name="connsiteY11" fmla="*/ 37974 h 4955207"/>
+              <a:gd name="connsiteX0" fmla="*/ 0 w 12192001"/>
+              <a:gd name="connsiteY0" fmla="*/ 37974 h 4955207"/>
+              <a:gd name="connsiteX1" fmla="*/ 522515 w 12192001"/>
+              <a:gd name="connsiteY1" fmla="*/ 196595 h 4955207"/>
+              <a:gd name="connsiteX2" fmla="*/ 830425 w 12192001"/>
+              <a:gd name="connsiteY2" fmla="*/ 121950 h 4955207"/>
+              <a:gd name="connsiteX3" fmla="*/ 1091683 w 12192001"/>
+              <a:gd name="connsiteY3" fmla="*/ 652 h 4955207"/>
+              <a:gd name="connsiteX4" fmla="*/ 1483568 w 12192001"/>
+              <a:gd name="connsiteY4" fmla="*/ 28645 h 4955207"/>
+              <a:gd name="connsiteX5" fmla="*/ 1950099 w 12192001"/>
+              <a:gd name="connsiteY5" fmla="*/ 84628 h 4955207"/>
+              <a:gd name="connsiteX6" fmla="*/ 2369977 w 12192001"/>
+              <a:gd name="connsiteY6" fmla="*/ 19314 h 4955207"/>
+              <a:gd name="connsiteX7" fmla="*/ 3275046 w 12192001"/>
+              <a:gd name="connsiteY7" fmla="*/ 75298 h 4955207"/>
+              <a:gd name="connsiteX8" fmla="*/ 3778899 w 12192001"/>
+              <a:gd name="connsiteY8" fmla="*/ 196596 h 4955207"/>
+              <a:gd name="connsiteX9" fmla="*/ 12192001 w 12192001"/>
+              <a:gd name="connsiteY9" fmla="*/ 37974 h 4955207"/>
+              <a:gd name="connsiteX10" fmla="*/ 12192001 w 12192001"/>
+              <a:gd name="connsiteY10" fmla="*/ 4955207 h 4955207"/>
+              <a:gd name="connsiteX11" fmla="*/ 0 w 12192001"/>
+              <a:gd name="connsiteY11" fmla="*/ 4955207 h 4955207"/>
+              <a:gd name="connsiteX12" fmla="*/ 0 w 12192001"/>
+              <a:gd name="connsiteY12" fmla="*/ 37974 h 4955207"/>
+              <a:gd name="connsiteX0" fmla="*/ 0 w 12192001"/>
+              <a:gd name="connsiteY0" fmla="*/ 37974 h 4955207"/>
+              <a:gd name="connsiteX1" fmla="*/ 522515 w 12192001"/>
+              <a:gd name="connsiteY1" fmla="*/ 196595 h 4955207"/>
+              <a:gd name="connsiteX2" fmla="*/ 830425 w 12192001"/>
+              <a:gd name="connsiteY2" fmla="*/ 121950 h 4955207"/>
+              <a:gd name="connsiteX3" fmla="*/ 1091683 w 12192001"/>
+              <a:gd name="connsiteY3" fmla="*/ 652 h 4955207"/>
+              <a:gd name="connsiteX4" fmla="*/ 1483568 w 12192001"/>
+              <a:gd name="connsiteY4" fmla="*/ 28645 h 4955207"/>
+              <a:gd name="connsiteX5" fmla="*/ 1950099 w 12192001"/>
+              <a:gd name="connsiteY5" fmla="*/ 84628 h 4955207"/>
+              <a:gd name="connsiteX6" fmla="*/ 2369977 w 12192001"/>
+              <a:gd name="connsiteY6" fmla="*/ 19314 h 4955207"/>
+              <a:gd name="connsiteX7" fmla="*/ 3275046 w 12192001"/>
+              <a:gd name="connsiteY7" fmla="*/ 75298 h 4955207"/>
+              <a:gd name="connsiteX8" fmla="*/ 3778899 w 12192001"/>
+              <a:gd name="connsiteY8" fmla="*/ 196596 h 4955207"/>
+              <a:gd name="connsiteX9" fmla="*/ 4161454 w 12192001"/>
+              <a:gd name="connsiteY9" fmla="*/ 131281 h 4955207"/>
+              <a:gd name="connsiteX10" fmla="*/ 12192001 w 12192001"/>
+              <a:gd name="connsiteY10" fmla="*/ 37974 h 4955207"/>
+              <a:gd name="connsiteX11" fmla="*/ 12192001 w 12192001"/>
+              <a:gd name="connsiteY11" fmla="*/ 4955207 h 4955207"/>
+              <a:gd name="connsiteX12" fmla="*/ 0 w 12192001"/>
+              <a:gd name="connsiteY12" fmla="*/ 4955207 h 4955207"/>
+              <a:gd name="connsiteX13" fmla="*/ 0 w 12192001"/>
+              <a:gd name="connsiteY13" fmla="*/ 37974 h 4955207"/>
+              <a:gd name="connsiteX0" fmla="*/ 0 w 12192001"/>
+              <a:gd name="connsiteY0" fmla="*/ 37974 h 4955207"/>
+              <a:gd name="connsiteX1" fmla="*/ 522515 w 12192001"/>
+              <a:gd name="connsiteY1" fmla="*/ 196595 h 4955207"/>
+              <a:gd name="connsiteX2" fmla="*/ 830425 w 12192001"/>
+              <a:gd name="connsiteY2" fmla="*/ 121950 h 4955207"/>
+              <a:gd name="connsiteX3" fmla="*/ 1091683 w 12192001"/>
+              <a:gd name="connsiteY3" fmla="*/ 652 h 4955207"/>
+              <a:gd name="connsiteX4" fmla="*/ 1483568 w 12192001"/>
+              <a:gd name="connsiteY4" fmla="*/ 28645 h 4955207"/>
+              <a:gd name="connsiteX5" fmla="*/ 1950099 w 12192001"/>
+              <a:gd name="connsiteY5" fmla="*/ 84628 h 4955207"/>
+              <a:gd name="connsiteX6" fmla="*/ 2369977 w 12192001"/>
+              <a:gd name="connsiteY6" fmla="*/ 19314 h 4955207"/>
+              <a:gd name="connsiteX7" fmla="*/ 3275046 w 12192001"/>
+              <a:gd name="connsiteY7" fmla="*/ 75298 h 4955207"/>
+              <a:gd name="connsiteX8" fmla="*/ 3778899 w 12192001"/>
+              <a:gd name="connsiteY8" fmla="*/ 196596 h 4955207"/>
+              <a:gd name="connsiteX9" fmla="*/ 4161454 w 12192001"/>
+              <a:gd name="connsiteY9" fmla="*/ 131281 h 4955207"/>
+              <a:gd name="connsiteX10" fmla="*/ 5159830 w 12192001"/>
+              <a:gd name="connsiteY10" fmla="*/ 187265 h 4955207"/>
+              <a:gd name="connsiteX11" fmla="*/ 12192001 w 12192001"/>
+              <a:gd name="connsiteY11" fmla="*/ 37974 h 4955207"/>
+              <a:gd name="connsiteX12" fmla="*/ 12192001 w 12192001"/>
+              <a:gd name="connsiteY12" fmla="*/ 4955207 h 4955207"/>
+              <a:gd name="connsiteX13" fmla="*/ 0 w 12192001"/>
+              <a:gd name="connsiteY13" fmla="*/ 4955207 h 4955207"/>
+              <a:gd name="connsiteX14" fmla="*/ 0 w 12192001"/>
+              <a:gd name="connsiteY14" fmla="*/ 37974 h 4955207"/>
+              <a:gd name="connsiteX0" fmla="*/ 0 w 12192001"/>
+              <a:gd name="connsiteY0" fmla="*/ 37974 h 4955207"/>
+              <a:gd name="connsiteX1" fmla="*/ 522515 w 12192001"/>
+              <a:gd name="connsiteY1" fmla="*/ 196595 h 4955207"/>
+              <a:gd name="connsiteX2" fmla="*/ 830425 w 12192001"/>
+              <a:gd name="connsiteY2" fmla="*/ 121950 h 4955207"/>
+              <a:gd name="connsiteX3" fmla="*/ 1091683 w 12192001"/>
+              <a:gd name="connsiteY3" fmla="*/ 652 h 4955207"/>
+              <a:gd name="connsiteX4" fmla="*/ 1483568 w 12192001"/>
+              <a:gd name="connsiteY4" fmla="*/ 28645 h 4955207"/>
+              <a:gd name="connsiteX5" fmla="*/ 1950099 w 12192001"/>
+              <a:gd name="connsiteY5" fmla="*/ 84628 h 4955207"/>
+              <a:gd name="connsiteX6" fmla="*/ 2369977 w 12192001"/>
+              <a:gd name="connsiteY6" fmla="*/ 19314 h 4955207"/>
+              <a:gd name="connsiteX7" fmla="*/ 3275046 w 12192001"/>
+              <a:gd name="connsiteY7" fmla="*/ 75298 h 4955207"/>
+              <a:gd name="connsiteX8" fmla="*/ 3778899 w 12192001"/>
+              <a:gd name="connsiteY8" fmla="*/ 196596 h 4955207"/>
+              <a:gd name="connsiteX9" fmla="*/ 4161454 w 12192001"/>
+              <a:gd name="connsiteY9" fmla="*/ 131281 h 4955207"/>
+              <a:gd name="connsiteX10" fmla="*/ 5159830 w 12192001"/>
+              <a:gd name="connsiteY10" fmla="*/ 187265 h 4955207"/>
+              <a:gd name="connsiteX11" fmla="*/ 6559421 w 12192001"/>
+              <a:gd name="connsiteY11" fmla="*/ 112620 h 4955207"/>
+              <a:gd name="connsiteX12" fmla="*/ 12192001 w 12192001"/>
+              <a:gd name="connsiteY12" fmla="*/ 37974 h 4955207"/>
+              <a:gd name="connsiteX13" fmla="*/ 12192001 w 12192001"/>
+              <a:gd name="connsiteY13" fmla="*/ 4955207 h 4955207"/>
+              <a:gd name="connsiteX14" fmla="*/ 0 w 12192001"/>
+              <a:gd name="connsiteY14" fmla="*/ 4955207 h 4955207"/>
+              <a:gd name="connsiteX15" fmla="*/ 0 w 12192001"/>
+              <a:gd name="connsiteY15" fmla="*/ 37974 h 4955207"/>
+              <a:gd name="connsiteX0" fmla="*/ 0 w 12192001"/>
+              <a:gd name="connsiteY0" fmla="*/ 37974 h 4955207"/>
+              <a:gd name="connsiteX1" fmla="*/ 522515 w 12192001"/>
+              <a:gd name="connsiteY1" fmla="*/ 196595 h 4955207"/>
+              <a:gd name="connsiteX2" fmla="*/ 830425 w 12192001"/>
+              <a:gd name="connsiteY2" fmla="*/ 121950 h 4955207"/>
+              <a:gd name="connsiteX3" fmla="*/ 1091683 w 12192001"/>
+              <a:gd name="connsiteY3" fmla="*/ 652 h 4955207"/>
+              <a:gd name="connsiteX4" fmla="*/ 1483568 w 12192001"/>
+              <a:gd name="connsiteY4" fmla="*/ 28645 h 4955207"/>
+              <a:gd name="connsiteX5" fmla="*/ 1950099 w 12192001"/>
+              <a:gd name="connsiteY5" fmla="*/ 84628 h 4955207"/>
+              <a:gd name="connsiteX6" fmla="*/ 2369977 w 12192001"/>
+              <a:gd name="connsiteY6" fmla="*/ 19314 h 4955207"/>
+              <a:gd name="connsiteX7" fmla="*/ 3275046 w 12192001"/>
+              <a:gd name="connsiteY7" fmla="*/ 75298 h 4955207"/>
+              <a:gd name="connsiteX8" fmla="*/ 3778899 w 12192001"/>
+              <a:gd name="connsiteY8" fmla="*/ 196596 h 4955207"/>
+              <a:gd name="connsiteX9" fmla="*/ 4161454 w 12192001"/>
+              <a:gd name="connsiteY9" fmla="*/ 131281 h 4955207"/>
+              <a:gd name="connsiteX10" fmla="*/ 5159830 w 12192001"/>
+              <a:gd name="connsiteY10" fmla="*/ 187265 h 4955207"/>
+              <a:gd name="connsiteX11" fmla="*/ 6559421 w 12192001"/>
+              <a:gd name="connsiteY11" fmla="*/ 112620 h 4955207"/>
+              <a:gd name="connsiteX12" fmla="*/ 7595119 w 12192001"/>
+              <a:gd name="connsiteY12" fmla="*/ 224588 h 4955207"/>
+              <a:gd name="connsiteX13" fmla="*/ 12192001 w 12192001"/>
+              <a:gd name="connsiteY13" fmla="*/ 37974 h 4955207"/>
+              <a:gd name="connsiteX14" fmla="*/ 12192001 w 12192001"/>
+              <a:gd name="connsiteY14" fmla="*/ 4955207 h 4955207"/>
+              <a:gd name="connsiteX15" fmla="*/ 0 w 12192001"/>
+              <a:gd name="connsiteY15" fmla="*/ 4955207 h 4955207"/>
+              <a:gd name="connsiteX16" fmla="*/ 0 w 12192001"/>
+              <a:gd name="connsiteY16" fmla="*/ 37974 h 4955207"/>
+              <a:gd name="connsiteX0" fmla="*/ 0 w 12192001"/>
+              <a:gd name="connsiteY0" fmla="*/ 37974 h 4955207"/>
+              <a:gd name="connsiteX1" fmla="*/ 522515 w 12192001"/>
+              <a:gd name="connsiteY1" fmla="*/ 196595 h 4955207"/>
+              <a:gd name="connsiteX2" fmla="*/ 830425 w 12192001"/>
+              <a:gd name="connsiteY2" fmla="*/ 121950 h 4955207"/>
+              <a:gd name="connsiteX3" fmla="*/ 1091683 w 12192001"/>
+              <a:gd name="connsiteY3" fmla="*/ 652 h 4955207"/>
+              <a:gd name="connsiteX4" fmla="*/ 1483568 w 12192001"/>
+              <a:gd name="connsiteY4" fmla="*/ 28645 h 4955207"/>
+              <a:gd name="connsiteX5" fmla="*/ 1950099 w 12192001"/>
+              <a:gd name="connsiteY5" fmla="*/ 84628 h 4955207"/>
+              <a:gd name="connsiteX6" fmla="*/ 2369977 w 12192001"/>
+              <a:gd name="connsiteY6" fmla="*/ 19314 h 4955207"/>
+              <a:gd name="connsiteX7" fmla="*/ 3275046 w 12192001"/>
+              <a:gd name="connsiteY7" fmla="*/ 75298 h 4955207"/>
+              <a:gd name="connsiteX8" fmla="*/ 3778899 w 12192001"/>
+              <a:gd name="connsiteY8" fmla="*/ 196596 h 4955207"/>
+              <a:gd name="connsiteX9" fmla="*/ 4161454 w 12192001"/>
+              <a:gd name="connsiteY9" fmla="*/ 131281 h 4955207"/>
+              <a:gd name="connsiteX10" fmla="*/ 5159830 w 12192001"/>
+              <a:gd name="connsiteY10" fmla="*/ 187265 h 4955207"/>
+              <a:gd name="connsiteX11" fmla="*/ 6559421 w 12192001"/>
+              <a:gd name="connsiteY11" fmla="*/ 112620 h 4955207"/>
+              <a:gd name="connsiteX12" fmla="*/ 7595119 w 12192001"/>
+              <a:gd name="connsiteY12" fmla="*/ 224588 h 4955207"/>
+              <a:gd name="connsiteX13" fmla="*/ 8836091 w 12192001"/>
+              <a:gd name="connsiteY13" fmla="*/ 289902 h 4955207"/>
+              <a:gd name="connsiteX14" fmla="*/ 12192001 w 12192001"/>
+              <a:gd name="connsiteY14" fmla="*/ 37974 h 4955207"/>
+              <a:gd name="connsiteX15" fmla="*/ 12192001 w 12192001"/>
+              <a:gd name="connsiteY15" fmla="*/ 4955207 h 4955207"/>
+              <a:gd name="connsiteX16" fmla="*/ 0 w 12192001"/>
+              <a:gd name="connsiteY16" fmla="*/ 4955207 h 4955207"/>
+              <a:gd name="connsiteX17" fmla="*/ 0 w 12192001"/>
+              <a:gd name="connsiteY17" fmla="*/ 37974 h 4955207"/>
+              <a:gd name="connsiteX0" fmla="*/ 0 w 12192001"/>
+              <a:gd name="connsiteY0" fmla="*/ 37974 h 4955207"/>
+              <a:gd name="connsiteX1" fmla="*/ 522515 w 12192001"/>
+              <a:gd name="connsiteY1" fmla="*/ 196595 h 4955207"/>
+              <a:gd name="connsiteX2" fmla="*/ 830425 w 12192001"/>
+              <a:gd name="connsiteY2" fmla="*/ 121950 h 4955207"/>
+              <a:gd name="connsiteX3" fmla="*/ 1091683 w 12192001"/>
+              <a:gd name="connsiteY3" fmla="*/ 652 h 4955207"/>
+              <a:gd name="connsiteX4" fmla="*/ 1483568 w 12192001"/>
+              <a:gd name="connsiteY4" fmla="*/ 28645 h 4955207"/>
+              <a:gd name="connsiteX5" fmla="*/ 1950099 w 12192001"/>
+              <a:gd name="connsiteY5" fmla="*/ 84628 h 4955207"/>
+              <a:gd name="connsiteX6" fmla="*/ 2369977 w 12192001"/>
+              <a:gd name="connsiteY6" fmla="*/ 19314 h 4955207"/>
+              <a:gd name="connsiteX7" fmla="*/ 3275046 w 12192001"/>
+              <a:gd name="connsiteY7" fmla="*/ 75298 h 4955207"/>
+              <a:gd name="connsiteX8" fmla="*/ 3778899 w 12192001"/>
+              <a:gd name="connsiteY8" fmla="*/ 196596 h 4955207"/>
+              <a:gd name="connsiteX9" fmla="*/ 4161454 w 12192001"/>
+              <a:gd name="connsiteY9" fmla="*/ 131281 h 4955207"/>
+              <a:gd name="connsiteX10" fmla="*/ 5159830 w 12192001"/>
+              <a:gd name="connsiteY10" fmla="*/ 187265 h 4955207"/>
+              <a:gd name="connsiteX11" fmla="*/ 6559421 w 12192001"/>
+              <a:gd name="connsiteY11" fmla="*/ 112620 h 4955207"/>
+              <a:gd name="connsiteX12" fmla="*/ 7595119 w 12192001"/>
+              <a:gd name="connsiteY12" fmla="*/ 224588 h 4955207"/>
+              <a:gd name="connsiteX13" fmla="*/ 8836091 w 12192001"/>
+              <a:gd name="connsiteY13" fmla="*/ 289902 h 4955207"/>
+              <a:gd name="connsiteX14" fmla="*/ 9479903 w 12192001"/>
+              <a:gd name="connsiteY14" fmla="*/ 93959 h 4955207"/>
+              <a:gd name="connsiteX15" fmla="*/ 12192001 w 12192001"/>
+              <a:gd name="connsiteY15" fmla="*/ 37974 h 4955207"/>
+              <a:gd name="connsiteX16" fmla="*/ 12192001 w 12192001"/>
+              <a:gd name="connsiteY16" fmla="*/ 4955207 h 4955207"/>
+              <a:gd name="connsiteX17" fmla="*/ 0 w 12192001"/>
+              <a:gd name="connsiteY17" fmla="*/ 4955207 h 4955207"/>
+              <a:gd name="connsiteX18" fmla="*/ 0 w 12192001"/>
+              <a:gd name="connsiteY18" fmla="*/ 37974 h 4955207"/>
+              <a:gd name="connsiteX0" fmla="*/ 0 w 12192001"/>
+              <a:gd name="connsiteY0" fmla="*/ 37974 h 4955207"/>
+              <a:gd name="connsiteX1" fmla="*/ 522515 w 12192001"/>
+              <a:gd name="connsiteY1" fmla="*/ 196595 h 4955207"/>
+              <a:gd name="connsiteX2" fmla="*/ 830425 w 12192001"/>
+              <a:gd name="connsiteY2" fmla="*/ 121950 h 4955207"/>
+              <a:gd name="connsiteX3" fmla="*/ 1091683 w 12192001"/>
+              <a:gd name="connsiteY3" fmla="*/ 652 h 4955207"/>
+              <a:gd name="connsiteX4" fmla="*/ 1483568 w 12192001"/>
+              <a:gd name="connsiteY4" fmla="*/ 28645 h 4955207"/>
+              <a:gd name="connsiteX5" fmla="*/ 1950099 w 12192001"/>
+              <a:gd name="connsiteY5" fmla="*/ 84628 h 4955207"/>
+              <a:gd name="connsiteX6" fmla="*/ 2369977 w 12192001"/>
+              <a:gd name="connsiteY6" fmla="*/ 19314 h 4955207"/>
+              <a:gd name="connsiteX7" fmla="*/ 3275046 w 12192001"/>
+              <a:gd name="connsiteY7" fmla="*/ 75298 h 4955207"/>
+              <a:gd name="connsiteX8" fmla="*/ 3778899 w 12192001"/>
+              <a:gd name="connsiteY8" fmla="*/ 196596 h 4955207"/>
+              <a:gd name="connsiteX9" fmla="*/ 4161454 w 12192001"/>
+              <a:gd name="connsiteY9" fmla="*/ 131281 h 4955207"/>
+              <a:gd name="connsiteX10" fmla="*/ 5159830 w 12192001"/>
+              <a:gd name="connsiteY10" fmla="*/ 187265 h 4955207"/>
+              <a:gd name="connsiteX11" fmla="*/ 6559421 w 12192001"/>
+              <a:gd name="connsiteY11" fmla="*/ 112620 h 4955207"/>
+              <a:gd name="connsiteX12" fmla="*/ 7595119 w 12192001"/>
+              <a:gd name="connsiteY12" fmla="*/ 224588 h 4955207"/>
+              <a:gd name="connsiteX13" fmla="*/ 8836091 w 12192001"/>
+              <a:gd name="connsiteY13" fmla="*/ 289902 h 4955207"/>
+              <a:gd name="connsiteX14" fmla="*/ 9479903 w 12192001"/>
+              <a:gd name="connsiteY14" fmla="*/ 93959 h 4955207"/>
+              <a:gd name="connsiteX15" fmla="*/ 10273005 w 12192001"/>
+              <a:gd name="connsiteY15" fmla="*/ 168604 h 4955207"/>
+              <a:gd name="connsiteX16" fmla="*/ 12192001 w 12192001"/>
+              <a:gd name="connsiteY16" fmla="*/ 37974 h 4955207"/>
+              <a:gd name="connsiteX17" fmla="*/ 12192001 w 12192001"/>
+              <a:gd name="connsiteY17" fmla="*/ 4955207 h 4955207"/>
+              <a:gd name="connsiteX18" fmla="*/ 0 w 12192001"/>
+              <a:gd name="connsiteY18" fmla="*/ 4955207 h 4955207"/>
+              <a:gd name="connsiteX19" fmla="*/ 0 w 12192001"/>
+              <a:gd name="connsiteY19" fmla="*/ 37974 h 4955207"/>
+              <a:gd name="connsiteX0" fmla="*/ 0 w 12192001"/>
+              <a:gd name="connsiteY0" fmla="*/ 37974 h 4955207"/>
+              <a:gd name="connsiteX1" fmla="*/ 522515 w 12192001"/>
+              <a:gd name="connsiteY1" fmla="*/ 196595 h 4955207"/>
+              <a:gd name="connsiteX2" fmla="*/ 830425 w 12192001"/>
+              <a:gd name="connsiteY2" fmla="*/ 121950 h 4955207"/>
+              <a:gd name="connsiteX3" fmla="*/ 1091683 w 12192001"/>
+              <a:gd name="connsiteY3" fmla="*/ 652 h 4955207"/>
+              <a:gd name="connsiteX4" fmla="*/ 1483568 w 12192001"/>
+              <a:gd name="connsiteY4" fmla="*/ 28645 h 4955207"/>
+              <a:gd name="connsiteX5" fmla="*/ 1950099 w 12192001"/>
+              <a:gd name="connsiteY5" fmla="*/ 84628 h 4955207"/>
+              <a:gd name="connsiteX6" fmla="*/ 2369977 w 12192001"/>
+              <a:gd name="connsiteY6" fmla="*/ 19314 h 4955207"/>
+              <a:gd name="connsiteX7" fmla="*/ 3275046 w 12192001"/>
+              <a:gd name="connsiteY7" fmla="*/ 75298 h 4955207"/>
+              <a:gd name="connsiteX8" fmla="*/ 3778899 w 12192001"/>
+              <a:gd name="connsiteY8" fmla="*/ 196596 h 4955207"/>
+              <a:gd name="connsiteX9" fmla="*/ 4161454 w 12192001"/>
+              <a:gd name="connsiteY9" fmla="*/ 131281 h 4955207"/>
+              <a:gd name="connsiteX10" fmla="*/ 5159830 w 12192001"/>
+              <a:gd name="connsiteY10" fmla="*/ 187265 h 4955207"/>
+              <a:gd name="connsiteX11" fmla="*/ 6559421 w 12192001"/>
+              <a:gd name="connsiteY11" fmla="*/ 112620 h 4955207"/>
+              <a:gd name="connsiteX12" fmla="*/ 7595119 w 12192001"/>
+              <a:gd name="connsiteY12" fmla="*/ 224588 h 4955207"/>
+              <a:gd name="connsiteX13" fmla="*/ 8836091 w 12192001"/>
+              <a:gd name="connsiteY13" fmla="*/ 289902 h 4955207"/>
+              <a:gd name="connsiteX14" fmla="*/ 9479903 w 12192001"/>
+              <a:gd name="connsiteY14" fmla="*/ 93959 h 4955207"/>
+              <a:gd name="connsiteX15" fmla="*/ 10273005 w 12192001"/>
+              <a:gd name="connsiteY15" fmla="*/ 168604 h 4955207"/>
+              <a:gd name="connsiteX16" fmla="*/ 11318034 w 12192001"/>
+              <a:gd name="connsiteY16" fmla="*/ 121951 h 4955207"/>
+              <a:gd name="connsiteX17" fmla="*/ 12192001 w 12192001"/>
+              <a:gd name="connsiteY17" fmla="*/ 37974 h 4955207"/>
+              <a:gd name="connsiteX18" fmla="*/ 12192001 w 12192001"/>
+              <a:gd name="connsiteY18" fmla="*/ 4955207 h 4955207"/>
+              <a:gd name="connsiteX19" fmla="*/ 0 w 12192001"/>
+              <a:gd name="connsiteY19" fmla="*/ 4955207 h 4955207"/>
+              <a:gd name="connsiteX20" fmla="*/ 0 w 12192001"/>
+              <a:gd name="connsiteY20" fmla="*/ 37974 h 4955207"/>
+              <a:gd name="connsiteX0" fmla="*/ 0 w 12192001"/>
+              <a:gd name="connsiteY0" fmla="*/ 37974 h 4955207"/>
+              <a:gd name="connsiteX1" fmla="*/ 522515 w 12192001"/>
+              <a:gd name="connsiteY1" fmla="*/ 196595 h 4955207"/>
+              <a:gd name="connsiteX2" fmla="*/ 830425 w 12192001"/>
+              <a:gd name="connsiteY2" fmla="*/ 121950 h 4955207"/>
+              <a:gd name="connsiteX3" fmla="*/ 1091683 w 12192001"/>
+              <a:gd name="connsiteY3" fmla="*/ 652 h 4955207"/>
+              <a:gd name="connsiteX4" fmla="*/ 1483568 w 12192001"/>
+              <a:gd name="connsiteY4" fmla="*/ 28645 h 4955207"/>
+              <a:gd name="connsiteX5" fmla="*/ 1950099 w 12192001"/>
+              <a:gd name="connsiteY5" fmla="*/ 84628 h 4955207"/>
+              <a:gd name="connsiteX6" fmla="*/ 2369977 w 12192001"/>
+              <a:gd name="connsiteY6" fmla="*/ 19314 h 4955207"/>
+              <a:gd name="connsiteX7" fmla="*/ 3275046 w 12192001"/>
+              <a:gd name="connsiteY7" fmla="*/ 75298 h 4955207"/>
+              <a:gd name="connsiteX8" fmla="*/ 3778899 w 12192001"/>
+              <a:gd name="connsiteY8" fmla="*/ 196596 h 4955207"/>
+              <a:gd name="connsiteX9" fmla="*/ 4161454 w 12192001"/>
+              <a:gd name="connsiteY9" fmla="*/ 131281 h 4955207"/>
+              <a:gd name="connsiteX10" fmla="*/ 5159830 w 12192001"/>
+              <a:gd name="connsiteY10" fmla="*/ 187265 h 4955207"/>
+              <a:gd name="connsiteX11" fmla="*/ 6559421 w 12192001"/>
+              <a:gd name="connsiteY11" fmla="*/ 112620 h 4955207"/>
+              <a:gd name="connsiteX12" fmla="*/ 7595119 w 12192001"/>
+              <a:gd name="connsiteY12" fmla="*/ 224588 h 4955207"/>
+              <a:gd name="connsiteX13" fmla="*/ 8836091 w 12192001"/>
+              <a:gd name="connsiteY13" fmla="*/ 289902 h 4955207"/>
+              <a:gd name="connsiteX14" fmla="*/ 9479903 w 12192001"/>
+              <a:gd name="connsiteY14" fmla="*/ 93959 h 4955207"/>
+              <a:gd name="connsiteX15" fmla="*/ 10273005 w 12192001"/>
+              <a:gd name="connsiteY15" fmla="*/ 168604 h 4955207"/>
+              <a:gd name="connsiteX16" fmla="*/ 11392679 w 12192001"/>
+              <a:gd name="connsiteY16" fmla="*/ 205926 h 4955207"/>
+              <a:gd name="connsiteX17" fmla="*/ 12192001 w 12192001"/>
+              <a:gd name="connsiteY17" fmla="*/ 37974 h 4955207"/>
+              <a:gd name="connsiteX18" fmla="*/ 12192001 w 12192001"/>
+              <a:gd name="connsiteY18" fmla="*/ 4955207 h 4955207"/>
+              <a:gd name="connsiteX19" fmla="*/ 0 w 12192001"/>
+              <a:gd name="connsiteY19" fmla="*/ 4955207 h 4955207"/>
+              <a:gd name="connsiteX20" fmla="*/ 0 w 12192001"/>
+              <a:gd name="connsiteY20" fmla="*/ 37974 h 4955207"/>
+              <a:gd name="connsiteX0" fmla="*/ 0 w 12192001"/>
+              <a:gd name="connsiteY0" fmla="*/ 18660 h 4935893"/>
+              <a:gd name="connsiteX1" fmla="*/ 522515 w 12192001"/>
+              <a:gd name="connsiteY1" fmla="*/ 177281 h 4935893"/>
+              <a:gd name="connsiteX2" fmla="*/ 830425 w 12192001"/>
+              <a:gd name="connsiteY2" fmla="*/ 102636 h 4935893"/>
+              <a:gd name="connsiteX3" fmla="*/ 1129005 w 12192001"/>
+              <a:gd name="connsiteY3" fmla="*/ 83974 h 4935893"/>
+              <a:gd name="connsiteX4" fmla="*/ 1483568 w 12192001"/>
+              <a:gd name="connsiteY4" fmla="*/ 9331 h 4935893"/>
+              <a:gd name="connsiteX5" fmla="*/ 1950099 w 12192001"/>
+              <a:gd name="connsiteY5" fmla="*/ 65314 h 4935893"/>
+              <a:gd name="connsiteX6" fmla="*/ 2369977 w 12192001"/>
+              <a:gd name="connsiteY6" fmla="*/ 0 h 4935893"/>
+              <a:gd name="connsiteX7" fmla="*/ 3275046 w 12192001"/>
+              <a:gd name="connsiteY7" fmla="*/ 55984 h 4935893"/>
+              <a:gd name="connsiteX8" fmla="*/ 3778899 w 12192001"/>
+              <a:gd name="connsiteY8" fmla="*/ 177282 h 4935893"/>
+              <a:gd name="connsiteX9" fmla="*/ 4161454 w 12192001"/>
+              <a:gd name="connsiteY9" fmla="*/ 111967 h 4935893"/>
+              <a:gd name="connsiteX10" fmla="*/ 5159830 w 12192001"/>
+              <a:gd name="connsiteY10" fmla="*/ 167951 h 4935893"/>
+              <a:gd name="connsiteX11" fmla="*/ 6559421 w 12192001"/>
+              <a:gd name="connsiteY11" fmla="*/ 93306 h 4935893"/>
+              <a:gd name="connsiteX12" fmla="*/ 7595119 w 12192001"/>
+              <a:gd name="connsiteY12" fmla="*/ 205274 h 4935893"/>
+              <a:gd name="connsiteX13" fmla="*/ 8836091 w 12192001"/>
+              <a:gd name="connsiteY13" fmla="*/ 270588 h 4935893"/>
+              <a:gd name="connsiteX14" fmla="*/ 9479903 w 12192001"/>
+              <a:gd name="connsiteY14" fmla="*/ 74645 h 4935893"/>
+              <a:gd name="connsiteX15" fmla="*/ 10273005 w 12192001"/>
+              <a:gd name="connsiteY15" fmla="*/ 149290 h 4935893"/>
+              <a:gd name="connsiteX16" fmla="*/ 11392679 w 12192001"/>
+              <a:gd name="connsiteY16" fmla="*/ 186612 h 4935893"/>
+              <a:gd name="connsiteX17" fmla="*/ 12192001 w 12192001"/>
+              <a:gd name="connsiteY17" fmla="*/ 18660 h 4935893"/>
+              <a:gd name="connsiteX18" fmla="*/ 12192001 w 12192001"/>
+              <a:gd name="connsiteY18" fmla="*/ 4935893 h 4935893"/>
+              <a:gd name="connsiteX19" fmla="*/ 0 w 12192001"/>
+              <a:gd name="connsiteY19" fmla="*/ 4935893 h 4935893"/>
+              <a:gd name="connsiteX20" fmla="*/ 0 w 12192001"/>
+              <a:gd name="connsiteY20" fmla="*/ 18660 h 4935893"/>
+            </a:gdLst>
+            <a:ahLst/>
+            <a:cxnLst>
+              <a:cxn ang="0">
+                <a:pos x="connsiteX0" y="connsiteY0"/>
+              </a:cxn>
+              <a:cxn ang="0">
+                <a:pos x="connsiteX1" y="connsiteY1"/>
+              </a:cxn>
+              <a:cxn ang="0">
+                <a:pos x="connsiteX2" y="connsiteY2"/>
+              </a:cxn>
+              <a:cxn ang="0">
+                <a:pos x="connsiteX3" y="connsiteY3"/>
+              </a:cxn>
+              <a:cxn ang="0">
+                <a:pos x="connsiteX4" y="connsiteY4"/>
+              </a:cxn>
+              <a:cxn ang="0">
+                <a:pos x="connsiteX5" y="connsiteY5"/>
+              </a:cxn>
+              <a:cxn ang="0">
+                <a:pos x="connsiteX6" y="connsiteY6"/>
+              </a:cxn>
+              <a:cxn ang="0">
+                <a:pos x="connsiteX7" y="connsiteY7"/>
+              </a:cxn>
+              <a:cxn ang="0">
+                <a:pos x="connsiteX8" y="connsiteY8"/>
+              </a:cxn>
+              <a:cxn ang="0">
+                <a:pos x="connsiteX9" y="connsiteY9"/>
+              </a:cxn>
+              <a:cxn ang="0">
+                <a:pos x="connsiteX10" y="connsiteY10"/>
+              </a:cxn>
+              <a:cxn ang="0">
+                <a:pos x="connsiteX11" y="connsiteY11"/>
+              </a:cxn>
+              <a:cxn ang="0">
+                <a:pos x="connsiteX12" y="connsiteY12"/>
+              </a:cxn>
+              <a:cxn ang="0">
+                <a:pos x="connsiteX13" y="connsiteY13"/>
+              </a:cxn>
+              <a:cxn ang="0">
+                <a:pos x="connsiteX14" y="connsiteY14"/>
+              </a:cxn>
+              <a:cxn ang="0">
+                <a:pos x="connsiteX15" y="connsiteY15"/>
+              </a:cxn>
+              <a:cxn ang="0">
+                <a:pos x="connsiteX16" y="connsiteY16"/>
+              </a:cxn>
+              <a:cxn ang="0">
+                <a:pos x="connsiteX17" y="connsiteY17"/>
+              </a:cxn>
+              <a:cxn ang="0">
+                <a:pos x="connsiteX18" y="connsiteY18"/>
+              </a:cxn>
+              <a:cxn ang="0">
+                <a:pos x="connsiteX19" y="connsiteY19"/>
+              </a:cxn>
+              <a:cxn ang="0">
+                <a:pos x="connsiteX20" y="connsiteY20"/>
+              </a:cxn>
+            </a:cxnLst>
+            <a:rect l="l" t="t" r="r" b="b"/>
+            <a:pathLst>
+              <a:path w="12192001" h="4935893">
+                <a:moveTo>
+                  <a:pt x="0" y="18660"/>
+                </a:moveTo>
+                <a:cubicBezTo>
+                  <a:pt x="202164" y="15550"/>
+                  <a:pt x="320351" y="180391"/>
+                  <a:pt x="522515" y="177281"/>
+                </a:cubicBezTo>
+                <a:cubicBezTo>
+                  <a:pt x="625152" y="167950"/>
+                  <a:pt x="727788" y="111967"/>
+                  <a:pt x="830425" y="102636"/>
+                </a:cubicBezTo>
+                <a:cubicBezTo>
+                  <a:pt x="911290" y="99526"/>
+                  <a:pt x="1048140" y="87084"/>
+                  <a:pt x="1129005" y="83974"/>
+                </a:cubicBezTo>
+                <a:cubicBezTo>
+                  <a:pt x="1219201" y="77754"/>
+                  <a:pt x="1393372" y="15551"/>
+                  <a:pt x="1483568" y="9331"/>
+                </a:cubicBezTo>
+                <a:cubicBezTo>
+                  <a:pt x="1611086" y="9331"/>
+                  <a:pt x="1822581" y="65314"/>
+                  <a:pt x="1950099" y="65314"/>
+                </a:cubicBezTo>
+                <a:cubicBezTo>
+                  <a:pt x="2068287" y="59094"/>
+                  <a:pt x="2251789" y="6220"/>
+                  <a:pt x="2369977" y="0"/>
+                </a:cubicBezTo>
+                <a:cubicBezTo>
+                  <a:pt x="2550369" y="3110"/>
+                  <a:pt x="3094654" y="52874"/>
+                  <a:pt x="3275046" y="55984"/>
+                </a:cubicBezTo>
+                <a:cubicBezTo>
+                  <a:pt x="3393234" y="52874"/>
+                  <a:pt x="3660711" y="180392"/>
+                  <a:pt x="3778899" y="177282"/>
+                </a:cubicBezTo>
+                <a:cubicBezTo>
+                  <a:pt x="3906417" y="177282"/>
+                  <a:pt x="4033936" y="111967"/>
+                  <a:pt x="4161454" y="111967"/>
+                </a:cubicBezTo>
+                <a:cubicBezTo>
+                  <a:pt x="4441372" y="111967"/>
+                  <a:pt x="4879912" y="167951"/>
+                  <a:pt x="5159830" y="167951"/>
+                </a:cubicBezTo>
+                <a:cubicBezTo>
+                  <a:pt x="5623250" y="158620"/>
+                  <a:pt x="6096001" y="102637"/>
+                  <a:pt x="6559421" y="93306"/>
+                </a:cubicBezTo>
+                <a:cubicBezTo>
+                  <a:pt x="6870442" y="93306"/>
+                  <a:pt x="7284098" y="205274"/>
+                  <a:pt x="7595119" y="205274"/>
+                </a:cubicBezTo>
+                <a:cubicBezTo>
+                  <a:pt x="7965233" y="192833"/>
+                  <a:pt x="8465977" y="283029"/>
+                  <a:pt x="8836091" y="270588"/>
+                </a:cubicBezTo>
+                <a:cubicBezTo>
+                  <a:pt x="9016483" y="255037"/>
+                  <a:pt x="9299511" y="90196"/>
+                  <a:pt x="9479903" y="74645"/>
+                </a:cubicBezTo>
+                <a:cubicBezTo>
+                  <a:pt x="9703838" y="68425"/>
+                  <a:pt x="10049070" y="155510"/>
+                  <a:pt x="10273005" y="149290"/>
+                </a:cubicBezTo>
+                <a:cubicBezTo>
+                  <a:pt x="10599576" y="130629"/>
+                  <a:pt x="11066108" y="205273"/>
+                  <a:pt x="11392679" y="186612"/>
+                </a:cubicBezTo>
+                <a:lnTo>
+                  <a:pt x="12192001" y="18660"/>
+                </a:lnTo>
+                <a:lnTo>
+                  <a:pt x="12192001" y="4935893"/>
+                </a:lnTo>
+                <a:lnTo>
+                  <a:pt x="0" y="4935893"/>
+                </a:lnTo>
+                <a:lnTo>
+                  <a:pt x="0" y="18660"/>
+                </a:lnTo>
+                <a:close/>
+              </a:path>
+            </a:pathLst>
+          </a:custGeom>
+          <a:solidFill>
+            <a:schemeClr val="accent1">
+              <a:lumMod val="75000"/>
+              <a:alpha val="30196"/>
+            </a:schemeClr>
+          </a:solidFill>
+          <a:ln>
+            <a:noFill/>
+          </a:ln>
+        </p:spPr>
+        <p:style>
+          <a:lnRef idx="2">
+            <a:schemeClr val="accent1">
+              <a:shade val="50000"/>
+            </a:schemeClr>
+          </a:lnRef>
+          <a:fillRef idx="1">
+            <a:schemeClr val="accent1"/>
+          </a:fillRef>
+          <a:effectRef idx="0">
+            <a:schemeClr val="accent1"/>
+          </a:effectRef>
+          <a:fontRef idx="minor">
+            <a:schemeClr val="lt1"/>
+          </a:fontRef>
+        </p:style>
+        <p:txBody>
+          <a:bodyPr rtlCol="0" anchor="ctr"/>
+          <a:lstStyle/>
+          <a:p>
+            <a:pPr algn="ctr"/>
+            <a:endParaRPr lang="fr-CH"/>
+          </a:p>
+        </p:txBody>
+      </p:sp>
     </p:spTree>
     <p:extLst>
       <p:ext uri="{BB962C8B-B14F-4D97-AF65-F5344CB8AC3E}">
@@ -7331,6 +10966,18 @@
   <p:clrMapOvr>
     <a:masterClrMapping/>
   </p:clrMapOvr>
+  <mc:AlternateContent xmlns:mc="http://schemas.openxmlformats.org/markup-compatibility/2006">
+    <mc:Choice xmlns:p14="http://schemas.microsoft.com/office/powerpoint/2010/main" Requires="p14">
+      <p:transition>
+        <p14:reveal/>
+      </p:transition>
+    </mc:Choice>
+    <mc:Fallback>
+      <p:transition>
+        <p:fade/>
+      </p:transition>
+    </mc:Fallback>
+  </mc:AlternateContent>
   <p:timing>
     <p:tnLst>
       <p:par>
@@ -7357,7 +11004,7 @@
                                     <p:cond delay="0"/>
                                   </p:stCondLst>
                                   <p:childTnLst>
-                                    <p:animMotion origin="layout" path="M -4.79167E-6 7.40741E-7 C 0.00026 0.03727 0.00052 0.15602 0.00078 0.23403 C 0.00104 0.27754 0.00078 0.32129 0.00157 0.36481 C 0.00157 0.36759 0.00248 0.37014 0.003 0.37268 L 0.00378 0.37662 L 0.00443 0.38055 L 0.00521 0.38449 C 0.00547 0.38703 0.00547 0.38981 0.00599 0.39236 C 0.00625 0.39375 0.00703 0.39491 0.00742 0.39629 C 0.00782 0.39745 0.00782 0.39884 0.00821 0.40023 C 0.0086 0.40162 0.00925 0.40254 0.00964 0.40393 C 0.0099 0.40532 0.0099 0.40671 0.01029 0.40787 C 0.0112 0.41041 0.01276 0.41134 0.01407 0.41319 C 0.01485 0.41435 0.0155 0.41574 0.01628 0.41713 C 0.01654 0.41852 0.01667 0.41991 0.01693 0.42106 C 0.01823 0.42569 0.01823 0.42407 0.01992 0.42754 C 0.02097 0.42963 0.02175 0.43194 0.02279 0.43403 C 0.02513 0.43866 0.02604 0.43981 0.02878 0.44328 C 0.02943 0.44421 0.03021 0.44491 0.03099 0.44583 C 0.03151 0.44676 0.03177 0.44791 0.03242 0.44861 C 0.03451 0.45023 0.03698 0.45069 0.03907 0.45254 C 0.03998 0.45324 0.04089 0.4544 0.04193 0.45509 C 0.04297 0.45578 0.04388 0.45602 0.04492 0.45625 C 0.04909 0.45787 0.05742 0.46018 0.05742 0.46018 C 0.06628 0.46805 0.05742 0.46111 0.06628 0.46551 C 0.06745 0.4662 0.06862 0.46736 0.06992 0.46805 C 0.07136 0.46898 0.07279 0.47014 0.07435 0.47083 C 0.07578 0.47129 0.07722 0.47153 0.07878 0.47199 C 0.08099 0.47291 0.08177 0.47338 0.08386 0.47477 C 0.09102 0.47338 0.09818 0.47268 0.10521 0.47083 C 0.10612 0.4706 0.10664 0.46875 0.10742 0.46805 C 0.11367 0.4625 0.1086 0.46852 0.11407 0.46296 C 0.11485 0.46203 0.11537 0.46088 0.11628 0.46018 C 0.11862 0.45833 0.12136 0.45764 0.12357 0.45509 C 0.12435 0.45416 0.12513 0.45347 0.12578 0.45254 C 0.12657 0.45116 0.12709 0.4493 0.128 0.44861 C 0.1293 0.44722 0.13099 0.44676 0.13242 0.44583 C 0.13386 0.44514 0.13529 0.44398 0.13685 0.44328 L 0.14193 0.44074 C 0.14297 0.44028 0.14388 0.43958 0.14492 0.43935 C 0.15951 0.43565 0.14597 0.44004 0.15742 0.4368 C 0.1586 0.43634 0.1599 0.43588 0.16107 0.43541 L 0.16992 0.43287 C 0.1711 0.43194 0.17227 0.43055 0.17357 0.43009 C 0.1767 0.42916 0.1931 0.42778 0.19414 0.42754 L 0.27578 0.42893 C 0.27891 0.42893 0.28282 0.43148 0.28607 0.43287 C 0.29024 0.43449 0.29401 0.43495 0.29779 0.43796 C 0.2987 0.43866 0.29922 0.44028 0.3 0.44074 C 0.30222 0.4419 0.30443 0.44236 0.30664 0.44328 C 0.31849 0.44861 0.31068 0.44606 0.31992 0.44861 C 0.33099 0.45509 0.31719 0.44699 0.32943 0.4537 C 0.33099 0.45463 0.33229 0.45602 0.33386 0.45625 L 0.33972 0.45764 C 0.34193 0.4581 0.34414 0.45833 0.34636 0.45903 C 0.34766 0.45926 0.34883 0.45995 0.35 0.46018 L 0.37071 0.46551 C 0.37591 0.46852 0.36992 0.46528 0.38021 0.46805 C 0.38269 0.46875 0.38516 0.46991 0.3875 0.47083 C 0.40886 0.46991 0.43021 0.47014 0.45157 0.46805 C 0.45274 0.46805 0.45352 0.46551 0.45443 0.46412 C 0.46068 0.45509 0.45729 0.45764 0.46185 0.45509 C 0.4625 0.4537 0.46315 0.45208 0.46407 0.45116 C 0.46823 0.44699 0.47266 0.44629 0.47722 0.44467 C 0.48399 0.43866 0.47578 0.44537 0.48828 0.43935 C 0.49831 0.43472 0.48529 0.43889 0.49349 0.43403 C 0.49479 0.43333 0.49636 0.43333 0.49779 0.43287 C 0.50026 0.43194 0.50274 0.43102 0.50521 0.43009 C 0.50742 0.4294 0.50964 0.42824 0.51185 0.42754 C 0.51394 0.42685 0.52253 0.42546 0.52435 0.425 C 0.52604 0.42453 0.52774 0.42384 0.52943 0.42361 C 0.5375 0.42291 0.54571 0.42268 0.55378 0.42245 C 0.55795 0.41991 0.55391 0.42222 0.55964 0.41967 C 0.56159 0.41898 0.56354 0.41805 0.5655 0.41713 C 0.5819 0.41759 0.59831 0.4169 0.61472 0.41852 C 0.61758 0.41875 0.62019 0.42129 0.62279 0.42245 C 0.62735 0.4243 0.62826 0.42338 0.63321 0.425 C 0.63516 0.42569 0.63711 0.42685 0.63907 0.42754 C 0.64258 0.42893 0.64649 0.4294 0.65 0.43009 C 0.66055 0.43634 0.64961 0.43009 0.65742 0.43403 C 0.65821 0.43449 0.65886 0.43518 0.65964 0.43541 C 0.66081 0.43588 0.66211 0.43611 0.66328 0.4368 C 0.66459 0.4375 0.66576 0.43866 0.66693 0.43935 C 0.67487 0.44352 0.67461 0.44305 0.68164 0.44467 C 0.68698 0.44884 0.68815 0.45023 0.69349 0.45254 C 0.6961 0.45347 0.69883 0.4537 0.70157 0.45509 C 0.7043 0.45648 0.7069 0.45879 0.70964 0.46018 C 0.71354 0.46227 0.71745 0.46342 0.72136 0.46551 C 0.72604 0.46782 0.7306 0.47106 0.73542 0.47338 C 0.73776 0.47453 0.74024 0.47523 0.74271 0.47592 C 0.74662 0.47708 0.75443 0.4787 0.75443 0.4787 C 0.76081 0.47824 0.76719 0.47801 0.77357 0.47731 C 0.77644 0.47685 0.78242 0.47106 0.78386 0.47083 L 0.79349 0.46805 C 0.79779 0.46551 0.79427 0.46736 0.80157 0.46551 C 0.803 0.46504 0.80443 0.46458 0.80599 0.46412 C 0.81159 0.45741 0.80873 0.45995 0.81472 0.45625 C 0.8155 0.45555 0.81641 0.45486 0.81693 0.4537 C 0.81784 0.45231 0.81849 0.45023 0.81914 0.44861 C 0.81966 0.44722 0.81992 0.4456 0.82071 0.44467 C 0.82175 0.44282 0.82318 0.44213 0.82435 0.44074 C 0.82513 0.43958 0.82578 0.43796 0.82657 0.4368 C 0.83099 0.41273 0.825 0.44236 0.83021 0.42361 C 0.83138 0.41944 0.83321 0.41065 0.83321 0.41065 C 0.8362 0.38287 0.83607 0.39004 0.83386 0.34398 C 0.83334 0.33333 0.83295 0.33426 0.82943 0.33217 C 0.82917 0.33078 0.82904 0.3294 0.82878 0.32824 C 0.82826 0.32662 0.82539 0.31967 0.825 0.31898 C 0.82344 0.3162 0.8211 0.31551 0.81914 0.31389 C 0.81719 0.31227 0.81537 0.31018 0.81328 0.30856 C 0.80782 0.30463 0.80729 0.30486 0.80222 0.30347 C 0.79128 0.30416 0.78021 0.30393 0.76914 0.30602 C 0.76615 0.30648 0.76341 0.31018 0.76042 0.31111 C 0.74922 0.31504 0.76433 0.30949 0.753 0.31504 C 0.74115 0.32106 0.75157 0.31389 0.7375 0.32176 C 0.73581 0.32268 0.73425 0.32453 0.73242 0.32569 C 0.73125 0.32639 0.72995 0.32639 0.72878 0.32685 C 0.72552 0.32824 0.7224 0.3294 0.71914 0.33078 C 0.71771 0.33148 0.71628 0.33264 0.71472 0.33333 C 0.71276 0.33449 0.71081 0.33518 0.70886 0.33611 L 0.65664 0.33333 C 0.64375 0.33264 0.64636 0.3331 0.6375 0.33078 C 0.62995 0.32546 0.63776 0.33032 0.625 0.32685 C 0.59714 0.31944 0.62722 0.32523 0.60664 0.32176 C 0.60196 0.31991 0.5974 0.31782 0.59271 0.31643 C 0.58998 0.31574 0.58724 0.31597 0.58464 0.31504 C 0.58269 0.31458 0.58073 0.31319 0.57878 0.3125 C 0.57657 0.3118 0.57435 0.3118 0.57214 0.31111 C 0.57045 0.31088 0.56862 0.31041 0.56693 0.30995 C 0.56133 0.30833 0.54818 0.3037 0.54414 0.30208 C 0.53894 0.3 0.53672 0.2993 0.53164 0.29676 C 0.52995 0.29606 0.52826 0.29491 0.52657 0.29421 C 0.52526 0.29375 0.52409 0.29352 0.52279 0.29282 C 0.51485 0.28889 0.52188 0.2912 0.51472 0.28889 C 0.51289 0.28842 0.5069 0.28657 0.50521 0.28634 C 0.50157 0.28588 0.49779 0.28565 0.49414 0.28495 C 0.4905 0.28449 0.48685 0.28333 0.48321 0.28241 C 0.4819 0.28217 0.48073 0.28125 0.47943 0.28102 C 0.45964 0.28032 0.43972 0.28032 0.41992 0.27986 C 0.40495 0.28032 0.38998 0.2794 0.375 0.28102 C 0.37383 0.28125 0.36849 0.29143 0.36849 0.29166 C 0.36732 0.29282 0.36602 0.29236 0.36472 0.29282 C 0.35729 0.30278 0.3655 0.29282 0.34779 0.30347 C 0.34636 0.30416 0.34492 0.30509 0.34349 0.30602 C 0.34245 0.30648 0.34141 0.30671 0.3405 0.30717 C 0.33776 0.30879 0.33516 0.31111 0.33242 0.3125 C 0.32761 0.31504 0.3194 0.31643 0.31472 0.31782 C 0.31224 0.31852 0.3099 0.31921 0.30742 0.32037 C 0.30586 0.32106 0.30456 0.32245 0.303 0.32291 C 0.30039 0.32384 0.29766 0.32384 0.29492 0.3243 L 0.24714 0.32291 C 0.24349 0.32291 0.23972 0.32245 0.23607 0.32176 C 0.23529 0.32153 0.23464 0.3206 0.23386 0.32037 C 0.23242 0.31967 0.23086 0.31967 0.22943 0.31898 C 0.22865 0.31875 0.228 0.31805 0.22722 0.31782 C 0.22422 0.3162 0.22344 0.3162 0.21992 0.31504 C 0.21446 0.31041 0.2194 0.31435 0.21407 0.31111 C 0.21029 0.30903 0.20677 0.30625 0.203 0.30463 C 0.20196 0.30416 0.20104 0.30393 0.2 0.30347 C 0.19909 0.30278 0.19818 0.30162 0.19714 0.30069 C 0.19597 0.29977 0.19466 0.29884 0.19349 0.29815 C 0.19193 0.29722 0.18907 0.2956 0.18907 0.2956 C 0.1836 0.28912 0.19037 0.29699 0.18386 0.29028 C 0.18308 0.28958 0.18242 0.28819 0.18164 0.28773 C 0.18021 0.28657 0.17865 0.28611 0.17722 0.28495 C 0.16511 0.27639 0.17448 0.28217 0.16849 0.27847 C 0.16563 0.27338 0.16836 0.27731 0.1625 0.27453 C 0.15938 0.27315 0.15612 0.27129 0.153 0.26944 C 0.15052 0.26782 0.14818 0.26551 0.14571 0.26412 C 0.14323 0.26296 0.14076 0.26273 0.13828 0.26157 C 0.12552 0.25555 0.13789 0.25879 0.125 0.25625 C 0.12162 0.25486 0.11888 0.25347 0.1155 0.25231 C 0.1138 0.25185 0.11211 0.25139 0.11029 0.25116 C 0.10326 0.25139 0.0961 0.25162 0.08907 0.25231 C 0.07839 0.25347 0.08907 0.25324 0.07943 0.25625 C 0.07683 0.25717 0.07409 0.25717 0.07136 0.25764 C 0.06446 0.25717 0.05755 0.25764 0.05078 0.25625 C 0.04727 0.25555 0.0405 0.25116 0.0405 0.25116 C 0.03933 0.2493 0.03802 0.24745 0.03685 0.24583 C 0.03607 0.24491 0.03529 0.24421 0.03464 0.24328 C 0.0336 0.24166 0.03164 0.23796 0.03164 0.23796 C 0.03138 0.23657 0.03138 0.23518 0.03099 0.23403 C 0.0306 0.2331 0.02995 0.23241 0.02943 0.23148 C 0.02865 0.22986 0.028 0.22801 0.02722 0.22616 C 0.025 0.22037 0.02644 0.22384 0.02435 0.21713 C 0.01966 0.20231 0.02422 0.21782 0.02071 0.20532 C 0.02045 0.20301 0.02019 0.20092 0.01992 0.19884 C 0.01966 0.19606 0.01966 0.19352 0.01914 0.19097 C 0.01888 0.18912 0.0181 0.1875 0.01771 0.18565 C 0.01667 0.18125 0.01472 0.17268 0.01472 0.17268 C 0.01407 0.16111 0.01446 0.1618 0.01328 0.15301 C 0.01302 0.15116 0.01289 0.14953 0.0125 0.14768 C 0.01211 0.14583 0.01159 0.14421 0.01107 0.14259 C 0.01003 0.13333 0.00938 0.12893 0.00886 0.12037 C 0.00782 0.10301 0.00951 0.11065 0.00664 0.10069 C 0.00443 0.06528 0.00716 0.10694 0.00521 0.08102 C 0.00313 0.0537 0.00469 0.06828 0.003 0.0537 C 0.00274 0.04722 0.00222 0.03356 0.00157 0.02616 C 0.00144 0.02477 0.00104 0.02361 0.00078 0.02222 C 0.00026 0.01828 -0.00039 0.01435 -0.00065 0.01041 C -0.00091 0.00787 -0.00013 -0.03727 -4.79167E-6 7.40741E-7 Z " pathEditMode="relative" ptsTypes="AAAAAAAAAAAAAAAAAAAAAAAAAAAAAAAAAAAAAAAAAAAAAAAAAAAAAAAAAAAAAAAAAAAAAAAAAAAAAAAAAAAAAAAAAAAAAAAAAAAAAAAAAAAAAAAAAAAAAAAAAAAAAAAAAAAAAAAAAAAAAAAAAAAAAAAAAAAAAAAAAAAAAAAAAAAAAAAAAAAAAAAAAAAAAAAAAAAAAAAAA">
+                                    <p:animMotion origin="layout" path="M 2.08333E-6 -0.0007 C -0.00847 0.03171 -0.03594 0.14861 -0.05391 0.22338 C -0.05404 0.22592 -0.0556 0.25278 -0.0556 0.25486 C -0.0556 0.29653 -0.06094 0.32546 -0.05209 0.35856 C -0.05169 0.35995 -0.05091 0.36134 -0.05039 0.36296 C -0.05 0.36504 -0.04974 0.3669 -0.04948 0.36898 C -0.04909 0.37199 -0.0487 0.37778 -0.04766 0.38102 C -0.04597 0.38704 -0.04636 0.38379 -0.04414 0.38842 C -0.03828 0.40092 -0.04883 0.38194 -0.03802 0.40069 L -0.03542 0.40509 C -0.03477 0.40602 -0.03412 0.40694 -0.0336 0.4081 C -0.03294 0.40949 -0.03268 0.41157 -0.03177 0.4125 C -0.03112 0.41342 -0.02995 0.41319 -0.02917 0.41412 C -0.02826 0.41481 -0.02748 0.41643 -0.02656 0.41713 C -0.02513 0.41829 -0.02357 0.41875 -0.02214 0.42014 C -0.01524 0.42592 -0.02344 0.42083 -0.0168 0.42454 C -0.01589 0.42569 -0.01511 0.42685 -0.01419 0.42778 C -0.0125 0.4287 -0.01042 0.4287 -0.00886 0.43055 C -0.00794 0.43171 -0.00729 0.4331 -0.00625 0.43356 C -0.00456 0.43449 -0.00274 0.43472 -0.00091 0.43518 C 0.00429 0.43588 0.00963 0.43611 0.01497 0.43657 C 0.01797 0.43773 0.01992 0.43819 0.02291 0.43958 C 0.02383 0.44004 0.02461 0.44074 0.02552 0.4412 C 0.0276 0.4419 0.02969 0.44213 0.03177 0.44259 C 0.03971 0.44213 0.04765 0.44213 0.0556 0.4412 C 0.05677 0.44097 0.05794 0.44004 0.05911 0.43958 C 0.06107 0.43842 0.06354 0.43727 0.06523 0.43518 C 0.06588 0.43426 0.06627 0.43287 0.06706 0.43217 C 0.0681 0.43125 0.0694 0.43102 0.07057 0.43055 C 0.07565 0.42199 0.07226 0.42685 0.07851 0.42014 C 0.07943 0.41898 0.08021 0.41759 0.08112 0.41713 C 0.08281 0.41574 0.08463 0.41504 0.08646 0.41412 C 0.08737 0.41342 0.08815 0.41273 0.08906 0.4125 C 0.10234 0.40879 0.09609 0.41018 0.10755 0.4081 C 0.10872 0.40741 0.10989 0.40694 0.1112 0.40671 C 0.12304 0.4037 0.11627 0.40694 0.12265 0.40347 C 0.13346 0.40393 0.1444 0.40417 0.15521 0.40509 C 0.15664 0.40509 0.1582 0.40625 0.15963 0.40671 C 0.16315 0.40764 0.16679 0.4081 0.17031 0.40949 C 0.17148 0.41018 0.17265 0.41065 0.17383 0.41111 C 0.17526 0.4118 0.17669 0.41204 0.17825 0.4125 C 0.17916 0.41296 0.17995 0.41366 0.18086 0.41412 C 0.1832 0.41481 0.18554 0.41504 0.18789 0.41551 C 0.1888 0.4162 0.18971 0.41667 0.19049 0.41713 C 0.19206 0.41759 0.19349 0.41759 0.19492 0.41852 C 0.19622 0.41921 0.19726 0.42083 0.19844 0.42176 C 0.19987 0.42245 0.20143 0.42245 0.20286 0.42292 C 0.20377 0.42338 0.20469 0.42407 0.2056 0.42454 C 0.20846 0.42592 0.21041 0.42662 0.21354 0.42778 C 0.21497 0.42847 0.2164 0.42986 0.21797 0.43055 C 0.2194 0.43125 0.22083 0.43148 0.22226 0.43217 C 0.22357 0.43264 0.22461 0.4331 0.22591 0.43356 C 0.22877 0.43472 0.23034 0.43472 0.23294 0.43657 C 0.24219 0.44352 0.22916 0.43495 0.24179 0.4456 L 0.24531 0.44884 C 0.25521 0.44815 0.26523 0.44815 0.27526 0.44722 C 0.27864 0.44676 0.27995 0.44583 0.28229 0.44259 C 0.28294 0.44167 0.28333 0.44028 0.28411 0.43958 C 0.28554 0.43819 0.28906 0.43611 0.29114 0.43518 C 0.29349 0.43264 0.29518 0.43079 0.29739 0.42778 C 0.29791 0.42685 0.29831 0.42523 0.29909 0.42454 C 0.29987 0.42361 0.30091 0.42361 0.30169 0.42292 C 0.30338 0.42037 0.30482 0.41736 0.30703 0.41551 C 0.30807 0.41458 0.30937 0.41458 0.31041 0.41412 C 0.31198 0.4125 0.31354 0.41134 0.31497 0.40949 C 0.32044 0.40324 0.3164 0.40648 0.322 0.40185 C 0.32474 0.4 0.32734 0.39792 0.32995 0.39606 C 0.33138 0.39491 0.33294 0.39398 0.33437 0.39305 C 0.33528 0.39236 0.3362 0.39213 0.33711 0.39143 C 0.34609 0.38287 0.33906 0.38727 0.34505 0.38403 C 0.34883 0.37754 0.34687 0.37963 0.35651 0.37963 C 0.38372 0.37963 0.4112 0.38055 0.43854 0.38102 C 0.44023 0.38148 0.44206 0.38217 0.44388 0.38241 C 0.44674 0.3831 0.44974 0.38356 0.4526 0.38403 C 0.45495 0.38449 0.45729 0.38518 0.45976 0.38565 C 0.46146 0.38611 0.46406 0.38727 0.46588 0.38842 C 0.47057 0.3919 0.46797 0.3912 0.472 0.39305 C 0.47318 0.39352 0.47448 0.39398 0.47565 0.39467 C 0.47643 0.39491 0.47734 0.3956 0.47825 0.39606 C 0.48594 0.39977 0.47812 0.3956 0.48437 0.39907 C 0.48984 0.40509 0.48411 0.3993 0.49062 0.40347 C 0.49179 0.4044 0.49297 0.40579 0.49414 0.40671 C 0.49557 0.40764 0.497 0.40856 0.49857 0.40949 C 0.5026 0.41204 0.50039 0.41042 0.5056 0.4125 C 0.50651 0.41296 0.50729 0.41389 0.5082 0.41412 C 0.5138 0.41504 0.5194 0.41481 0.525 0.41551 C 0.58711 0.42292 0.53633 0.41782 0.57448 0.42176 C 0.57799 0.42106 0.58151 0.42083 0.58502 0.42014 C 0.58594 0.41991 0.58698 0.41944 0.58763 0.41852 C 0.58958 0.41597 0.59088 0.41204 0.59297 0.40949 C 0.59479 0.40741 0.597 0.40648 0.59831 0.40347 C 0.59909 0.40162 0.60013 0.39977 0.60091 0.39745 C 0.60312 0.39167 0.60195 0.3919 0.60443 0.38704 C 0.60703 0.38171 0.60911 0.38102 0.61068 0.37361 C 0.61094 0.37199 0.61107 0.37037 0.61146 0.36898 C 0.61719 0.35139 0.61341 0.36852 0.61679 0.35092 C 0.61875 0.31829 0.61823 0.33379 0.61679 0.27731 C 0.61666 0.27268 0.6164 0.26829 0.61588 0.26389 C 0.61549 0.26065 0.61471 0.25787 0.61419 0.25486 C 0.6138 0.25324 0.61354 0.25185 0.61328 0.25023 C 0.61211 0.24282 0.61276 0.24629 0.61146 0.23958 C 0.61185 0.23773 0.61185 0.23565 0.61237 0.23379 C 0.61276 0.23264 0.61367 0.23194 0.61419 0.23079 C 0.61458 0.2294 0.61471 0.22778 0.61497 0.22616 C 0.61354 0.22384 0.6125 0.22176 0.61068 0.22014 C 0.60729 0.21782 0.59778 0.21759 0.59648 0.21736 C 0.58737 0.21782 0.57812 0.21667 0.56914 0.21875 C 0.56706 0.21921 0.56575 0.22315 0.5638 0.22477 C 0.5595 0.22847 0.56159 0.22708 0.55768 0.22917 C 0.55677 0.23079 0.55599 0.23241 0.55508 0.23379 C 0.55416 0.23495 0.55312 0.23542 0.55234 0.2368 C 0.55156 0.23819 0.5513 0.23981 0.55065 0.2412 C 0.55013 0.24236 0.54935 0.24329 0.54883 0.24444 C 0.54791 0.24606 0.54713 0.24838 0.54622 0.25023 C 0.54466 0.25833 0.54583 0.25347 0.54179 0.26389 C 0.54062 0.26667 0.53893 0.26944 0.53828 0.27292 C 0.53737 0.27708 0.53711 0.27917 0.53554 0.28333 C 0.53476 0.28565 0.53385 0.28727 0.53294 0.28935 C 0.53229 0.29097 0.53203 0.29259 0.53125 0.29375 C 0.53047 0.29491 0.52943 0.29491 0.52851 0.29537 C 0.5194 0.29491 0.51028 0.29491 0.50117 0.29375 C 0.50026 0.29375 0.49948 0.29282 0.49857 0.29236 C 0.49622 0.29143 0.49153 0.28935 0.49153 0.28958 C 0.49036 0.28773 0.48932 0.28611 0.48789 0.28495 C 0.48515 0.28241 0.4789 0.2794 0.47565 0.27592 C 0.46953 0.26944 0.47422 0.27106 0.46497 0.26551 C 0.46276 0.26389 0.46028 0.26366 0.45794 0.26227 C 0.45664 0.26157 0.4556 0.26018 0.45443 0.25949 C 0.44101 0.25069 0.45885 0.26366 0.44818 0.25625 C 0.44609 0.25509 0.44414 0.25324 0.44206 0.25185 C 0.43789 0.24907 0.4332 0.24699 0.42877 0.24583 C 0.42083 0.24375 0.40403 0.24329 0.39883 0.24282 C 0.39791 0.24236 0.39713 0.24167 0.39622 0.2412 C 0.38125 0.23495 0.36484 0.24167 0.35026 0.24282 C 0.33958 0.24629 0.35403 0.24167 0.33528 0.24583 C 0.33177 0.24653 0.32825 0.24792 0.32474 0.24884 C 0.32174 0.24954 0.31875 0.24954 0.31588 0.25023 C 0.31289 0.25092 0.31002 0.25301 0.30703 0.25324 C 0.3026 0.25393 0.29818 0.25417 0.29375 0.25486 C 0.2914 0.25532 0.28906 0.25579 0.28672 0.25625 L 0.27877 0.25787 C 0.27617 0.25879 0.27357 0.25995 0.27083 0.26065 C 0.26914 0.26134 0.26732 0.26157 0.26562 0.26227 C 0.26146 0.26412 0.25729 0.2662 0.25325 0.26829 C 0.2487 0.27361 0.25221 0.27014 0.24531 0.2743 C 0.24375 0.27523 0.24232 0.27639 0.24088 0.27731 C 0.23737 0.2794 0.23398 0.28287 0.23021 0.28333 L 0.20911 0.28657 L 0.08463 0.28495 C 0.0832 0.28495 0.07995 0.28241 0.07851 0.28171 C 0.06302 0.2743 0.09349 0.29004 0.06875 0.27731 C 0.06784 0.27685 0.06693 0.27639 0.06614 0.27592 C 0.05963 0.27106 0.06562 0.27407 0.05911 0.27129 C 0.05755 0.26991 0.05625 0.26805 0.05469 0.26667 C 0.05351 0.26597 0.05221 0.2662 0.05117 0.26551 C 0.04987 0.26435 0.04883 0.26204 0.04765 0.26065 C 0.04648 0.25972 0.04518 0.25879 0.04401 0.25787 C 0.04179 0.25254 0.03932 0.24629 0.03607 0.24282 C 0.03437 0.24074 0.03294 0.23958 0.03177 0.2368 C 0.02864 0.22986 0.02513 0.22361 0.02291 0.21574 C 0.022 0.21273 0.02096 0.20972 0.02018 0.20671 C 0.01927 0.20301 0.01849 0.19861 0.01758 0.19467 C 0.01732 0.19305 0.01719 0.19167 0.01666 0.19028 C 0.01627 0.18842 0.01549 0.18727 0.01497 0.18565 C 0.01432 0.18217 0.0138 0.1787 0.01315 0.17523 C 0.01263 0.17199 0.01198 0.16921 0.01146 0.1662 C 0.01107 0.16481 0.01081 0.16319 0.01054 0.16157 C 0.00989 0.15764 0.00937 0.1537 0.00872 0.14977 C 0.00846 0.14722 0.00833 0.14467 0.00794 0.14213 C 0.00742 0.13912 0.00651 0.13611 0.00612 0.1331 C 0.00586 0.13102 0.0056 0.12917 0.00521 0.12708 C 0.00495 0.12546 0.00456 0.1243 0.00429 0.12268 C 0.00364 0.11759 0.00299 0.11273 0.0026 0.10764 C 0.00221 0.10324 0.00208 0.09861 0.00169 0.09398 C 0.00117 0.08611 0.00039 0.07801 2.08333E-6 0.07014 C -0.00143 0.04838 0.00026 0.0581 -0.00182 0.04745 C -0.00209 0.04305 -0.00222 0.03842 -0.00274 0.03403 C -0.00287 0.03241 -0.00365 0.03102 -0.00365 0.02963 C -0.00365 0.01852 0.00833 -0.03287 2.08333E-6 -0.0007 Z " pathEditMode="relative" rAng="0" ptsTypes="AAAAAAAAAAAAAAAAAAAAAAAAAAAAAAAAAAAAAAAAAAAAAAAAAAAAAAAAAAAAAAAAAAAAAAAAAAAAAAAAAAAAAAAAAAAAAAAAAAAAAAAAAAAAAAAAAAAAAAAAAAAAAAAAAAAAAAAAAAAAAAAAAAAAAAAAAAAAAAAAAAAAAAAAAAAAAAAAAAA">
                                       <p:cBhvr>
                                         <p:cTn id="6" dur="5000" fill="hold"/>
                                         <p:tgtEl>
@@ -7368,7 +11015,78 @@
                                           <p:attrName>ppt_y</p:attrName>
                                         </p:attrNameLst>
                                       </p:cBhvr>
+                                      <p:rCtr x="28034" y="21944"/>
                                     </p:animMotion>
+                                  </p:childTnLst>
+                                </p:cTn>
+                              </p:par>
+                              <p:par>
+                                <p:cTn id="7" presetID="10" presetClass="entr" presetSubtype="0" fill="hold" nodeType="withEffect">
+                                  <p:stCondLst>
+                                    <p:cond delay="1250"/>
+                                  </p:stCondLst>
+                                  <p:childTnLst>
+                                    <p:set>
+                                      <p:cBhvr>
+                                        <p:cTn id="8" dur="1" fill="hold">
+                                          <p:stCondLst>
+                                            <p:cond delay="0"/>
+                                          </p:stCondLst>
+                                        </p:cTn>
+                                        <p:tgtEl>
+                                          <p:spTgt spid="1026"/>
+                                        </p:tgtEl>
+                                        <p:attrNameLst>
+                                          <p:attrName>style.visibility</p:attrName>
+                                        </p:attrNameLst>
+                                      </p:cBhvr>
+                                      <p:to>
+                                        <p:strVal val="visible"/>
+                                      </p:to>
+                                    </p:set>
+                                    <p:animEffect transition="in" filter="fade">
+                                      <p:cBhvr>
+                                        <p:cTn id="9" dur="500"/>
+                                        <p:tgtEl>
+                                          <p:spTgt spid="1026"/>
+                                        </p:tgtEl>
+                                      </p:cBhvr>
+                                    </p:animEffect>
+                                  </p:childTnLst>
+                                </p:cTn>
+                              </p:par>
+                              <p:par>
+                                <p:cTn id="10" presetID="10" presetClass="exit" presetSubtype="0" fill="hold" nodeType="withEffect">
+                                  <p:stCondLst>
+                                    <p:cond delay="3500"/>
+                                  </p:stCondLst>
+                                  <p:childTnLst>
+                                    <p:animEffect transition="out" filter="fade">
+                                      <p:cBhvr>
+                                        <p:cTn id="11" dur="500"/>
+                                        <p:tgtEl>
+                                          <p:spTgt spid="1026"/>
+                                        </p:tgtEl>
+                                      </p:cBhvr>
+                                    </p:animEffect>
+                                    <p:set>
+                                      <p:cBhvr>
+                                        <p:cTn id="12" dur="1" fill="hold">
+                                          <p:stCondLst>
+                                            <p:cond delay="499"/>
+                                          </p:stCondLst>
+                                        </p:cTn>
+                                        <p:tgtEl>
+                                          <p:spTgt spid="1026"/>
+                                        </p:tgtEl>
+                                        <p:attrNameLst>
+                                          <p:attrName>style.visibility</p:attrName>
+                                        </p:attrNameLst>
+                                      </p:cBhvr>
+                                      <p:to>
+                                        <p:strVal val="hidden"/>
+                                      </p:to>
+                                    </p:set>
                                   </p:childTnLst>
                                 </p:cTn>
                               </p:par>
@@ -7379,26 +11097,26 @@
                     </p:cTn>
                   </p:par>
                   <p:par>
-                    <p:cTn id="7" fill="hold">
+                    <p:cTn id="13" fill="hold">
                       <p:stCondLst>
                         <p:cond delay="indefinite"/>
                       </p:stCondLst>
                       <p:childTnLst>
                         <p:par>
-                          <p:cTn id="8" fill="hold">
+                          <p:cTn id="14" fill="hold">
                             <p:stCondLst>
                               <p:cond delay="0"/>
                             </p:stCondLst>
                             <p:childTnLst>
                               <p:par>
-                                <p:cTn id="9" presetID="10" presetClass="entr" presetSubtype="0" fill="hold" nodeType="clickEffect">
+                                <p:cTn id="15" presetID="10" presetClass="entr" presetSubtype="0" fill="hold" nodeType="clickEffect">
                                   <p:stCondLst>
                                     <p:cond delay="0"/>
                                   </p:stCondLst>
                                   <p:childTnLst>
                                     <p:set>
                                       <p:cBhvr>
-                                        <p:cTn id="10" dur="1" fill="hold">
+                                        <p:cTn id="16" dur="1" fill="hold">
                                           <p:stCondLst>
                                             <p:cond delay="0"/>
                                           </p:stCondLst>
@@ -7416,7 +11134,7 @@
                                     </p:set>
                                     <p:animEffect transition="in" filter="fade">
                                       <p:cBhvr>
-                                        <p:cTn id="11" dur="500"/>
+                                        <p:cTn id="17" dur="500"/>
                                         <p:tgtEl>
                                           <p:spTgt spid="1036"/>
                                         </p:tgtEl>
@@ -7426,14 +11144,14 @@
                                 </p:cTn>
                               </p:par>
                               <p:par>
-                                <p:cTn id="12" presetID="10" presetClass="entr" presetSubtype="0" fill="hold" grpId="0" nodeType="withEffect">
+                                <p:cTn id="18" presetID="10" presetClass="entr" presetSubtype="0" fill="hold" grpId="0" nodeType="withEffect">
                                   <p:stCondLst>
                                     <p:cond delay="0"/>
                                   </p:stCondLst>
                                   <p:childTnLst>
                                     <p:set>
                                       <p:cBhvr>
-                                        <p:cTn id="13" dur="1" fill="hold">
+                                        <p:cTn id="19" dur="1" fill="hold">
                                           <p:stCondLst>
                                             <p:cond delay="0"/>
                                           </p:stCondLst>
@@ -7451,7 +11169,7 @@
                                     </p:set>
                                     <p:animEffect transition="in" filter="fade">
                                       <p:cBhvr>
-                                        <p:cTn id="14" dur="500"/>
+                                        <p:cTn id="20" dur="500"/>
                                         <p:tgtEl>
                                           <p:spTgt spid="41"/>
                                         </p:tgtEl>
@@ -7461,14 +11179,14 @@
                                 </p:cTn>
                               </p:par>
                               <p:par>
-                                <p:cTn id="15" presetID="10" presetClass="entr" presetSubtype="0" fill="hold" grpId="0" nodeType="withEffect">
+                                <p:cTn id="21" presetID="10" presetClass="entr" presetSubtype="0" fill="hold" grpId="0" nodeType="withEffect">
                                   <p:stCondLst>
                                     <p:cond delay="0"/>
                                   </p:stCondLst>
                                   <p:childTnLst>
                                     <p:set>
                                       <p:cBhvr>
-                                        <p:cTn id="16" dur="1" fill="hold">
+                                        <p:cTn id="22" dur="1" fill="hold">
                                           <p:stCondLst>
                                             <p:cond delay="0"/>
                                           </p:stCondLst>
@@ -7486,7 +11204,7 @@
                                     </p:set>
                                     <p:animEffect transition="in" filter="fade">
                                       <p:cBhvr>
-                                        <p:cTn id="17" dur="500"/>
+                                        <p:cTn id="23" dur="500"/>
                                         <p:tgtEl>
                                           <p:spTgt spid="12"/>
                                         </p:tgtEl>
@@ -7496,14 +11214,14 @@
                                 </p:cTn>
                               </p:par>
                               <p:par>
-                                <p:cTn id="18" presetID="10" presetClass="entr" presetSubtype="0" fill="hold" nodeType="withEffect">
+                                <p:cTn id="24" presetID="10" presetClass="entr" presetSubtype="0" fill="hold" nodeType="withEffect">
                                   <p:stCondLst>
                                     <p:cond delay="0"/>
                                   </p:stCondLst>
                                   <p:childTnLst>
                                     <p:set>
                                       <p:cBhvr>
-                                        <p:cTn id="19" dur="1" fill="hold">
+                                        <p:cTn id="25" dur="1" fill="hold">
                                           <p:stCondLst>
                                             <p:cond delay="0"/>
                                           </p:stCondLst>
@@ -7521,7 +11239,7 @@
                                     </p:set>
                                     <p:animEffect transition="in" filter="fade">
                                       <p:cBhvr>
-                                        <p:cTn id="20" dur="500"/>
+                                        <p:cTn id="26" dur="500"/>
                                         <p:tgtEl>
                                           <p:spTgt spid="1038"/>
                                         </p:tgtEl>
@@ -7537,26 +11255,26 @@
                     </p:cTn>
                   </p:par>
                   <p:par>
-                    <p:cTn id="21" fill="hold">
+                    <p:cTn id="27" fill="hold">
                       <p:stCondLst>
                         <p:cond delay="indefinite"/>
                       </p:stCondLst>
                       <p:childTnLst>
                         <p:par>
-                          <p:cTn id="22" fill="hold">
+                          <p:cTn id="28" fill="hold">
                             <p:stCondLst>
                               <p:cond delay="0"/>
                             </p:stCondLst>
                             <p:childTnLst>
                               <p:par>
-                                <p:cTn id="23" presetID="10" presetClass="entr" presetSubtype="0" fill="hold" grpId="0" nodeType="clickEffect">
+                                <p:cTn id="29" presetID="10" presetClass="entr" presetSubtype="0" fill="hold" grpId="0" nodeType="clickEffect">
                                   <p:stCondLst>
                                     <p:cond delay="0"/>
                                   </p:stCondLst>
                                   <p:childTnLst>
                                     <p:set>
                                       <p:cBhvr>
-                                        <p:cTn id="24" dur="1" fill="hold">
+                                        <p:cTn id="30" dur="1" fill="hold">
                                           <p:stCondLst>
                                             <p:cond delay="0"/>
                                           </p:stCondLst>
@@ -7574,79 +11292,9 @@
                                     </p:set>
                                     <p:animEffect transition="in" filter="fade">
                                       <p:cBhvr>
-                                        <p:cTn id="25" dur="500"/>
+                                        <p:cTn id="31" dur="500"/>
                                         <p:tgtEl>
                                           <p:spTgt spid="24"/>
-                                        </p:tgtEl>
-                                      </p:cBhvr>
-                                    </p:animEffect>
-                                  </p:childTnLst>
-                                </p:cTn>
-                              </p:par>
-                              <p:par>
-                                <p:cTn id="26" presetID="10" presetClass="entr" presetSubtype="0" fill="hold" nodeType="withEffect">
-                                  <p:stCondLst>
-                                    <p:cond delay="0"/>
-                                  </p:stCondLst>
-                                  <p:childTnLst>
-                                    <p:set>
-                                      <p:cBhvr>
-                                        <p:cTn id="27" dur="1" fill="hold">
-                                          <p:stCondLst>
-                                            <p:cond delay="0"/>
-                                          </p:stCondLst>
-                                        </p:cTn>
-                                        <p:tgtEl>
-                                          <p:spTgt spid="22"/>
-                                        </p:tgtEl>
-                                        <p:attrNameLst>
-                                          <p:attrName>style.visibility</p:attrName>
-                                        </p:attrNameLst>
-                                      </p:cBhvr>
-                                      <p:to>
-                                        <p:strVal val="visible"/>
-                                      </p:to>
-                                    </p:set>
-                                    <p:animEffect transition="in" filter="fade">
-                                      <p:cBhvr>
-                                        <p:cTn id="28" dur="500"/>
-                                        <p:tgtEl>
-                                          <p:spTgt spid="22"/>
-                                        </p:tgtEl>
-                                      </p:cBhvr>
-                                    </p:animEffect>
-                                  </p:childTnLst>
-                                </p:cTn>
-                              </p:par>
-                              <p:par>
-                                <p:cTn id="29" presetID="10" presetClass="entr" presetSubtype="0" fill="hold" grpId="0" nodeType="withEffect">
-                                  <p:stCondLst>
-                                    <p:cond delay="0"/>
-                                  </p:stCondLst>
-                                  <p:childTnLst>
-                                    <p:set>
-                                      <p:cBhvr>
-                                        <p:cTn id="30" dur="1" fill="hold">
-                                          <p:stCondLst>
-                                            <p:cond delay="0"/>
-                                          </p:stCondLst>
-                                        </p:cTn>
-                                        <p:tgtEl>
-                                          <p:spTgt spid="32"/>
-                                        </p:tgtEl>
-                                        <p:attrNameLst>
-                                          <p:attrName>style.visibility</p:attrName>
-                                        </p:attrNameLst>
-                                      </p:cBhvr>
-                                      <p:to>
-                                        <p:strVal val="visible"/>
-                                      </p:to>
-                                    </p:set>
-                                    <p:animEffect transition="in" filter="fade">
-                                      <p:cBhvr>
-                                        <p:cTn id="31" dur="500"/>
-                                        <p:tgtEl>
-                                          <p:spTgt spid="32"/>
                                         </p:tgtEl>
                                       </p:cBhvr>
                                     </p:animEffect>
@@ -7667,6 +11315,76 @@
                                           </p:stCondLst>
                                         </p:cTn>
                                         <p:tgtEl>
+                                          <p:spTgt spid="22"/>
+                                        </p:tgtEl>
+                                        <p:attrNameLst>
+                                          <p:attrName>style.visibility</p:attrName>
+                                        </p:attrNameLst>
+                                      </p:cBhvr>
+                                      <p:to>
+                                        <p:strVal val="visible"/>
+                                      </p:to>
+                                    </p:set>
+                                    <p:animEffect transition="in" filter="fade">
+                                      <p:cBhvr>
+                                        <p:cTn id="34" dur="500"/>
+                                        <p:tgtEl>
+                                          <p:spTgt spid="22"/>
+                                        </p:tgtEl>
+                                      </p:cBhvr>
+                                    </p:animEffect>
+                                  </p:childTnLst>
+                                </p:cTn>
+                              </p:par>
+                              <p:par>
+                                <p:cTn id="35" presetID="10" presetClass="entr" presetSubtype="0" fill="hold" grpId="0" nodeType="withEffect">
+                                  <p:stCondLst>
+                                    <p:cond delay="0"/>
+                                  </p:stCondLst>
+                                  <p:childTnLst>
+                                    <p:set>
+                                      <p:cBhvr>
+                                        <p:cTn id="36" dur="1" fill="hold">
+                                          <p:stCondLst>
+                                            <p:cond delay="0"/>
+                                          </p:stCondLst>
+                                        </p:cTn>
+                                        <p:tgtEl>
+                                          <p:spTgt spid="32"/>
+                                        </p:tgtEl>
+                                        <p:attrNameLst>
+                                          <p:attrName>style.visibility</p:attrName>
+                                        </p:attrNameLst>
+                                      </p:cBhvr>
+                                      <p:to>
+                                        <p:strVal val="visible"/>
+                                      </p:to>
+                                    </p:set>
+                                    <p:animEffect transition="in" filter="fade">
+                                      <p:cBhvr>
+                                        <p:cTn id="37" dur="500"/>
+                                        <p:tgtEl>
+                                          <p:spTgt spid="32"/>
+                                        </p:tgtEl>
+                                      </p:cBhvr>
+                                    </p:animEffect>
+                                  </p:childTnLst>
+                                </p:cTn>
+                              </p:par>
+                              <p:par>
+                                <p:cTn id="38" presetID="10" presetClass="entr" presetSubtype="0" fill="hold" nodeType="withEffect">
+                                  <p:stCondLst>
+                                    <p:cond delay="0"/>
+                                  </p:stCondLst>
+                                  <p:childTnLst>
+                                    <p:set>
+                                      <p:cBhvr>
+                                        <p:cTn id="39" dur="1" fill="hold">
+                                          <p:stCondLst>
+                                            <p:cond delay="0"/>
+                                          </p:stCondLst>
+                                        </p:cTn>
+                                        <p:tgtEl>
                                           <p:spTgt spid="1052"/>
                                         </p:tgtEl>
                                         <p:attrNameLst>
@@ -7679,7 +11397,7 @@
                                     </p:set>
                                     <p:animEffect transition="in" filter="fade">
                                       <p:cBhvr>
-                                        <p:cTn id="34" dur="500"/>
+                                        <p:cTn id="40" dur="500"/>
                                         <p:tgtEl>
                                           <p:spTgt spid="1052"/>
                                         </p:tgtEl>
@@ -7695,26 +11413,26 @@
                     </p:cTn>
                   </p:par>
                   <p:par>
-                    <p:cTn id="35" fill="hold">
+                    <p:cTn id="41" fill="hold">
                       <p:stCondLst>
                         <p:cond delay="indefinite"/>
                       </p:stCondLst>
                       <p:childTnLst>
                         <p:par>
-                          <p:cTn id="36" fill="hold">
+                          <p:cTn id="42" fill="hold">
                             <p:stCondLst>
                               <p:cond delay="0"/>
                             </p:stCondLst>
                             <p:childTnLst>
                               <p:par>
-                                <p:cTn id="37" presetID="10" presetClass="entr" presetSubtype="0" fill="hold" grpId="0" nodeType="clickEffect">
+                                <p:cTn id="43" presetID="10" presetClass="entr" presetSubtype="0" fill="hold" grpId="0" nodeType="clickEffect">
                                   <p:stCondLst>
                                     <p:cond delay="0"/>
                                   </p:stCondLst>
                                   <p:childTnLst>
                                     <p:set>
                                       <p:cBhvr>
-                                        <p:cTn id="38" dur="1" fill="hold">
+                                        <p:cTn id="44" dur="1" fill="hold">
                                           <p:stCondLst>
                                             <p:cond delay="0"/>
                                           </p:stCondLst>
@@ -7732,7 +11450,7 @@
                                     </p:set>
                                     <p:animEffect transition="in" filter="fade">
                                       <p:cBhvr>
-                                        <p:cTn id="39" dur="500"/>
+                                        <p:cTn id="45" dur="500"/>
                                         <p:tgtEl>
                                           <p:spTgt spid="13"/>
                                         </p:tgtEl>
@@ -7779,7 +11497,7 @@
 </p:sld>
 </file>
 
-<file path=ppt/slides/slide4.xml><?xml version="1.0" encoding="utf-8"?>
+<file path=ppt/slides/slide5.xml><?xml version="1.0" encoding="utf-8"?>
 <p:sld xmlns:a="http://schemas.openxmlformats.org/drawingml/2006/main" xmlns:r="http://schemas.openxmlformats.org/officeDocument/2006/relationships" xmlns:p="http://schemas.openxmlformats.org/presentationml/2006/main">
   <p:cSld>
     <p:spTree>
@@ -7999,7 +11717,7 @@
         <p:spPr>
           <a:xfrm>
             <a:off x="838200" y="850900"/>
-            <a:ext cx="10515600" cy="473075"/>
+            <a:ext cx="4219574" cy="473075"/>
           </a:xfrm>
           <a:prstGeom prst="rect">
             <a:avLst/>
@@ -8187,7 +11905,25 @@
                   </a:solidFill>
                   <a:latin typeface="Helvetica" panose="020B0604020202030204" pitchFamily="34" charset="0"/>
                 </a:rPr>
-                <a:t>sur 9 axes.</a:t>
+                <a:t>sur </a:t>
+              </a:r>
+              <a:r>
+                <a:rPr lang="fr-CH" b="1" dirty="0">
+                  <a:solidFill>
+                    <a:schemeClr val="tx1"/>
+                  </a:solidFill>
+                  <a:latin typeface="Helvetica" panose="020B0604020202030204" pitchFamily="34" charset="0"/>
+                </a:rPr>
+                <a:t>9 axes</a:t>
+              </a:r>
+              <a:r>
+                <a:rPr lang="fr-CH" dirty="0">
+                  <a:solidFill>
+                    <a:schemeClr val="tx1"/>
+                  </a:solidFill>
+                  <a:latin typeface="Helvetica" panose="020B0604020202030204" pitchFamily="34" charset="0"/>
+                </a:rPr>
+                <a:t>.</a:t>
               </a:r>
             </a:p>
             <a:p>
@@ -8207,7 +11943,25 @@
                   </a:solidFill>
                   <a:latin typeface="Helvetica" panose="020B0604020202030204" pitchFamily="34" charset="0"/>
                 </a:rPr>
-                <a:t>d’un set de donnée chaque 100ms.</a:t>
+                <a:t>d’un set de donnée chaque </a:t>
+              </a:r>
+              <a:r>
+                <a:rPr lang="fr-CH" b="1" dirty="0">
+                  <a:solidFill>
+                    <a:schemeClr val="tx1"/>
+                  </a:solidFill>
+                  <a:latin typeface="Helvetica" panose="020B0604020202030204" pitchFamily="34" charset="0"/>
+                </a:rPr>
+                <a:t>100ms</a:t>
+              </a:r>
+              <a:r>
+                <a:rPr lang="fr-CH" dirty="0">
+                  <a:solidFill>
+                    <a:schemeClr val="tx1"/>
+                  </a:solidFill>
+                  <a:latin typeface="Helvetica" panose="020B0604020202030204" pitchFamily="34" charset="0"/>
+                </a:rPr>
+                <a:t>.</a:t>
               </a:r>
             </a:p>
             <a:p>
@@ -8218,7 +11972,16 @@
                   </a:solidFill>
                   <a:latin typeface="Helvetica" panose="020B0604020202030204" pitchFamily="34" charset="0"/>
                 </a:rPr>
-                <a:t>- 2 </a:t>
+                <a:t>- </a:t>
+              </a:r>
+              <a:r>
+                <a:rPr lang="fr-CH" b="1" dirty="0" smtClean="0">
+                  <a:solidFill>
+                    <a:schemeClr val="tx1"/>
+                  </a:solidFill>
+                  <a:latin typeface="Helvetica" panose="020B0604020202030204" pitchFamily="34" charset="0"/>
+                </a:rPr>
+                <a:t>2 heures </a:t>
               </a:r>
               <a:r>
                 <a:rPr lang="fr-CH" dirty="0">
@@ -8227,7 +11990,7 @@
                   </a:solidFill>
                   <a:latin typeface="Helvetica" panose="020B0604020202030204" pitchFamily="34" charset="0"/>
                 </a:rPr>
-                <a:t>heure de </a:t>
+                <a:t>de </a:t>
               </a:r>
               <a:r>
                 <a:rPr lang="fr-CH" dirty="0" err="1">
@@ -8265,7 +12028,25 @@
                   </a:solidFill>
                   <a:latin typeface="Helvetica" panose="020B0604020202030204" pitchFamily="34" charset="0"/>
                 </a:rPr>
-                <a:t>de sauvegarder </a:t>
+                <a:t>de </a:t>
+              </a:r>
+              <a:r>
+                <a:rPr lang="fr-CH" b="1" dirty="0">
+                  <a:solidFill>
+                    <a:schemeClr val="tx1"/>
+                  </a:solidFill>
+                  <a:latin typeface="Helvetica" panose="020B0604020202030204" pitchFamily="34" charset="0"/>
+                </a:rPr>
+                <a:t>sauvegarder</a:t>
+              </a:r>
+              <a:r>
+                <a:rPr lang="fr-CH" dirty="0">
+                  <a:solidFill>
+                    <a:schemeClr val="tx1"/>
+                  </a:solidFill>
+                  <a:latin typeface="Helvetica" panose="020B0604020202030204" pitchFamily="34" charset="0"/>
+                </a:rPr>
+                <a:t> </a:t>
               </a:r>
               <a:r>
                 <a:rPr lang="fr-CH" dirty="0" smtClean="0">
@@ -8303,7 +12084,25 @@
                   </a:solidFill>
                   <a:latin typeface="Helvetica" panose="020B0604020202030204" pitchFamily="34" charset="0"/>
                 </a:rPr>
-                <a:t>d’utilisation maximum, de 60m.</a:t>
+                <a:t>d’utilisation maximum, de </a:t>
+              </a:r>
+              <a:r>
+                <a:rPr lang="fr-CH" b="1" dirty="0">
+                  <a:solidFill>
+                    <a:schemeClr val="tx1"/>
+                  </a:solidFill>
+                  <a:latin typeface="Helvetica" panose="020B0604020202030204" pitchFamily="34" charset="0"/>
+                </a:rPr>
+                <a:t>60m</a:t>
+              </a:r>
+              <a:r>
+                <a:rPr lang="fr-CH" dirty="0">
+                  <a:solidFill>
+                    <a:schemeClr val="tx1"/>
+                  </a:solidFill>
+                  <a:latin typeface="Helvetica" panose="020B0604020202030204" pitchFamily="34" charset="0"/>
+                </a:rPr>
+                <a:t>.</a:t>
               </a:r>
             </a:p>
             <a:p>
@@ -8323,7 +12122,16 @@
                   </a:solidFill>
                   <a:latin typeface="Helvetica" panose="020B0604020202030204" pitchFamily="34" charset="0"/>
                 </a:rPr>
-                <a:t>, autonomie minimum de 2 heures</a:t>
+                <a:t>, </a:t>
+              </a:r>
+              <a:r>
+                <a:rPr lang="fr-CH" b="1" dirty="0">
+                  <a:solidFill>
+                    <a:schemeClr val="tx1"/>
+                  </a:solidFill>
+                  <a:latin typeface="Helvetica" panose="020B0604020202030204" pitchFamily="34" charset="0"/>
+                </a:rPr>
+                <a:t>autonomie minimum de 2 heures</a:t>
               </a:r>
             </a:p>
             <a:p>
@@ -8334,7 +12142,25 @@
                   </a:solidFill>
                   <a:latin typeface="Helvetica" panose="020B0604020202030204" pitchFamily="34" charset="0"/>
                 </a:rPr>
-                <a:t>- Charge </a:t>
+                <a:t>- </a:t>
+              </a:r>
+              <a:r>
+                <a:rPr lang="fr-CH" b="1" dirty="0" smtClean="0">
+                  <a:solidFill>
+                    <a:schemeClr val="tx1"/>
+                  </a:solidFill>
+                  <a:latin typeface="Helvetica" panose="020B0604020202030204" pitchFamily="34" charset="0"/>
+                </a:rPr>
+                <a:t>Charge</a:t>
+              </a:r>
+              <a:r>
+                <a:rPr lang="fr-CH" dirty="0" smtClean="0">
+                  <a:solidFill>
+                    <a:schemeClr val="tx1"/>
+                  </a:solidFill>
+                  <a:latin typeface="Helvetica" panose="020B0604020202030204" pitchFamily="34" charset="0"/>
+                </a:rPr>
+                <a:t> </a:t>
               </a:r>
               <a:r>
                 <a:rPr lang="fr-CH" dirty="0">
@@ -8343,7 +12169,25 @@
                   </a:solidFill>
                   <a:latin typeface="Helvetica" panose="020B0604020202030204" pitchFamily="34" charset="0"/>
                 </a:rPr>
-                <a:t>de la batterie par connecteur USB.</a:t>
+                <a:t>de la batterie par connecteur </a:t>
+              </a:r>
+              <a:r>
+                <a:rPr lang="fr-CH" b="1" dirty="0">
+                  <a:solidFill>
+                    <a:schemeClr val="tx1"/>
+                  </a:solidFill>
+                  <a:latin typeface="Helvetica" panose="020B0604020202030204" pitchFamily="34" charset="0"/>
+                </a:rPr>
+                <a:t>USB</a:t>
+              </a:r>
+              <a:r>
+                <a:rPr lang="fr-CH" dirty="0">
+                  <a:solidFill>
+                    <a:schemeClr val="tx1"/>
+                  </a:solidFill>
+                  <a:latin typeface="Helvetica" panose="020B0604020202030204" pitchFamily="34" charset="0"/>
+                </a:rPr>
+                <a:t>.</a:t>
               </a:r>
             </a:p>
           </p:txBody>
@@ -8470,7 +12314,25 @@
                   </a:solidFill>
                   <a:latin typeface="Helvetica" panose="020B0604020202030204" pitchFamily="34" charset="0"/>
                 </a:rPr>
-                <a:t>- Lecture </a:t>
+                <a:t>- </a:t>
+              </a:r>
+              <a:r>
+                <a:rPr lang="fr-CH" b="1" dirty="0" smtClean="0">
+                  <a:solidFill>
+                    <a:schemeClr val="tx1"/>
+                  </a:solidFill>
+                  <a:latin typeface="Helvetica" panose="020B0604020202030204" pitchFamily="34" charset="0"/>
+                </a:rPr>
+                <a:t>Lecture</a:t>
+              </a:r>
+              <a:r>
+                <a:rPr lang="fr-CH" dirty="0" smtClean="0">
+                  <a:solidFill>
+                    <a:schemeClr val="tx1"/>
+                  </a:solidFill>
+                  <a:latin typeface="Helvetica" panose="020B0604020202030204" pitchFamily="34" charset="0"/>
+                </a:rPr>
+                <a:t> </a:t>
               </a:r>
               <a:r>
                 <a:rPr lang="fr-CH" dirty="0">
@@ -8479,7 +12341,25 @@
                   </a:solidFill>
                   <a:latin typeface="Helvetica" panose="020B0604020202030204" pitchFamily="34" charset="0"/>
                 </a:rPr>
-                <a:t>des données par connecteur USB (Interfaçage électronique, software optionnel</a:t>
+                <a:t>des données par connecteur </a:t>
+              </a:r>
+              <a:r>
+                <a:rPr lang="fr-CH" b="1" dirty="0">
+                  <a:solidFill>
+                    <a:schemeClr val="tx1"/>
+                  </a:solidFill>
+                  <a:latin typeface="Helvetica" panose="020B0604020202030204" pitchFamily="34" charset="0"/>
+                </a:rPr>
+                <a:t>USB</a:t>
+              </a:r>
+              <a:r>
+                <a:rPr lang="fr-CH" dirty="0">
+                  <a:solidFill>
+                    <a:schemeClr val="tx1"/>
+                  </a:solidFill>
+                  <a:latin typeface="Helvetica" panose="020B0604020202030204" pitchFamily="34" charset="0"/>
+                </a:rPr>
+                <a:t> (Interfaçage électronique, software optionnel</a:t>
               </a:r>
             </a:p>
             <a:p>
@@ -8501,7 +12381,25 @@
                   </a:solidFill>
                   <a:latin typeface="Helvetica" panose="020B0604020202030204" pitchFamily="34" charset="0"/>
                 </a:rPr>
-                <a:t>- Interface </a:t>
+                <a:t>- </a:t>
+              </a:r>
+              <a:r>
+                <a:rPr lang="fr-CH" b="1" dirty="0" smtClean="0">
+                  <a:solidFill>
+                    <a:schemeClr val="tx1"/>
+                  </a:solidFill>
+                  <a:latin typeface="Helvetica" panose="020B0604020202030204" pitchFamily="34" charset="0"/>
+                </a:rPr>
+                <a:t>Interface</a:t>
+              </a:r>
+              <a:r>
+                <a:rPr lang="fr-CH" dirty="0" smtClean="0">
+                  <a:solidFill>
+                    <a:schemeClr val="tx1"/>
+                  </a:solidFill>
+                  <a:latin typeface="Helvetica" panose="020B0604020202030204" pitchFamily="34" charset="0"/>
+                </a:rPr>
+                <a:t> </a:t>
               </a:r>
               <a:r>
                 <a:rPr lang="fr-CH" dirty="0">
@@ -8526,6 +12424,18 @@
   <p:clrMapOvr>
     <a:masterClrMapping/>
   </p:clrMapOvr>
+  <mc:AlternateContent xmlns:mc="http://schemas.openxmlformats.org/markup-compatibility/2006">
+    <mc:Choice xmlns:p14="http://schemas.microsoft.com/office/powerpoint/2010/main" Requires="p14">
+      <p:transition>
+        <p14:reveal/>
+      </p:transition>
+    </mc:Choice>
+    <mc:Fallback>
+      <p:transition>
+        <p:fade/>
+      </p:transition>
+    </mc:Fallback>
+  </mc:AlternateContent>
   <p:timing>
     <p:tnLst>
       <p:par>
@@ -8536,7 +12446,7 @@
 </p:sld>
 </file>
 
-<file path=ppt/slides/slide5.xml><?xml version="1.0" encoding="utf-8"?>
+<file path=ppt/slides/slide6.xml><?xml version="1.0" encoding="utf-8"?>
 <p:sld xmlns:a="http://schemas.openxmlformats.org/drawingml/2006/main" xmlns:r="http://schemas.openxmlformats.org/officeDocument/2006/relationships" xmlns:p="http://schemas.openxmlformats.org/presentationml/2006/main">
   <p:cSld>
     <p:bg>
@@ -8592,7 +12502,7 @@
                   <a:schemeClr val="bg1"/>
                 </a:solidFill>
               </a:rPr>
-              <a:t>CONCEPTION</a:t>
+              <a:t>DESIGN</a:t>
             </a:r>
             <a:endParaRPr lang="fr-CH" sz="4400" dirty="0">
               <a:solidFill>
@@ -8612,318 +12522,18 @@
   <p:clrMapOvr>
     <a:masterClrMapping/>
   </p:clrMapOvr>
-  <p:timing>
-    <p:tnLst>
-      <p:par>
-        <p:cTn id="1" dur="indefinite" restart="never" nodeType="tmRoot"/>
-      </p:par>
-    </p:tnLst>
-  </p:timing>
-</p:sld>
-</file>
-
-<file path=ppt/slides/slide6.xml><?xml version="1.0" encoding="utf-8"?>
-<p:sld xmlns:a="http://schemas.openxmlformats.org/drawingml/2006/main" xmlns:r="http://schemas.openxmlformats.org/officeDocument/2006/relationships" xmlns:p="http://schemas.openxmlformats.org/presentationml/2006/main">
-  <p:cSld>
-    <p:spTree>
-      <p:nvGrpSpPr>
-        <p:cNvPr id="1" name=""/>
-        <p:cNvGrpSpPr/>
-        <p:nvPr/>
-      </p:nvGrpSpPr>
-      <p:grpSpPr>
-        <a:xfrm>
-          <a:off x="0" y="0"/>
-          <a:ext cx="0" cy="0"/>
-          <a:chOff x="0" y="0"/>
-          <a:chExt cx="0" cy="0"/>
-        </a:xfrm>
-      </p:grpSpPr>
-      <p:sp>
-        <p:nvSpPr>
-          <p:cNvPr id="6" name="Rectangle 5"/>
-          <p:cNvSpPr/>
-          <p:nvPr/>
-        </p:nvSpPr>
-        <p:spPr>
-          <a:xfrm>
-            <a:off x="0" y="365125"/>
-            <a:ext cx="12192000" cy="473075"/>
-          </a:xfrm>
-          <a:prstGeom prst="rect">
-            <a:avLst/>
-          </a:prstGeom>
-          <a:solidFill>
-            <a:schemeClr val="bg1">
-              <a:lumMod val="95000"/>
-            </a:schemeClr>
-          </a:solidFill>
-          <a:ln>
-            <a:solidFill>
-              <a:schemeClr val="bg1">
-                <a:lumMod val="95000"/>
-              </a:schemeClr>
-            </a:solidFill>
-          </a:ln>
-        </p:spPr>
-        <p:style>
-          <a:lnRef idx="2">
-            <a:schemeClr val="accent1">
-              <a:shade val="50000"/>
-            </a:schemeClr>
-          </a:lnRef>
-          <a:fillRef idx="1">
-            <a:schemeClr val="accent1"/>
-          </a:fillRef>
-          <a:effectRef idx="0">
-            <a:schemeClr val="accent1"/>
-          </a:effectRef>
-          <a:fontRef idx="minor">
-            <a:schemeClr val="lt1"/>
-          </a:fontRef>
-        </p:style>
-        <p:txBody>
-          <a:bodyPr rtlCol="0" anchor="ctr"/>
-          <a:lstStyle/>
-          <a:p>
-            <a:pPr algn="ctr"/>
-            <a:endParaRPr lang="fr-CH"/>
-          </a:p>
-        </p:txBody>
-      </p:sp>
-      <p:sp>
-        <p:nvSpPr>
-          <p:cNvPr id="4" name="Rectangle 3"/>
-          <p:cNvSpPr/>
-          <p:nvPr/>
-        </p:nvSpPr>
-        <p:spPr>
-          <a:xfrm>
-            <a:off x="1" y="0"/>
-            <a:ext cx="12192000" cy="365125"/>
-          </a:xfrm>
-          <a:prstGeom prst="rect">
-            <a:avLst/>
-          </a:prstGeom>
-          <a:solidFill>
-            <a:srgbClr val="002060"/>
-          </a:solidFill>
-          <a:ln>
-            <a:solidFill>
-              <a:srgbClr val="002060"/>
-            </a:solidFill>
-          </a:ln>
-        </p:spPr>
-        <p:style>
-          <a:lnRef idx="2">
-            <a:schemeClr val="accent1">
-              <a:shade val="50000"/>
-            </a:schemeClr>
-          </a:lnRef>
-          <a:fillRef idx="1">
-            <a:schemeClr val="accent1"/>
-          </a:fillRef>
-          <a:effectRef idx="0">
-            <a:schemeClr val="accent1"/>
-          </a:effectRef>
-          <a:fontRef idx="minor">
-            <a:schemeClr val="lt1"/>
-          </a:fontRef>
-        </p:style>
-        <p:txBody>
-          <a:bodyPr rtlCol="0" anchor="ctr"/>
-          <a:lstStyle/>
-          <a:p>
-            <a:pPr algn="ctr"/>
-            <a:endParaRPr lang="fr-CH"/>
-          </a:p>
-        </p:txBody>
-      </p:sp>
-      <p:sp>
-        <p:nvSpPr>
-          <p:cNvPr id="2" name="Titre 1"/>
-          <p:cNvSpPr>
-            <a:spLocks noGrp="1"/>
-          </p:cNvSpPr>
-          <p:nvPr>
-            <p:ph type="title"/>
-          </p:nvPr>
-        </p:nvSpPr>
-        <p:spPr>
-          <a:xfrm>
-            <a:off x="838200" y="365125"/>
-            <a:ext cx="10515600" cy="473075"/>
-          </a:xfrm>
-        </p:spPr>
-        <p:txBody>
-          <a:bodyPr>
-            <a:noAutofit/>
-          </a:bodyPr>
-          <a:lstStyle/>
-          <a:p>
-            <a:r>
-              <a:rPr lang="fr-CH" sz="2000" dirty="0" smtClean="0">
-                <a:latin typeface="Helvetica" panose="020B0604020202030204" pitchFamily="34" charset="0"/>
-              </a:rPr>
-              <a:t>CONCEPTION</a:t>
-            </a:r>
-            <a:endParaRPr lang="fr-CH" sz="2000" dirty="0">
-              <a:latin typeface="Helvetica" panose="020B0604020202030204" pitchFamily="34" charset="0"/>
-            </a:endParaRPr>
-          </a:p>
-        </p:txBody>
-      </p:sp>
-      <p:sp>
-        <p:nvSpPr>
-          <p:cNvPr id="7" name="Rectangle 6"/>
-          <p:cNvSpPr/>
-          <p:nvPr/>
-        </p:nvSpPr>
-        <p:spPr>
-          <a:xfrm>
-            <a:off x="-1" y="849313"/>
-            <a:ext cx="5057775" cy="473075"/>
-          </a:xfrm>
-          <a:prstGeom prst="rect">
-            <a:avLst/>
-          </a:prstGeom>
-          <a:solidFill>
-            <a:schemeClr val="accent1">
-              <a:lumMod val="20000"/>
-              <a:lumOff val="80000"/>
-            </a:schemeClr>
-          </a:solidFill>
-          <a:ln>
-            <a:solidFill>
-              <a:schemeClr val="accent1">
-                <a:lumMod val="20000"/>
-                <a:lumOff val="80000"/>
-              </a:schemeClr>
-            </a:solidFill>
-          </a:ln>
-        </p:spPr>
-        <p:style>
-          <a:lnRef idx="2">
-            <a:schemeClr val="accent1">
-              <a:shade val="50000"/>
-            </a:schemeClr>
-          </a:lnRef>
-          <a:fillRef idx="1">
-            <a:schemeClr val="accent1"/>
-          </a:fillRef>
-          <a:effectRef idx="0">
-            <a:schemeClr val="accent1"/>
-          </a:effectRef>
-          <a:fontRef idx="minor">
-            <a:schemeClr val="lt1"/>
-          </a:fontRef>
-        </p:style>
-        <p:txBody>
-          <a:bodyPr rtlCol="0" anchor="ctr"/>
-          <a:lstStyle/>
-          <a:p>
-            <a:endParaRPr lang="fr-CH" sz="2000" dirty="0">
-              <a:solidFill>
-                <a:schemeClr val="tx1"/>
-              </a:solidFill>
-              <a:latin typeface="Helvetica" panose="020B0604020202030204" pitchFamily="34" charset="0"/>
-            </a:endParaRPr>
-          </a:p>
-        </p:txBody>
-      </p:sp>
-      <p:sp>
-        <p:nvSpPr>
-          <p:cNvPr id="9" name="Titre 1"/>
-          <p:cNvSpPr txBox="1">
-            <a:spLocks/>
-          </p:cNvSpPr>
-          <p:nvPr/>
-        </p:nvSpPr>
-        <p:spPr>
-          <a:xfrm>
-            <a:off x="838200" y="850900"/>
-            <a:ext cx="10515600" cy="473075"/>
-          </a:xfrm>
-          <a:prstGeom prst="rect">
-            <a:avLst/>
-          </a:prstGeom>
-        </p:spPr>
-        <p:txBody>
-          <a:bodyPr vert="horz" lIns="91440" tIns="45720" rIns="91440" bIns="45720" rtlCol="0" anchor="ctr">
-            <a:noAutofit/>
-          </a:bodyPr>
-          <a:lstStyle>
-            <a:lvl1pPr algn="l" defTabSz="914400" rtl="0" eaLnBrk="1" latinLnBrk="0" hangingPunct="1">
-              <a:lnSpc>
-                <a:spcPct val="90000"/>
-              </a:lnSpc>
-              <a:spcBef>
-                <a:spcPct val="0"/>
-              </a:spcBef>
-              <a:buNone/>
-              <a:defRPr sz="4400" kern="1200">
-                <a:solidFill>
-                  <a:schemeClr val="tx1"/>
-                </a:solidFill>
-                <a:latin typeface="+mj-lt"/>
-                <a:ea typeface="+mj-ea"/>
-                <a:cs typeface="+mj-cs"/>
-              </a:defRPr>
-            </a:lvl1pPr>
-          </a:lstStyle>
-          <a:p>
-            <a:r>
-              <a:rPr lang="fr-CH" sz="2000" dirty="0" smtClean="0">
-                <a:latin typeface="Helvetica" panose="020B0604020202030204" pitchFamily="34" charset="0"/>
-              </a:rPr>
-              <a:t>SCHEMA BLOC</a:t>
-            </a:r>
-            <a:endParaRPr lang="fr-CH" sz="2000" dirty="0">
-              <a:latin typeface="Helvetica" panose="020B0604020202030204" pitchFamily="34" charset="0"/>
-            </a:endParaRPr>
-          </a:p>
-        </p:txBody>
-      </p:sp>
-      <p:pic>
-        <p:nvPicPr>
-          <p:cNvPr id="5" name="Image 4"/>
-          <p:cNvPicPr>
-            <a:picLocks noChangeAspect="1"/>
-          </p:cNvPicPr>
-          <p:nvPr/>
-        </p:nvPicPr>
-        <p:blipFill>
-          <a:blip r:embed="rId2" cstate="print">
-            <a:extLst>
-              <a:ext uri="{28A0092B-C50C-407E-A947-70E740481C1C}">
-                <a14:useLocalDpi xmlns:a14="http://schemas.microsoft.com/office/drawing/2010/main" val="0"/>
-              </a:ext>
-            </a:extLst>
-          </a:blip>
-          <a:stretch>
-            <a:fillRect/>
-          </a:stretch>
-        </p:blipFill>
-        <p:spPr>
-          <a:xfrm>
-            <a:off x="3171535" y="1523999"/>
-            <a:ext cx="5848929" cy="5191837"/>
-          </a:xfrm>
-          <a:prstGeom prst="rect">
-            <a:avLst/>
-          </a:prstGeom>
-        </p:spPr>
-      </p:pic>
-    </p:spTree>
-    <p:extLst>
-      <p:ext uri="{BB962C8B-B14F-4D97-AF65-F5344CB8AC3E}">
-        <p14:creationId xmlns:p14="http://schemas.microsoft.com/office/powerpoint/2010/main" val="362479221"/>
-      </p:ext>
-    </p:extLst>
-  </p:cSld>
-  <p:clrMapOvr>
-    <a:masterClrMapping/>
-  </p:clrMapOvr>
+  <mc:AlternateContent xmlns:mc="http://schemas.openxmlformats.org/markup-compatibility/2006">
+    <mc:Choice xmlns:p14="http://schemas.microsoft.com/office/powerpoint/2010/main" Requires="p14">
+      <p:transition>
+        <p14:reveal/>
+      </p:transition>
+    </mc:Choice>
+    <mc:Fallback>
+      <p:transition>
+        <p:fade/>
+      </p:transition>
+    </mc:Fallback>
+  </mc:AlternateContent>
   <p:timing>
     <p:tnLst>
       <p:par>
@@ -9077,7 +12687,7 @@
               <a:rPr lang="fr-CH" sz="2000" dirty="0" smtClean="0">
                 <a:latin typeface="Helvetica" panose="020B0604020202030204" pitchFamily="34" charset="0"/>
               </a:rPr>
-              <a:t>CONCEPTION DU PCB</a:t>
+              <a:t>DESIGN</a:t>
             </a:r>
             <a:endParaRPr lang="fr-CH" sz="2000" dirty="0">
               <a:latin typeface="Helvetica" panose="020B0604020202030204" pitchFamily="34" charset="0"/>
@@ -9154,7 +12764,7 @@
         <p:spPr>
           <a:xfrm>
             <a:off x="838200" y="850900"/>
-            <a:ext cx="10515600" cy="473075"/>
+            <a:ext cx="4219574" cy="473075"/>
           </a:xfrm>
           <a:prstGeom prst="rect">
             <a:avLst/>
@@ -9188,7 +12798,7 @@
               <a:rPr lang="fr-CH" sz="2000" dirty="0" smtClean="0">
                 <a:latin typeface="Helvetica" panose="020B0604020202030204" pitchFamily="34" charset="0"/>
               </a:rPr>
-              <a:t>PRIX FINAUX PRINCIPAUX</a:t>
+              <a:t>SCHEMA BLOC</a:t>
             </a:r>
             <a:endParaRPr lang="fr-CH" sz="2000" dirty="0">
               <a:latin typeface="Helvetica" panose="020B0604020202030204" pitchFamily="34" charset="0"/>
@@ -9198,16 +12808,14 @@
       </p:sp>
       <p:pic>
         <p:nvPicPr>
-          <p:cNvPr id="10" name="Espace réservé du contenu 9"/>
+          <p:cNvPr id="5" name="Image 4"/>
           <p:cNvPicPr>
-            <a:picLocks noGrp="1" noChangeAspect="1"/>
+            <a:picLocks noChangeAspect="1"/>
           </p:cNvPicPr>
-          <p:nvPr>
-            <p:ph idx="1"/>
-          </p:nvPr>
+          <p:nvPr/>
         </p:nvPicPr>
         <p:blipFill>
-          <a:blip r:embed="rId2">
+          <a:blip r:embed="rId2" cstate="print">
             <a:extLst>
               <a:ext uri="{28A0092B-C50C-407E-A947-70E740481C1C}">
                 <a14:useLocalDpi xmlns:a14="http://schemas.microsoft.com/office/drawing/2010/main" val="0"/>
@@ -9220,21 +12828,36 @@
         </p:blipFill>
         <p:spPr>
           <a:xfrm>
-            <a:off x="3813429" y="1806576"/>
-            <a:ext cx="4018206" cy="3974941"/>
+            <a:off x="3171535" y="1523999"/>
+            <a:ext cx="5848929" cy="5191837"/>
           </a:xfrm>
+          <a:prstGeom prst="rect">
+            <a:avLst/>
+          </a:prstGeom>
         </p:spPr>
       </p:pic>
     </p:spTree>
     <p:extLst>
       <p:ext uri="{BB962C8B-B14F-4D97-AF65-F5344CB8AC3E}">
-        <p14:creationId xmlns:p14="http://schemas.microsoft.com/office/powerpoint/2010/main" val="757670399"/>
+        <p14:creationId xmlns:p14="http://schemas.microsoft.com/office/powerpoint/2010/main" val="362479221"/>
       </p:ext>
     </p:extLst>
   </p:cSld>
   <p:clrMapOvr>
     <a:masterClrMapping/>
   </p:clrMapOvr>
+  <mc:AlternateContent xmlns:mc="http://schemas.openxmlformats.org/markup-compatibility/2006">
+    <mc:Choice xmlns:p14="http://schemas.microsoft.com/office/powerpoint/2010/main" Requires="p14">
+      <p:transition>
+        <p14:reveal/>
+      </p:transition>
+    </mc:Choice>
+    <mc:Fallback>
+      <p:transition>
+        <p:fade/>
+      </p:transition>
+    </mc:Fallback>
+  </mc:AlternateContent>
   <p:timing>
     <p:tnLst>
       <p:par>
@@ -9385,10 +13008,10 @@
           <a:lstStyle/>
           <a:p>
             <a:r>
-              <a:rPr lang="fr-CH" sz="2000" dirty="0" smtClean="0">
+              <a:rPr lang="fr-CH" sz="2000" dirty="0">
                 <a:latin typeface="Helvetica" panose="020B0604020202030204" pitchFamily="34" charset="0"/>
               </a:rPr>
-              <a:t>CONCEPTION DU PCB</a:t>
+              <a:t>DESIGN</a:t>
             </a:r>
             <a:endParaRPr lang="fr-CH" sz="2000" dirty="0">
               <a:latin typeface="Helvetica" panose="020B0604020202030204" pitchFamily="34" charset="0"/>
@@ -9465,7 +13088,7 @@
         <p:spPr>
           <a:xfrm>
             <a:off x="838200" y="850900"/>
-            <a:ext cx="10515600" cy="473075"/>
+            <a:ext cx="4219574" cy="473075"/>
           </a:xfrm>
           <a:prstGeom prst="rect">
             <a:avLst/>
@@ -9499,7 +13122,7 @@
               <a:rPr lang="fr-CH" sz="2000" dirty="0" smtClean="0">
                 <a:latin typeface="Helvetica" panose="020B0604020202030204" pitchFamily="34" charset="0"/>
               </a:rPr>
-              <a:t>MECANIQUE</a:t>
+              <a:t>TECHNOLOGIES</a:t>
             </a:r>
             <a:endParaRPr lang="fr-CH" sz="2000" dirty="0">
               <a:latin typeface="Helvetica" panose="020B0604020202030204" pitchFamily="34" charset="0"/>
@@ -9507,23 +13130,990 @@
           </a:p>
         </p:txBody>
       </p:sp>
+      <p:pic>
+        <p:nvPicPr>
+          <p:cNvPr id="1026" name="Picture 2" descr="ECELL ECE18650 Pile rechargeable spéciale 18650 Li-Ion 3.7 V 3400 mAh -  Conrad Electronic Suisse"/>
+          <p:cNvPicPr>
+            <a:picLocks noChangeAspect="1" noChangeArrowheads="1"/>
+          </p:cNvPicPr>
+          <p:nvPr/>
+        </p:nvPicPr>
+        <p:blipFill>
+          <a:blip r:embed="rId2" cstate="print">
+            <a:extLst>
+              <a:ext uri="{28A0092B-C50C-407E-A947-70E740481C1C}">
+                <a14:useLocalDpi xmlns:a14="http://schemas.microsoft.com/office/drawing/2010/main" val="0"/>
+              </a:ext>
+            </a:extLst>
+          </a:blip>
+          <a:srcRect/>
+          <a:stretch>
+            <a:fillRect/>
+          </a:stretch>
+        </p:blipFill>
+        <p:spPr bwMode="auto">
+          <a:xfrm rot="16200000">
+            <a:off x="1926455" y="4226815"/>
+            <a:ext cx="683079" cy="2524026"/>
+          </a:xfrm>
+          <a:prstGeom prst="rect">
+            <a:avLst/>
+          </a:prstGeom>
+          <a:noFill/>
+          <a:extLst>
+            <a:ext uri="{909E8E84-426E-40DD-AFC4-6F175D3DCCD1}">
+              <a14:hiddenFill xmlns:a14="http://schemas.microsoft.com/office/drawing/2010/main">
+                <a:solidFill>
+                  <a:srgbClr val="FFFFFF"/>
+                </a:solidFill>
+              </a14:hiddenFill>
+            </a:ext>
+          </a:extLst>
+        </p:spPr>
+      </p:pic>
       <p:grpSp>
         <p:nvGrpSpPr>
-          <p:cNvPr id="8" name="Groupe 7"/>
+          <p:cNvPr id="5" name="Groupe 4"/>
           <p:cNvGrpSpPr/>
           <p:nvPr/>
         </p:nvGrpSpPr>
         <p:grpSpPr>
           <a:xfrm>
-            <a:off x="628650" y="1806576"/>
-            <a:ext cx="4257675" cy="1552575"/>
+            <a:off x="258739" y="2723062"/>
+            <a:ext cx="5338121" cy="1779454"/>
+            <a:chOff x="853541" y="4702782"/>
+            <a:chExt cx="5338121" cy="1779454"/>
+          </a:xfrm>
+        </p:grpSpPr>
+        <p:pic>
+          <p:nvPicPr>
+            <p:cNvPr id="1028" name="Picture 4" descr="BNO055 IMU Fusion Breakout - Stemma QT - Adafruit | Mouser"/>
+            <p:cNvPicPr>
+              <a:picLocks noChangeAspect="1" noChangeArrowheads="1"/>
+            </p:cNvPicPr>
+            <p:nvPr/>
+          </p:nvPicPr>
+          <p:blipFill>
+            <a:blip r:embed="rId3" cstate="print">
+              <a:extLst>
+                <a:ext uri="{28A0092B-C50C-407E-A947-70E740481C1C}">
+                  <a14:useLocalDpi xmlns:a14="http://schemas.microsoft.com/office/drawing/2010/main" val="0"/>
+                </a:ext>
+              </a:extLst>
+            </a:blip>
+            <a:srcRect/>
+            <a:stretch>
+              <a:fillRect/>
+            </a:stretch>
+          </p:blipFill>
+          <p:spPr bwMode="auto">
+            <a:xfrm rot="60000">
+              <a:off x="853541" y="4702782"/>
+              <a:ext cx="2448789" cy="1779454"/>
+            </a:xfrm>
+            <a:prstGeom prst="rect">
+              <a:avLst/>
+            </a:prstGeom>
+            <a:noFill/>
+            <a:extLst>
+              <a:ext uri="{909E8E84-426E-40DD-AFC4-6F175D3DCCD1}">
+                <a14:hiddenFill xmlns:a14="http://schemas.microsoft.com/office/drawing/2010/main">
+                  <a:solidFill>
+                    <a:srgbClr val="FFFFFF"/>
+                  </a:solidFill>
+                </a14:hiddenFill>
+              </a:ext>
+            </a:extLst>
+          </p:spPr>
+        </p:pic>
+        <p:pic>
+          <p:nvPicPr>
+            <p:cNvPr id="8" name="Image 7"/>
+            <p:cNvPicPr>
+              <a:picLocks noChangeAspect="1"/>
+            </p:cNvPicPr>
+            <p:nvPr/>
+          </p:nvPicPr>
+          <p:blipFill>
+            <a:blip r:embed="rId4"/>
+            <a:stretch>
+              <a:fillRect/>
+            </a:stretch>
+          </p:blipFill>
+          <p:spPr>
+            <a:xfrm>
+              <a:off x="3111786" y="4908747"/>
+              <a:ext cx="3079876" cy="1367524"/>
+            </a:xfrm>
+            <a:prstGeom prst="rect">
+              <a:avLst/>
+            </a:prstGeom>
+          </p:spPr>
+        </p:pic>
+      </p:grpSp>
+      <p:grpSp>
+        <p:nvGrpSpPr>
+          <p:cNvPr id="11" name="Groupe 10"/>
+          <p:cNvGrpSpPr/>
+          <p:nvPr/>
+        </p:nvGrpSpPr>
+        <p:grpSpPr>
+          <a:xfrm>
+            <a:off x="474216" y="1671357"/>
+            <a:ext cx="5851101" cy="1134137"/>
+            <a:chOff x="1002459" y="3532737"/>
+            <a:chExt cx="5851101" cy="1134137"/>
+          </a:xfrm>
+        </p:grpSpPr>
+        <p:pic>
+          <p:nvPicPr>
+            <p:cNvPr id="3" name="Image 2"/>
+            <p:cNvPicPr>
+              <a:picLocks noChangeAspect="1"/>
+            </p:cNvPicPr>
+            <p:nvPr/>
+          </p:nvPicPr>
+          <p:blipFill>
+            <a:blip r:embed="rId5" cstate="print">
+              <a:extLst>
+                <a:ext uri="{28A0092B-C50C-407E-A947-70E740481C1C}">
+                  <a14:useLocalDpi xmlns:a14="http://schemas.microsoft.com/office/drawing/2010/main" val="0"/>
+                </a:ext>
+              </a:extLst>
+            </a:blip>
+            <a:stretch>
+              <a:fillRect/>
+            </a:stretch>
+          </p:blipFill>
+          <p:spPr>
+            <a:xfrm rot="16200000">
+              <a:off x="1385660" y="3149536"/>
+              <a:ext cx="1134137" cy="1900539"/>
+            </a:xfrm>
+            <a:prstGeom prst="rect">
+              <a:avLst/>
+            </a:prstGeom>
+          </p:spPr>
+        </p:pic>
+        <p:sp>
+          <p:nvSpPr>
+            <p:cNvPr id="10" name="ZoneTexte 9"/>
+            <p:cNvSpPr txBox="1"/>
+            <p:nvPr/>
+          </p:nvSpPr>
+          <p:spPr>
+            <a:xfrm>
+              <a:off x="3022621" y="3776641"/>
+              <a:ext cx="3830939" cy="646331"/>
+            </a:xfrm>
+            <a:prstGeom prst="rect">
+              <a:avLst/>
+            </a:prstGeom>
+            <a:noFill/>
+          </p:spPr>
+          <p:txBody>
+            <a:bodyPr wrap="square" rtlCol="0">
+              <a:spAutoFit/>
+            </a:bodyPr>
+            <a:lstStyle/>
+            <a:p>
+              <a:r>
+                <a:rPr lang="fr-CH" sz="1200" dirty="0" smtClean="0">
+                  <a:latin typeface="Times New Roman" panose="02020603050405020304" pitchFamily="18" charset="0"/>
+                  <a:cs typeface="Times New Roman" panose="02020603050405020304" pitchFamily="18" charset="0"/>
+                </a:rPr>
+                <a:t>Pression	:	10	[bars] </a:t>
+              </a:r>
+            </a:p>
+            <a:p>
+              <a:r>
+                <a:rPr lang="fr-CH" sz="1200" dirty="0" smtClean="0">
+                  <a:latin typeface="Times New Roman" panose="02020603050405020304" pitchFamily="18" charset="0"/>
+                  <a:cs typeface="Times New Roman" panose="02020603050405020304" pitchFamily="18" charset="0"/>
+                </a:rPr>
+                <a:t>Température	:	-40 … 125 	[°C]</a:t>
+              </a:r>
+            </a:p>
+            <a:p>
+              <a:r>
+                <a:rPr lang="fr-CH" sz="1200" dirty="0" smtClean="0">
+                  <a:latin typeface="Times New Roman" panose="02020603050405020304" pitchFamily="18" charset="0"/>
+                  <a:cs typeface="Times New Roman" panose="02020603050405020304" pitchFamily="18" charset="0"/>
+                </a:rPr>
+                <a:t>Courant	:	7	[mA]</a:t>
+              </a:r>
+              <a:endParaRPr lang="fr-CH" sz="1200" dirty="0">
+                <a:latin typeface="Times New Roman" panose="02020603050405020304" pitchFamily="18" charset="0"/>
+                <a:cs typeface="Times New Roman" panose="02020603050405020304" pitchFamily="18" charset="0"/>
+              </a:endParaRPr>
+            </a:p>
+          </p:txBody>
+        </p:sp>
+      </p:grpSp>
+      <p:grpSp>
+        <p:nvGrpSpPr>
+          <p:cNvPr id="12" name="Groupe 11"/>
+          <p:cNvGrpSpPr/>
+          <p:nvPr/>
+        </p:nvGrpSpPr>
+        <p:grpSpPr>
+          <a:xfrm>
+            <a:off x="6325317" y="1652563"/>
+            <a:ext cx="5746408" cy="1291314"/>
+            <a:chOff x="6325317" y="1652563"/>
+            <a:chExt cx="5746408" cy="1291314"/>
+          </a:xfrm>
+        </p:grpSpPr>
+        <p:pic>
+          <p:nvPicPr>
+            <p:cNvPr id="1030" name="Picture 6" descr="https://bluerobotics.com/wp-content/uploads/2016/10/IMG_6511.jpg"/>
+            <p:cNvPicPr>
+              <a:picLocks noChangeAspect="1" noChangeArrowheads="1"/>
+            </p:cNvPicPr>
+            <p:nvPr/>
+          </p:nvPicPr>
+          <p:blipFill rotWithShape="1">
+            <a:blip r:embed="rId6" cstate="print">
+              <a:extLst>
+                <a:ext uri="{28A0092B-C50C-407E-A947-70E740481C1C}">
+                  <a14:useLocalDpi xmlns:a14="http://schemas.microsoft.com/office/drawing/2010/main" val="0"/>
+                </a:ext>
+              </a:extLst>
+            </a:blip>
+            <a:srcRect l="16830" t="26973" r="21993" b="24979"/>
+            <a:stretch/>
+          </p:blipFill>
+          <p:spPr bwMode="auto">
+            <a:xfrm>
+              <a:off x="6325317" y="1652563"/>
+              <a:ext cx="1644131" cy="1291314"/>
+            </a:xfrm>
+            <a:prstGeom prst="rect">
+              <a:avLst/>
+            </a:prstGeom>
+            <a:noFill/>
+            <a:extLst>
+              <a:ext uri="{909E8E84-426E-40DD-AFC4-6F175D3DCCD1}">
+                <a14:hiddenFill xmlns:a14="http://schemas.microsoft.com/office/drawing/2010/main">
+                  <a:solidFill>
+                    <a:srgbClr val="FFFFFF"/>
+                  </a:solidFill>
+                </a14:hiddenFill>
+              </a:ext>
+            </a:extLst>
+          </p:spPr>
+        </p:pic>
+        <p:sp>
+          <p:nvSpPr>
+            <p:cNvPr id="15" name="ZoneTexte 14"/>
+            <p:cNvSpPr txBox="1"/>
+            <p:nvPr/>
+          </p:nvSpPr>
+          <p:spPr>
+            <a:xfrm>
+              <a:off x="8240786" y="1909400"/>
+              <a:ext cx="3830939" cy="646331"/>
+            </a:xfrm>
+            <a:prstGeom prst="rect">
+              <a:avLst/>
+            </a:prstGeom>
+            <a:noFill/>
+          </p:spPr>
+          <p:txBody>
+            <a:bodyPr wrap="square" rtlCol="0">
+              <a:spAutoFit/>
+            </a:bodyPr>
+            <a:lstStyle/>
+            <a:p>
+              <a:r>
+                <a:rPr lang="fr-CH" sz="1200" dirty="0" smtClean="0">
+                  <a:latin typeface="Times New Roman" panose="02020603050405020304" pitchFamily="18" charset="0"/>
+                  <a:cs typeface="Times New Roman" panose="02020603050405020304" pitchFamily="18" charset="0"/>
+                </a:rPr>
+                <a:t>Profondeur	:	950	[m] </a:t>
+              </a:r>
+            </a:p>
+            <a:p>
+              <a:r>
+                <a:rPr lang="fr-CH" sz="1200" dirty="0" smtClean="0">
+                  <a:latin typeface="Times New Roman" panose="02020603050405020304" pitchFamily="18" charset="0"/>
+                  <a:cs typeface="Times New Roman" panose="02020603050405020304" pitchFamily="18" charset="0"/>
+                </a:rPr>
+                <a:t>Température	:	0… 40 	[°C]</a:t>
+              </a:r>
+            </a:p>
+            <a:p>
+              <a:r>
+                <a:rPr lang="fr-CH" sz="1200" dirty="0" smtClean="0">
+                  <a:latin typeface="Times New Roman" panose="02020603050405020304" pitchFamily="18" charset="0"/>
+                  <a:cs typeface="Times New Roman" panose="02020603050405020304" pitchFamily="18" charset="0"/>
+                </a:rPr>
+                <a:t>Tension max	:	26	[V]</a:t>
+              </a:r>
+              <a:endParaRPr lang="fr-CH" sz="1200" dirty="0">
+                <a:latin typeface="Times New Roman" panose="02020603050405020304" pitchFamily="18" charset="0"/>
+                <a:cs typeface="Times New Roman" panose="02020603050405020304" pitchFamily="18" charset="0"/>
+              </a:endParaRPr>
+            </a:p>
+          </p:txBody>
+        </p:sp>
+      </p:grpSp>
+      <p:grpSp>
+        <p:nvGrpSpPr>
+          <p:cNvPr id="14" name="Groupe 13"/>
+          <p:cNvGrpSpPr/>
+          <p:nvPr/>
+        </p:nvGrpSpPr>
+        <p:grpSpPr>
+          <a:xfrm>
+            <a:off x="6571547" y="2842101"/>
+            <a:ext cx="5500178" cy="1569660"/>
+            <a:chOff x="6571546" y="2973410"/>
+            <a:chExt cx="5500178" cy="1569660"/>
+          </a:xfrm>
+        </p:grpSpPr>
+        <p:pic>
+          <p:nvPicPr>
+            <p:cNvPr id="13" name="Image 12"/>
+            <p:cNvPicPr>
+              <a:picLocks noChangeAspect="1"/>
+            </p:cNvPicPr>
+            <p:nvPr/>
+          </p:nvPicPr>
+          <p:blipFill>
+            <a:blip r:embed="rId7" cstate="print">
+              <a:extLst>
+                <a:ext uri="{28A0092B-C50C-407E-A947-70E740481C1C}">
+                  <a14:useLocalDpi xmlns:a14="http://schemas.microsoft.com/office/drawing/2010/main" val="0"/>
+                </a:ext>
+              </a:extLst>
+            </a:blip>
+            <a:stretch>
+              <a:fillRect/>
+            </a:stretch>
+          </p:blipFill>
+          <p:spPr>
+            <a:xfrm>
+              <a:off x="6571546" y="3272465"/>
+              <a:ext cx="1485932" cy="1231466"/>
+            </a:xfrm>
+            <a:prstGeom prst="rect">
+              <a:avLst/>
+            </a:prstGeom>
+          </p:spPr>
+        </p:pic>
+        <p:sp>
+          <p:nvSpPr>
+            <p:cNvPr id="18" name="ZoneTexte 17"/>
+            <p:cNvSpPr txBox="1"/>
+            <p:nvPr/>
+          </p:nvSpPr>
+          <p:spPr>
+            <a:xfrm>
+              <a:off x="8240785" y="2973410"/>
+              <a:ext cx="3830939" cy="1569660"/>
+            </a:xfrm>
+            <a:prstGeom prst="rect">
+              <a:avLst/>
+            </a:prstGeom>
+            <a:noFill/>
+          </p:spPr>
+          <p:txBody>
+            <a:bodyPr wrap="square" rtlCol="0">
+              <a:spAutoFit/>
+            </a:bodyPr>
+            <a:lstStyle/>
+            <a:p>
+              <a:r>
+                <a:rPr lang="fr-CH" sz="1200" dirty="0" smtClean="0">
+                  <a:latin typeface="Times New Roman" panose="02020603050405020304" pitchFamily="18" charset="0"/>
+                  <a:cs typeface="Times New Roman" panose="02020603050405020304" pitchFamily="18" charset="0"/>
+                </a:rPr>
+                <a:t>Mémoire	:	64+3	[</a:t>
+              </a:r>
+              <a:r>
+                <a:rPr lang="fr-CH" sz="1200" dirty="0" err="1" smtClean="0">
+                  <a:latin typeface="Times New Roman" panose="02020603050405020304" pitchFamily="18" charset="0"/>
+                  <a:cs typeface="Times New Roman" panose="02020603050405020304" pitchFamily="18" charset="0"/>
+                </a:rPr>
+                <a:t>kB</a:t>
+              </a:r>
+              <a:r>
+                <a:rPr lang="fr-CH" sz="1200" dirty="0" smtClean="0">
+                  <a:latin typeface="Times New Roman" panose="02020603050405020304" pitchFamily="18" charset="0"/>
+                  <a:cs typeface="Times New Roman" panose="02020603050405020304" pitchFamily="18" charset="0"/>
+                </a:rPr>
+                <a:t>] </a:t>
+              </a:r>
+            </a:p>
+            <a:p>
+              <a:r>
+                <a:rPr lang="fr-CH" sz="1200" dirty="0" smtClean="0">
+                  <a:latin typeface="Times New Roman" panose="02020603050405020304" pitchFamily="18" charset="0"/>
+                  <a:cs typeface="Times New Roman" panose="02020603050405020304" pitchFamily="18" charset="0"/>
+                </a:rPr>
+                <a:t>Pins	:	44 	[-]</a:t>
+              </a:r>
+            </a:p>
+            <a:p>
+              <a:r>
+                <a:rPr lang="fr-CH" sz="1200" dirty="0" err="1" smtClean="0">
+                  <a:latin typeface="Times New Roman" panose="02020603050405020304" pitchFamily="18" charset="0"/>
+                  <a:cs typeface="Times New Roman" panose="02020603050405020304" pitchFamily="18" charset="0"/>
+                </a:rPr>
+                <a:t>Timers</a:t>
+              </a:r>
+              <a:r>
+                <a:rPr lang="fr-CH" sz="1200" dirty="0" smtClean="0">
+                  <a:latin typeface="Times New Roman" panose="02020603050405020304" pitchFamily="18" charset="0"/>
+                  <a:cs typeface="Times New Roman" panose="02020603050405020304" pitchFamily="18" charset="0"/>
+                </a:rPr>
+                <a:t>	:	5	[-]</a:t>
+              </a:r>
+            </a:p>
+            <a:p>
+              <a:r>
+                <a:rPr lang="fr-CH" sz="1200" dirty="0" smtClean="0">
+                  <a:latin typeface="Times New Roman" panose="02020603050405020304" pitchFamily="18" charset="0"/>
+                  <a:cs typeface="Times New Roman" panose="02020603050405020304" pitchFamily="18" charset="0"/>
+                </a:rPr>
+                <a:t>UART	:	2	[-]</a:t>
+              </a:r>
+            </a:p>
+            <a:p>
+              <a:r>
+                <a:rPr lang="fr-CH" sz="1200" dirty="0" smtClean="0">
+                  <a:latin typeface="Times New Roman" panose="02020603050405020304" pitchFamily="18" charset="0"/>
+                  <a:cs typeface="Times New Roman" panose="02020603050405020304" pitchFamily="18" charset="0"/>
+                </a:rPr>
+                <a:t>SPI	:	2</a:t>
+              </a:r>
+              <a:r>
+                <a:rPr lang="fr-CH" sz="1200" dirty="0">
+                  <a:latin typeface="Times New Roman" panose="02020603050405020304" pitchFamily="18" charset="0"/>
+                  <a:cs typeface="Times New Roman" panose="02020603050405020304" pitchFamily="18" charset="0"/>
+                </a:rPr>
+                <a:t>	</a:t>
+              </a:r>
+              <a:r>
+                <a:rPr lang="fr-CH" sz="1200" dirty="0" smtClean="0">
+                  <a:latin typeface="Times New Roman" panose="02020603050405020304" pitchFamily="18" charset="0"/>
+                  <a:cs typeface="Times New Roman" panose="02020603050405020304" pitchFamily="18" charset="0"/>
+                </a:rPr>
+                <a:t>[-]</a:t>
+              </a:r>
+              <a:endParaRPr lang="fr-CH" sz="1200" dirty="0" smtClean="0">
+                <a:latin typeface="Times New Roman" panose="02020603050405020304" pitchFamily="18" charset="0"/>
+                <a:cs typeface="Times New Roman" panose="02020603050405020304" pitchFamily="18" charset="0"/>
+              </a:endParaRPr>
+            </a:p>
+            <a:p>
+              <a:r>
+                <a:rPr lang="fr-CH" sz="1200" dirty="0" smtClean="0">
+                  <a:latin typeface="Times New Roman" panose="02020603050405020304" pitchFamily="18" charset="0"/>
+                  <a:cs typeface="Times New Roman" panose="02020603050405020304" pitchFamily="18" charset="0"/>
+                </a:rPr>
+                <a:t>I2C	:	2	[-]</a:t>
+              </a:r>
+            </a:p>
+            <a:p>
+              <a:r>
+                <a:rPr lang="fr-CH" sz="1200" dirty="0" smtClean="0">
+                  <a:latin typeface="Times New Roman" panose="02020603050405020304" pitchFamily="18" charset="0"/>
+                  <a:cs typeface="Times New Roman" panose="02020603050405020304" pitchFamily="18" charset="0"/>
+                </a:rPr>
+                <a:t>ADC</a:t>
+              </a:r>
+              <a:r>
+                <a:rPr lang="fr-CH" sz="1200" dirty="0">
+                  <a:latin typeface="Times New Roman" panose="02020603050405020304" pitchFamily="18" charset="0"/>
+                  <a:cs typeface="Times New Roman" panose="02020603050405020304" pitchFamily="18" charset="0"/>
+                </a:rPr>
+                <a:t>	:	3	</a:t>
+              </a:r>
+              <a:r>
+                <a:rPr lang="fr-CH" sz="1200" dirty="0" smtClean="0">
+                  <a:latin typeface="Times New Roman" panose="02020603050405020304" pitchFamily="18" charset="0"/>
+                  <a:cs typeface="Times New Roman" panose="02020603050405020304" pitchFamily="18" charset="0"/>
+                </a:rPr>
+                <a:t>[-]</a:t>
+              </a:r>
+              <a:endParaRPr lang="fr-CH" sz="1200" dirty="0" smtClean="0">
+                <a:latin typeface="Times New Roman" panose="02020603050405020304" pitchFamily="18" charset="0"/>
+                <a:cs typeface="Times New Roman" panose="02020603050405020304" pitchFamily="18" charset="0"/>
+              </a:endParaRPr>
+            </a:p>
+            <a:p>
+              <a:r>
+                <a:rPr lang="fr-CH" sz="1200" dirty="0" smtClean="0">
+                  <a:latin typeface="Times New Roman" panose="02020603050405020304" pitchFamily="18" charset="0"/>
+                  <a:cs typeface="Times New Roman" panose="02020603050405020304" pitchFamily="18" charset="0"/>
+                </a:rPr>
+                <a:t>RTCC	:	Oui</a:t>
+              </a:r>
+              <a:endParaRPr lang="fr-CH" sz="1200" dirty="0">
+                <a:latin typeface="Times New Roman" panose="02020603050405020304" pitchFamily="18" charset="0"/>
+                <a:cs typeface="Times New Roman" panose="02020603050405020304" pitchFamily="18" charset="0"/>
+              </a:endParaRPr>
+            </a:p>
+          </p:txBody>
+        </p:sp>
+      </p:grpSp>
+      <p:pic>
+        <p:nvPicPr>
+          <p:cNvPr id="2050" name="Picture 2" descr="5251"/>
+          <p:cNvPicPr>
+            <a:picLocks noChangeAspect="1" noChangeArrowheads="1"/>
+          </p:cNvPicPr>
+          <p:nvPr/>
+        </p:nvPicPr>
+        <p:blipFill rotWithShape="1">
+          <a:blip r:embed="rId8">
+            <a:extLst>
+              <a:ext uri="{BEBA8EAE-BF5A-486C-A8C5-ECC9F3942E4B}">
+                <a14:imgProps xmlns:a14="http://schemas.microsoft.com/office/drawing/2010/main">
+                  <a14:imgLayer r:embed="rId9">
+                    <a14:imgEffect>
+                      <a14:backgroundRemoval t="10000" b="90000" l="10000" r="90000"/>
+                    </a14:imgEffect>
+                  </a14:imgLayer>
+                </a14:imgProps>
+              </a:ext>
+              <a:ext uri="{28A0092B-C50C-407E-A947-70E740481C1C}">
+                <a14:useLocalDpi xmlns:a14="http://schemas.microsoft.com/office/drawing/2010/main" val="0"/>
+              </a:ext>
+            </a:extLst>
+          </a:blip>
+          <a:srcRect l="27345" t="31951" r="27302" b="33461"/>
+          <a:stretch/>
+        </p:blipFill>
+        <p:spPr bwMode="auto">
+          <a:xfrm>
+            <a:off x="7102039" y="4927431"/>
+            <a:ext cx="1472235" cy="1122794"/>
+          </a:xfrm>
+          <a:prstGeom prst="rect">
+            <a:avLst/>
+          </a:prstGeom>
+          <a:noFill/>
+          <a:extLst>
+            <a:ext uri="{909E8E84-426E-40DD-AFC4-6F175D3DCCD1}">
+              <a14:hiddenFill xmlns:a14="http://schemas.microsoft.com/office/drawing/2010/main">
+                <a:solidFill>
+                  <a:srgbClr val="FFFFFF"/>
+                </a:solidFill>
+              </a14:hiddenFill>
+            </a:ext>
+          </a:extLst>
+        </p:spPr>
+      </p:pic>
+      <p:pic>
+        <p:nvPicPr>
+          <p:cNvPr id="2052" name="Picture 4" descr="Kingbright3.2 V, 4.1 V, 4.5 V RGB LED 5050 SMD, KAAF-5050RGBS-13 | RS"/>
+          <p:cNvPicPr>
+            <a:picLocks noChangeAspect="1" noChangeArrowheads="1"/>
+          </p:cNvPicPr>
+          <p:nvPr/>
+        </p:nvPicPr>
+        <p:blipFill rotWithShape="1">
+          <a:blip r:embed="rId10" cstate="print">
+            <a:extLst>
+              <a:ext uri="{BEBA8EAE-BF5A-486C-A8C5-ECC9F3942E4B}">
+                <a14:imgProps xmlns:a14="http://schemas.microsoft.com/office/drawing/2010/main">
+                  <a14:imgLayer r:embed="rId11">
+                    <a14:imgEffect>
+                      <a14:backgroundRemoval t="2375" b="98021" l="10000" r="90000"/>
+                    </a14:imgEffect>
+                  </a14:imgLayer>
+                </a14:imgProps>
+              </a:ext>
+              <a:ext uri="{28A0092B-C50C-407E-A947-70E740481C1C}">
+                <a14:useLocalDpi xmlns:a14="http://schemas.microsoft.com/office/drawing/2010/main" val="0"/>
+              </a:ext>
+            </a:extLst>
+          </a:blip>
+          <a:srcRect l="19779" t="1894" r="19269" b="1210"/>
+          <a:stretch/>
+        </p:blipFill>
+        <p:spPr bwMode="auto">
+          <a:xfrm>
+            <a:off x="9175657" y="4891492"/>
+            <a:ext cx="1442029" cy="1287145"/>
+          </a:xfrm>
+          <a:prstGeom prst="rect">
+            <a:avLst/>
+          </a:prstGeom>
+          <a:noFill/>
+          <a:extLst>
+            <a:ext uri="{909E8E84-426E-40DD-AFC4-6F175D3DCCD1}">
+              <a14:hiddenFill xmlns:a14="http://schemas.microsoft.com/office/drawing/2010/main">
+                <a:solidFill>
+                  <a:srgbClr val="FFFFFF"/>
+                </a:solidFill>
+              </a14:hiddenFill>
+            </a:ext>
+          </a:extLst>
+        </p:spPr>
+      </p:pic>
+      <p:pic>
+        <p:nvPicPr>
+          <p:cNvPr id="2054" name="Picture 6" descr="https://cdn1-shop.mikroe.com/img/product/ldo-click/ldo-click-thickbox_default-2.jpg"/>
+          <p:cNvPicPr>
+            <a:picLocks noChangeAspect="1" noChangeArrowheads="1"/>
+          </p:cNvPicPr>
+          <p:nvPr/>
+        </p:nvPicPr>
+        <p:blipFill rotWithShape="1">
+          <a:blip r:embed="rId12" cstate="print">
+            <a:extLst>
+              <a:ext uri="{BEBA8EAE-BF5A-486C-A8C5-ECC9F3942E4B}">
+                <a14:imgProps xmlns:a14="http://schemas.microsoft.com/office/drawing/2010/main">
+                  <a14:imgLayer r:embed="rId13">
+                    <a14:imgEffect>
+                      <a14:backgroundRemoval t="7000" b="93500" l="10000" r="90000"/>
+                    </a14:imgEffect>
+                  </a14:imgLayer>
+                </a14:imgProps>
+              </a:ext>
+              <a:ext uri="{28A0092B-C50C-407E-A947-70E740481C1C}">
+                <a14:useLocalDpi xmlns:a14="http://schemas.microsoft.com/office/drawing/2010/main" val="0"/>
+              </a:ext>
+            </a:extLst>
+          </a:blip>
+          <a:srcRect l="27847" t="6761" r="32624" b="7403"/>
+          <a:stretch/>
+        </p:blipFill>
+        <p:spPr bwMode="auto">
+          <a:xfrm rot="5400000">
+            <a:off x="4689002" y="4110746"/>
+            <a:ext cx="1254041" cy="2723060"/>
+          </a:xfrm>
+          <a:prstGeom prst="rect">
+            <a:avLst/>
+          </a:prstGeom>
+          <a:noFill/>
+          <a:extLst>
+            <a:ext uri="{909E8E84-426E-40DD-AFC4-6F175D3DCCD1}">
+              <a14:hiddenFill xmlns:a14="http://schemas.microsoft.com/office/drawing/2010/main">
+                <a:solidFill>
+                  <a:srgbClr val="FFFFFF"/>
+                </a:solidFill>
+              </a14:hiddenFill>
+            </a:ext>
+          </a:extLst>
+        </p:spPr>
+      </p:pic>
+    </p:spTree>
+    <p:extLst>
+      <p:ext uri="{BB962C8B-B14F-4D97-AF65-F5344CB8AC3E}">
+        <p14:creationId xmlns:p14="http://schemas.microsoft.com/office/powerpoint/2010/main" val="690245551"/>
+      </p:ext>
+    </p:extLst>
+  </p:cSld>
+  <p:clrMapOvr>
+    <a:masterClrMapping/>
+  </p:clrMapOvr>
+  <mc:AlternateContent xmlns:mc="http://schemas.openxmlformats.org/markup-compatibility/2006">
+    <mc:Choice xmlns:p14="http://schemas.microsoft.com/office/powerpoint/2010/main" Requires="p14">
+      <p:transition>
+        <p14:reveal/>
+      </p:transition>
+    </mc:Choice>
+    <mc:Fallback>
+      <p:transition>
+        <p:fade/>
+      </p:transition>
+    </mc:Fallback>
+  </mc:AlternateContent>
+  <p:timing>
+    <p:tnLst>
+      <p:par>
+        <p:cTn id="1" dur="indefinite" restart="never" nodeType="tmRoot"/>
+      </p:par>
+    </p:tnLst>
+  </p:timing>
+</p:sld>
+</file>
+
+<file path=ppt/slides/slide9.xml><?xml version="1.0" encoding="utf-8"?>
+<p:sld xmlns:a="http://schemas.openxmlformats.org/drawingml/2006/main" xmlns:r="http://schemas.openxmlformats.org/officeDocument/2006/relationships" xmlns:p="http://schemas.openxmlformats.org/presentationml/2006/main">
+  <p:cSld>
+    <p:spTree>
+      <p:nvGrpSpPr>
+        <p:cNvPr id="1" name=""/>
+        <p:cNvGrpSpPr/>
+        <p:nvPr/>
+      </p:nvGrpSpPr>
+      <p:grpSpPr>
+        <a:xfrm>
+          <a:off x="0" y="0"/>
+          <a:ext cx="0" cy="0"/>
+          <a:chOff x="0" y="0"/>
+          <a:chExt cx="0" cy="0"/>
+        </a:xfrm>
+      </p:grpSpPr>
+      <p:sp>
+        <p:nvSpPr>
+          <p:cNvPr id="6" name="Rectangle 5"/>
+          <p:cNvSpPr/>
+          <p:nvPr/>
+        </p:nvSpPr>
+        <p:spPr>
+          <a:xfrm>
+            <a:off x="0" y="365125"/>
+            <a:ext cx="12192000" cy="473075"/>
+          </a:xfrm>
+          <a:prstGeom prst="rect">
+            <a:avLst/>
+          </a:prstGeom>
+          <a:solidFill>
+            <a:schemeClr val="bg1">
+              <a:lumMod val="95000"/>
+            </a:schemeClr>
+          </a:solidFill>
+          <a:ln>
+            <a:solidFill>
+              <a:schemeClr val="bg1">
+                <a:lumMod val="95000"/>
+              </a:schemeClr>
+            </a:solidFill>
+          </a:ln>
+        </p:spPr>
+        <p:style>
+          <a:lnRef idx="2">
+            <a:schemeClr val="accent1">
+              <a:shade val="50000"/>
+            </a:schemeClr>
+          </a:lnRef>
+          <a:fillRef idx="1">
+            <a:schemeClr val="accent1"/>
+          </a:fillRef>
+          <a:effectRef idx="0">
+            <a:schemeClr val="accent1"/>
+          </a:effectRef>
+          <a:fontRef idx="minor">
+            <a:schemeClr val="lt1"/>
+          </a:fontRef>
+        </p:style>
+        <p:txBody>
+          <a:bodyPr rtlCol="0" anchor="ctr"/>
+          <a:lstStyle/>
+          <a:p>
+            <a:pPr algn="ctr"/>
+            <a:endParaRPr lang="fr-CH"/>
+          </a:p>
+        </p:txBody>
+      </p:sp>
+      <p:sp>
+        <p:nvSpPr>
+          <p:cNvPr id="4" name="Rectangle 3"/>
+          <p:cNvSpPr/>
+          <p:nvPr/>
+        </p:nvSpPr>
+        <p:spPr>
+          <a:xfrm>
+            <a:off x="1" y="0"/>
+            <a:ext cx="12192000" cy="365125"/>
+          </a:xfrm>
+          <a:prstGeom prst="rect">
+            <a:avLst/>
+          </a:prstGeom>
+          <a:solidFill>
+            <a:srgbClr val="002060"/>
+          </a:solidFill>
+          <a:ln>
+            <a:solidFill>
+              <a:srgbClr val="002060"/>
+            </a:solidFill>
+          </a:ln>
+        </p:spPr>
+        <p:style>
+          <a:lnRef idx="2">
+            <a:schemeClr val="accent1">
+              <a:shade val="50000"/>
+            </a:schemeClr>
+          </a:lnRef>
+          <a:fillRef idx="1">
+            <a:schemeClr val="accent1"/>
+          </a:fillRef>
+          <a:effectRef idx="0">
+            <a:schemeClr val="accent1"/>
+          </a:effectRef>
+          <a:fontRef idx="minor">
+            <a:schemeClr val="lt1"/>
+          </a:fontRef>
+        </p:style>
+        <p:txBody>
+          <a:bodyPr rtlCol="0" anchor="ctr"/>
+          <a:lstStyle/>
+          <a:p>
+            <a:pPr algn="ctr"/>
+            <a:endParaRPr lang="fr-CH"/>
+          </a:p>
+        </p:txBody>
+      </p:sp>
+      <p:sp>
+        <p:nvSpPr>
+          <p:cNvPr id="2" name="Titre 1"/>
+          <p:cNvSpPr>
+            <a:spLocks noGrp="1"/>
+          </p:cNvSpPr>
+          <p:nvPr>
+            <p:ph type="title"/>
+          </p:nvPr>
+        </p:nvSpPr>
+        <p:spPr>
+          <a:xfrm>
+            <a:off x="838200" y="365125"/>
+            <a:ext cx="10515600" cy="473075"/>
+          </a:xfrm>
+        </p:spPr>
+        <p:txBody>
+          <a:bodyPr>
+            <a:noAutofit/>
+          </a:bodyPr>
+          <a:lstStyle/>
+          <a:p>
+            <a:r>
+              <a:rPr lang="fr-CH" sz="2000" dirty="0">
+                <a:latin typeface="Helvetica" panose="020B0604020202030204" pitchFamily="34" charset="0"/>
+              </a:rPr>
+              <a:t>DESIGN</a:t>
+            </a:r>
+            <a:endParaRPr lang="fr-CH" sz="2000" dirty="0">
+              <a:latin typeface="Helvetica" panose="020B0604020202030204" pitchFamily="34" charset="0"/>
+            </a:endParaRPr>
+          </a:p>
+        </p:txBody>
+      </p:sp>
+      <p:sp>
+        <p:nvSpPr>
+          <p:cNvPr id="7" name="Rectangle 6"/>
+          <p:cNvSpPr/>
+          <p:nvPr/>
+        </p:nvSpPr>
+        <p:spPr>
+          <a:xfrm>
+            <a:off x="-1" y="849313"/>
+            <a:ext cx="5057775" cy="473075"/>
+          </a:xfrm>
+          <a:prstGeom prst="rect">
+            <a:avLst/>
+          </a:prstGeom>
+          <a:solidFill>
+            <a:schemeClr val="accent1">
+              <a:lumMod val="20000"/>
+              <a:lumOff val="80000"/>
+            </a:schemeClr>
+          </a:solidFill>
+          <a:ln>
+            <a:solidFill>
+              <a:schemeClr val="accent1">
+                <a:lumMod val="20000"/>
+                <a:lumOff val="80000"/>
+              </a:schemeClr>
+            </a:solidFill>
+          </a:ln>
+        </p:spPr>
+        <p:style>
+          <a:lnRef idx="2">
+            <a:schemeClr val="accent1">
+              <a:shade val="50000"/>
+            </a:schemeClr>
+          </a:lnRef>
+          <a:fillRef idx="1">
+            <a:schemeClr val="accent1"/>
+          </a:fillRef>
+          <a:effectRef idx="0">
+            <a:schemeClr val="accent1"/>
+          </a:effectRef>
+          <a:fontRef idx="minor">
+            <a:schemeClr val="lt1"/>
+          </a:fontRef>
+        </p:style>
+        <p:txBody>
+          <a:bodyPr rtlCol="0" anchor="ctr"/>
+          <a:lstStyle/>
+          <a:p>
+            <a:endParaRPr lang="fr-CH" sz="2000" dirty="0">
+              <a:solidFill>
+                <a:schemeClr val="tx1"/>
+              </a:solidFill>
+              <a:latin typeface="Helvetica" panose="020B0604020202030204" pitchFamily="34" charset="0"/>
+            </a:endParaRPr>
+          </a:p>
+        </p:txBody>
+      </p:sp>
+      <p:sp>
+        <p:nvSpPr>
+          <p:cNvPr id="9" name="Titre 1"/>
+          <p:cNvSpPr txBox="1">
+            <a:spLocks/>
+          </p:cNvSpPr>
+          <p:nvPr/>
+        </p:nvSpPr>
+        <p:spPr>
+          <a:xfrm>
+            <a:off x="838200" y="850900"/>
+            <a:ext cx="4219574" cy="473075"/>
+          </a:xfrm>
+          <a:prstGeom prst="rect">
+            <a:avLst/>
+          </a:prstGeom>
+        </p:spPr>
+        <p:txBody>
+          <a:bodyPr vert="horz" lIns="91440" tIns="45720" rIns="91440" bIns="45720" rtlCol="0" anchor="ctr">
+            <a:noAutofit/>
+          </a:bodyPr>
+          <a:lstStyle>
+            <a:lvl1pPr algn="l" defTabSz="914400" rtl="0" eaLnBrk="1" latinLnBrk="0" hangingPunct="1">
+              <a:lnSpc>
+                <a:spcPct val="90000"/>
+              </a:lnSpc>
+              <a:spcBef>
+                <a:spcPct val="0"/>
+              </a:spcBef>
+              <a:buNone/>
+              <a:defRPr sz="4400" kern="1200">
+                <a:solidFill>
+                  <a:schemeClr val="tx1"/>
+                </a:solidFill>
+                <a:latin typeface="+mj-lt"/>
+                <a:ea typeface="+mj-ea"/>
+                <a:cs typeface="+mj-cs"/>
+              </a:defRPr>
+            </a:lvl1pPr>
+          </a:lstStyle>
+          <a:p>
+            <a:r>
+              <a:rPr lang="fr-CH" sz="2000" dirty="0" smtClean="0">
+                <a:latin typeface="Helvetica" panose="020B0604020202030204" pitchFamily="34" charset="0"/>
+              </a:rPr>
+              <a:t>METHODOLOGIE - INTERFACES</a:t>
+            </a:r>
+            <a:endParaRPr lang="fr-CH" sz="2000" dirty="0">
+              <a:latin typeface="Helvetica" panose="020B0604020202030204" pitchFamily="34" charset="0"/>
+            </a:endParaRPr>
+          </a:p>
+        </p:txBody>
+      </p:sp>
+      <p:grpSp>
+        <p:nvGrpSpPr>
+          <p:cNvPr id="24" name="Groupe 23"/>
+          <p:cNvGrpSpPr/>
+          <p:nvPr/>
+        </p:nvGrpSpPr>
+        <p:grpSpPr>
+          <a:xfrm>
+            <a:off x="1478504" y="2010971"/>
+            <a:ext cx="4257675" cy="742986"/>
             <a:chOff x="2476500" y="2124075"/>
-            <a:chExt cx="4257675" cy="1552575"/>
+            <a:chExt cx="4257675" cy="742986"/>
           </a:xfrm>
         </p:grpSpPr>
         <p:sp>
           <p:nvSpPr>
-            <p:cNvPr id="5" name="Rectangle 4"/>
+            <p:cNvPr id="25" name="Rectangle 24"/>
             <p:cNvSpPr/>
             <p:nvPr/>
           </p:nvSpPr>
@@ -9569,7 +14159,7 @@
                 <a:rPr lang="fr-CH" dirty="0" smtClean="0">
                   <a:latin typeface="Helvetica" panose="020B0604020202030204" pitchFamily="34" charset="0"/>
                 </a:rPr>
-                <a:t>TIGE CONDUCTRICES</a:t>
+                <a:t>DONNEES IMU</a:t>
               </a:r>
               <a:endParaRPr lang="fr-CH" dirty="0">
                 <a:latin typeface="Helvetica" panose="020B0604020202030204" pitchFamily="34" charset="0"/>
@@ -9579,14 +14169,14 @@
         </p:sp>
         <p:sp>
           <p:nvSpPr>
-            <p:cNvPr id="11" name="Rectangle 10"/>
+            <p:cNvPr id="26" name="Rectangle 25"/>
             <p:cNvSpPr/>
             <p:nvPr/>
           </p:nvSpPr>
           <p:spPr>
             <a:xfrm>
               <a:off x="2476500" y="2476500"/>
-              <a:ext cx="4257675" cy="1200150"/>
+              <a:ext cx="4257675" cy="390561"/>
             </a:xfrm>
             <a:prstGeom prst="rect">
               <a:avLst/>
@@ -9624,6 +14214,7 @@
             <a:bodyPr rtlCol="0" anchor="t"/>
             <a:lstStyle/>
             <a:p>
+              <a:pPr algn="ctr"/>
               <a:r>
                 <a:rPr lang="fr-CH" dirty="0" smtClean="0">
                   <a:solidFill>
@@ -9631,8 +14222,821 @@
                   </a:solidFill>
                   <a:latin typeface="Helvetica" panose="020B0604020202030204" pitchFamily="34" charset="0"/>
                 </a:rPr>
-                <a:t>Il faut </a:t>
+                <a:t>I2C</a:t>
               </a:r>
+              <a:endParaRPr lang="fr-CH" dirty="0">
+                <a:solidFill>
+                  <a:schemeClr val="tx1"/>
+                </a:solidFill>
+                <a:latin typeface="Helvetica" panose="020B0604020202030204" pitchFamily="34" charset="0"/>
+              </a:endParaRPr>
+            </a:p>
+          </p:txBody>
+        </p:sp>
+      </p:grpSp>
+      <p:grpSp>
+        <p:nvGrpSpPr>
+          <p:cNvPr id="27" name="Groupe 26"/>
+          <p:cNvGrpSpPr/>
+          <p:nvPr/>
+        </p:nvGrpSpPr>
+        <p:grpSpPr>
+          <a:xfrm>
+            <a:off x="1478503" y="4852372"/>
+            <a:ext cx="4257675" cy="742986"/>
+            <a:chOff x="2476500" y="2124075"/>
+            <a:chExt cx="4257675" cy="742986"/>
+          </a:xfrm>
+        </p:grpSpPr>
+        <p:sp>
+          <p:nvSpPr>
+            <p:cNvPr id="28" name="Rectangle 27"/>
+            <p:cNvSpPr/>
+            <p:nvPr/>
+          </p:nvSpPr>
+          <p:spPr>
+            <a:xfrm>
+              <a:off x="2476500" y="2124075"/>
+              <a:ext cx="4257675" cy="352425"/>
+            </a:xfrm>
+            <a:prstGeom prst="rect">
+              <a:avLst/>
+            </a:prstGeom>
+            <a:solidFill>
+              <a:srgbClr val="002060"/>
+            </a:solidFill>
+            <a:ln>
+              <a:solidFill>
+                <a:srgbClr val="002060"/>
+              </a:solidFill>
+            </a:ln>
+          </p:spPr>
+          <p:style>
+            <a:lnRef idx="2">
+              <a:schemeClr val="accent1">
+                <a:shade val="50000"/>
+              </a:schemeClr>
+            </a:lnRef>
+            <a:fillRef idx="1">
+              <a:schemeClr val="accent1"/>
+            </a:fillRef>
+            <a:effectRef idx="0">
+              <a:schemeClr val="accent1"/>
+            </a:effectRef>
+            <a:fontRef idx="minor">
+              <a:schemeClr val="lt1"/>
+            </a:fontRef>
+          </p:style>
+          <p:txBody>
+            <a:bodyPr rtlCol="0" anchor="ctr"/>
+            <a:lstStyle/>
+            <a:p>
+              <a:pPr algn="ctr"/>
+              <a:r>
+                <a:rPr lang="fr-CH" dirty="0" smtClean="0">
+                  <a:latin typeface="Helvetica" panose="020B0604020202030204" pitchFamily="34" charset="0"/>
+                </a:rPr>
+                <a:t>PRESSION</a:t>
+              </a:r>
+              <a:endParaRPr lang="fr-CH" dirty="0">
+                <a:latin typeface="Helvetica" panose="020B0604020202030204" pitchFamily="34" charset="0"/>
+              </a:endParaRPr>
+            </a:p>
+          </p:txBody>
+        </p:sp>
+        <p:sp>
+          <p:nvSpPr>
+            <p:cNvPr id="29" name="Rectangle 28"/>
+            <p:cNvSpPr/>
+            <p:nvPr/>
+          </p:nvSpPr>
+          <p:spPr>
+            <a:xfrm>
+              <a:off x="2476500" y="2476500"/>
+              <a:ext cx="4257675" cy="390561"/>
+            </a:xfrm>
+            <a:prstGeom prst="rect">
+              <a:avLst/>
+            </a:prstGeom>
+            <a:solidFill>
+              <a:schemeClr val="bg1">
+                <a:lumMod val="95000"/>
+              </a:schemeClr>
+            </a:solidFill>
+            <a:ln>
+              <a:solidFill>
+                <a:schemeClr val="bg1">
+                  <a:lumMod val="95000"/>
+                </a:schemeClr>
+              </a:solidFill>
+            </a:ln>
+          </p:spPr>
+          <p:style>
+            <a:lnRef idx="2">
+              <a:schemeClr val="accent1">
+                <a:shade val="50000"/>
+              </a:schemeClr>
+            </a:lnRef>
+            <a:fillRef idx="1">
+              <a:schemeClr val="accent1"/>
+            </a:fillRef>
+            <a:effectRef idx="0">
+              <a:schemeClr val="accent1"/>
+            </a:effectRef>
+            <a:fontRef idx="minor">
+              <a:schemeClr val="lt1"/>
+            </a:fontRef>
+          </p:style>
+          <p:txBody>
+            <a:bodyPr rtlCol="0" anchor="t"/>
+            <a:lstStyle/>
+            <a:p>
+              <a:pPr algn="ctr"/>
+              <a:r>
+                <a:rPr lang="fr-CH" dirty="0" smtClean="0">
+                  <a:solidFill>
+                    <a:schemeClr val="tx1"/>
+                  </a:solidFill>
+                  <a:latin typeface="Helvetica" panose="020B0604020202030204" pitchFamily="34" charset="0"/>
+                </a:rPr>
+                <a:t>ADC</a:t>
+              </a:r>
+              <a:endParaRPr lang="fr-CH" dirty="0">
+                <a:solidFill>
+                  <a:schemeClr val="tx1"/>
+                </a:solidFill>
+                <a:latin typeface="Helvetica" panose="020B0604020202030204" pitchFamily="34" charset="0"/>
+              </a:endParaRPr>
+            </a:p>
+          </p:txBody>
+        </p:sp>
+      </p:grpSp>
+      <p:grpSp>
+        <p:nvGrpSpPr>
+          <p:cNvPr id="31" name="Groupe 30"/>
+          <p:cNvGrpSpPr/>
+          <p:nvPr/>
+        </p:nvGrpSpPr>
+        <p:grpSpPr>
+          <a:xfrm>
+            <a:off x="1478504" y="2966068"/>
+            <a:ext cx="4257675" cy="742986"/>
+            <a:chOff x="2476500" y="2124075"/>
+            <a:chExt cx="4257675" cy="742986"/>
+          </a:xfrm>
+        </p:grpSpPr>
+        <p:sp>
+          <p:nvSpPr>
+            <p:cNvPr id="32" name="Rectangle 31"/>
+            <p:cNvSpPr/>
+            <p:nvPr/>
+          </p:nvSpPr>
+          <p:spPr>
+            <a:xfrm>
+              <a:off x="2476500" y="2124075"/>
+              <a:ext cx="4257675" cy="352425"/>
+            </a:xfrm>
+            <a:prstGeom prst="rect">
+              <a:avLst/>
+            </a:prstGeom>
+            <a:solidFill>
+              <a:srgbClr val="002060"/>
+            </a:solidFill>
+            <a:ln>
+              <a:solidFill>
+                <a:srgbClr val="002060"/>
+              </a:solidFill>
+            </a:ln>
+          </p:spPr>
+          <p:style>
+            <a:lnRef idx="2">
+              <a:schemeClr val="accent1">
+                <a:shade val="50000"/>
+              </a:schemeClr>
+            </a:lnRef>
+            <a:fillRef idx="1">
+              <a:schemeClr val="accent1"/>
+            </a:fillRef>
+            <a:effectRef idx="0">
+              <a:schemeClr val="accent1"/>
+            </a:effectRef>
+            <a:fontRef idx="minor">
+              <a:schemeClr val="lt1"/>
+            </a:fontRef>
+          </p:style>
+          <p:txBody>
+            <a:bodyPr rtlCol="0" anchor="ctr"/>
+            <a:lstStyle/>
+            <a:p>
+              <a:pPr algn="ctr"/>
+              <a:r>
+                <a:rPr lang="fr-CH" dirty="0" smtClean="0">
+                  <a:latin typeface="Helvetica" panose="020B0604020202030204" pitchFamily="34" charset="0"/>
+                </a:rPr>
+                <a:t>CARTE SD</a:t>
+              </a:r>
+              <a:endParaRPr lang="fr-CH" dirty="0">
+                <a:latin typeface="Helvetica" panose="020B0604020202030204" pitchFamily="34" charset="0"/>
+              </a:endParaRPr>
+            </a:p>
+          </p:txBody>
+        </p:sp>
+        <p:sp>
+          <p:nvSpPr>
+            <p:cNvPr id="33" name="Rectangle 32"/>
+            <p:cNvSpPr/>
+            <p:nvPr/>
+          </p:nvSpPr>
+          <p:spPr>
+            <a:xfrm>
+              <a:off x="2476500" y="2476500"/>
+              <a:ext cx="4257675" cy="390561"/>
+            </a:xfrm>
+            <a:prstGeom prst="rect">
+              <a:avLst/>
+            </a:prstGeom>
+            <a:solidFill>
+              <a:schemeClr val="bg1">
+                <a:lumMod val="95000"/>
+              </a:schemeClr>
+            </a:solidFill>
+            <a:ln>
+              <a:solidFill>
+                <a:schemeClr val="bg1">
+                  <a:lumMod val="95000"/>
+                </a:schemeClr>
+              </a:solidFill>
+            </a:ln>
+          </p:spPr>
+          <p:style>
+            <a:lnRef idx="2">
+              <a:schemeClr val="accent1">
+                <a:shade val="50000"/>
+              </a:schemeClr>
+            </a:lnRef>
+            <a:fillRef idx="1">
+              <a:schemeClr val="accent1"/>
+            </a:fillRef>
+            <a:effectRef idx="0">
+              <a:schemeClr val="accent1"/>
+            </a:effectRef>
+            <a:fontRef idx="minor">
+              <a:schemeClr val="lt1"/>
+            </a:fontRef>
+          </p:style>
+          <p:txBody>
+            <a:bodyPr rtlCol="0" anchor="t"/>
+            <a:lstStyle/>
+            <a:p>
+              <a:pPr algn="ctr"/>
+              <a:r>
+                <a:rPr lang="fr-CH" dirty="0" smtClean="0">
+                  <a:solidFill>
+                    <a:schemeClr val="tx1"/>
+                  </a:solidFill>
+                  <a:latin typeface="Helvetica" panose="020B0604020202030204" pitchFamily="34" charset="0"/>
+                </a:rPr>
+                <a:t>SPI</a:t>
+              </a:r>
+              <a:endParaRPr lang="fr-CH" dirty="0">
+                <a:solidFill>
+                  <a:schemeClr val="tx1"/>
+                </a:solidFill>
+                <a:latin typeface="Helvetica" panose="020B0604020202030204" pitchFamily="34" charset="0"/>
+              </a:endParaRPr>
+            </a:p>
+          </p:txBody>
+        </p:sp>
+      </p:grpSp>
+      <p:grpSp>
+        <p:nvGrpSpPr>
+          <p:cNvPr id="34" name="Groupe 33"/>
+          <p:cNvGrpSpPr/>
+          <p:nvPr/>
+        </p:nvGrpSpPr>
+        <p:grpSpPr>
+          <a:xfrm>
+            <a:off x="1478504" y="3916868"/>
+            <a:ext cx="4257675" cy="742986"/>
+            <a:chOff x="2476500" y="2124075"/>
+            <a:chExt cx="4257675" cy="742986"/>
+          </a:xfrm>
+        </p:grpSpPr>
+        <p:sp>
+          <p:nvSpPr>
+            <p:cNvPr id="35" name="Rectangle 34"/>
+            <p:cNvSpPr/>
+            <p:nvPr/>
+          </p:nvSpPr>
+          <p:spPr>
+            <a:xfrm>
+              <a:off x="2476500" y="2124075"/>
+              <a:ext cx="4257675" cy="352425"/>
+            </a:xfrm>
+            <a:prstGeom prst="rect">
+              <a:avLst/>
+            </a:prstGeom>
+            <a:solidFill>
+              <a:srgbClr val="002060"/>
+            </a:solidFill>
+            <a:ln>
+              <a:solidFill>
+                <a:srgbClr val="002060"/>
+              </a:solidFill>
+            </a:ln>
+          </p:spPr>
+          <p:style>
+            <a:lnRef idx="2">
+              <a:schemeClr val="accent1">
+                <a:shade val="50000"/>
+              </a:schemeClr>
+            </a:lnRef>
+            <a:fillRef idx="1">
+              <a:schemeClr val="accent1"/>
+            </a:fillRef>
+            <a:effectRef idx="0">
+              <a:schemeClr val="accent1"/>
+            </a:effectRef>
+            <a:fontRef idx="minor">
+              <a:schemeClr val="lt1"/>
+            </a:fontRef>
+          </p:style>
+          <p:txBody>
+            <a:bodyPr rtlCol="0" anchor="ctr"/>
+            <a:lstStyle/>
+            <a:p>
+              <a:pPr algn="ctr"/>
+              <a:r>
+                <a:rPr lang="fr-CH" dirty="0" smtClean="0">
+                  <a:latin typeface="Helvetica" panose="020B0604020202030204" pitchFamily="34" charset="0"/>
+                </a:rPr>
+                <a:t>DONNEES IMU</a:t>
+              </a:r>
+              <a:endParaRPr lang="fr-CH" dirty="0">
+                <a:latin typeface="Helvetica" panose="020B0604020202030204" pitchFamily="34" charset="0"/>
+              </a:endParaRPr>
+            </a:p>
+          </p:txBody>
+        </p:sp>
+        <p:sp>
+          <p:nvSpPr>
+            <p:cNvPr id="36" name="Rectangle 35"/>
+            <p:cNvSpPr/>
+            <p:nvPr/>
+          </p:nvSpPr>
+          <p:spPr>
+            <a:xfrm>
+              <a:off x="2476500" y="2476500"/>
+              <a:ext cx="4257675" cy="390561"/>
+            </a:xfrm>
+            <a:prstGeom prst="rect">
+              <a:avLst/>
+            </a:prstGeom>
+            <a:solidFill>
+              <a:schemeClr val="bg1">
+                <a:lumMod val="95000"/>
+              </a:schemeClr>
+            </a:solidFill>
+            <a:ln>
+              <a:solidFill>
+                <a:schemeClr val="bg1">
+                  <a:lumMod val="95000"/>
+                </a:schemeClr>
+              </a:solidFill>
+            </a:ln>
+          </p:spPr>
+          <p:style>
+            <a:lnRef idx="2">
+              <a:schemeClr val="accent1">
+                <a:shade val="50000"/>
+              </a:schemeClr>
+            </a:lnRef>
+            <a:fillRef idx="1">
+              <a:schemeClr val="accent1"/>
+            </a:fillRef>
+            <a:effectRef idx="0">
+              <a:schemeClr val="accent1"/>
+            </a:effectRef>
+            <a:fontRef idx="minor">
+              <a:schemeClr val="lt1"/>
+            </a:fontRef>
+          </p:style>
+          <p:txBody>
+            <a:bodyPr rtlCol="0" anchor="t"/>
+            <a:lstStyle/>
+            <a:p>
+              <a:pPr algn="ctr"/>
+              <a:r>
+                <a:rPr lang="fr-CH" dirty="0" smtClean="0">
+                  <a:solidFill>
+                    <a:schemeClr val="tx1"/>
+                  </a:solidFill>
+                  <a:latin typeface="Helvetica" panose="020B0604020202030204" pitchFamily="34" charset="0"/>
+                </a:rPr>
+                <a:t>I2C</a:t>
+              </a:r>
+              <a:endParaRPr lang="fr-CH" dirty="0">
+                <a:solidFill>
+                  <a:schemeClr val="tx1"/>
+                </a:solidFill>
+                <a:latin typeface="Helvetica" panose="020B0604020202030204" pitchFamily="34" charset="0"/>
+              </a:endParaRPr>
+            </a:p>
+          </p:txBody>
+        </p:sp>
+      </p:grpSp>
+      <p:grpSp>
+        <p:nvGrpSpPr>
+          <p:cNvPr id="37" name="Groupe 36"/>
+          <p:cNvGrpSpPr/>
+          <p:nvPr/>
+        </p:nvGrpSpPr>
+        <p:grpSpPr>
+          <a:xfrm>
+            <a:off x="6344545" y="4852372"/>
+            <a:ext cx="4257675" cy="742986"/>
+            <a:chOff x="2476500" y="2124075"/>
+            <a:chExt cx="4257675" cy="742986"/>
+          </a:xfrm>
+        </p:grpSpPr>
+        <p:sp>
+          <p:nvSpPr>
+            <p:cNvPr id="38" name="Rectangle 37"/>
+            <p:cNvSpPr/>
+            <p:nvPr/>
+          </p:nvSpPr>
+          <p:spPr>
+            <a:xfrm>
+              <a:off x="2476500" y="2124075"/>
+              <a:ext cx="4257675" cy="352425"/>
+            </a:xfrm>
+            <a:prstGeom prst="rect">
+              <a:avLst/>
+            </a:prstGeom>
+            <a:solidFill>
+              <a:srgbClr val="002060"/>
+            </a:solidFill>
+            <a:ln>
+              <a:solidFill>
+                <a:srgbClr val="002060"/>
+              </a:solidFill>
+            </a:ln>
+          </p:spPr>
+          <p:style>
+            <a:lnRef idx="2">
+              <a:schemeClr val="accent1">
+                <a:shade val="50000"/>
+              </a:schemeClr>
+            </a:lnRef>
+            <a:fillRef idx="1">
+              <a:schemeClr val="accent1"/>
+            </a:fillRef>
+            <a:effectRef idx="0">
+              <a:schemeClr val="accent1"/>
+            </a:effectRef>
+            <a:fontRef idx="minor">
+              <a:schemeClr val="lt1"/>
+            </a:fontRef>
+          </p:style>
+          <p:txBody>
+            <a:bodyPr rtlCol="0" anchor="ctr"/>
+            <a:lstStyle/>
+            <a:p>
+              <a:pPr algn="ctr"/>
+              <a:r>
+                <a:rPr lang="fr-CH" dirty="0" smtClean="0">
+                  <a:latin typeface="Helvetica" panose="020B0604020202030204" pitchFamily="34" charset="0"/>
+                </a:rPr>
+                <a:t>NIVEAU BATTERIE</a:t>
+              </a:r>
+              <a:endParaRPr lang="fr-CH" dirty="0">
+                <a:latin typeface="Helvetica" panose="020B0604020202030204" pitchFamily="34" charset="0"/>
+              </a:endParaRPr>
+            </a:p>
+          </p:txBody>
+        </p:sp>
+        <p:sp>
+          <p:nvSpPr>
+            <p:cNvPr id="39" name="Rectangle 38"/>
+            <p:cNvSpPr/>
+            <p:nvPr/>
+          </p:nvSpPr>
+          <p:spPr>
+            <a:xfrm>
+              <a:off x="2476500" y="2476500"/>
+              <a:ext cx="4257675" cy="390561"/>
+            </a:xfrm>
+            <a:prstGeom prst="rect">
+              <a:avLst/>
+            </a:prstGeom>
+            <a:solidFill>
+              <a:schemeClr val="bg1">
+                <a:lumMod val="95000"/>
+              </a:schemeClr>
+            </a:solidFill>
+            <a:ln>
+              <a:solidFill>
+                <a:schemeClr val="bg1">
+                  <a:lumMod val="95000"/>
+                </a:schemeClr>
+              </a:solidFill>
+            </a:ln>
+          </p:spPr>
+          <p:style>
+            <a:lnRef idx="2">
+              <a:schemeClr val="accent1">
+                <a:shade val="50000"/>
+              </a:schemeClr>
+            </a:lnRef>
+            <a:fillRef idx="1">
+              <a:schemeClr val="accent1"/>
+            </a:fillRef>
+            <a:effectRef idx="0">
+              <a:schemeClr val="accent1"/>
+            </a:effectRef>
+            <a:fontRef idx="minor">
+              <a:schemeClr val="lt1"/>
+            </a:fontRef>
+          </p:style>
+          <p:txBody>
+            <a:bodyPr rtlCol="0" anchor="t"/>
+            <a:lstStyle/>
+            <a:p>
+              <a:pPr algn="ctr"/>
+              <a:r>
+                <a:rPr lang="fr-CH" dirty="0" smtClean="0">
+                  <a:solidFill>
+                    <a:schemeClr val="tx1"/>
+                  </a:solidFill>
+                  <a:latin typeface="Helvetica" panose="020B0604020202030204" pitchFamily="34" charset="0"/>
+                </a:rPr>
+                <a:t>ADC – MCP73871</a:t>
+              </a:r>
+              <a:endParaRPr lang="fr-CH" dirty="0">
+                <a:solidFill>
+                  <a:schemeClr val="tx1"/>
+                </a:solidFill>
+                <a:latin typeface="Helvetica" panose="020B0604020202030204" pitchFamily="34" charset="0"/>
+              </a:endParaRPr>
+            </a:p>
+          </p:txBody>
+        </p:sp>
+      </p:grpSp>
+      <p:grpSp>
+        <p:nvGrpSpPr>
+          <p:cNvPr id="40" name="Groupe 39"/>
+          <p:cNvGrpSpPr/>
+          <p:nvPr/>
+        </p:nvGrpSpPr>
+        <p:grpSpPr>
+          <a:xfrm>
+            <a:off x="6344547" y="2010971"/>
+            <a:ext cx="4257675" cy="742986"/>
+            <a:chOff x="2476500" y="2124075"/>
+            <a:chExt cx="4257675" cy="742986"/>
+          </a:xfrm>
+        </p:grpSpPr>
+        <p:sp>
+          <p:nvSpPr>
+            <p:cNvPr id="41" name="Rectangle 40"/>
+            <p:cNvSpPr/>
+            <p:nvPr/>
+          </p:nvSpPr>
+          <p:spPr>
+            <a:xfrm>
+              <a:off x="2476500" y="2124075"/>
+              <a:ext cx="4257675" cy="352425"/>
+            </a:xfrm>
+            <a:prstGeom prst="rect">
+              <a:avLst/>
+            </a:prstGeom>
+            <a:solidFill>
+              <a:srgbClr val="002060"/>
+            </a:solidFill>
+            <a:ln>
+              <a:solidFill>
+                <a:srgbClr val="002060"/>
+              </a:solidFill>
+            </a:ln>
+          </p:spPr>
+          <p:style>
+            <a:lnRef idx="2">
+              <a:schemeClr val="accent1">
+                <a:shade val="50000"/>
+              </a:schemeClr>
+            </a:lnRef>
+            <a:fillRef idx="1">
+              <a:schemeClr val="accent1"/>
+            </a:fillRef>
+            <a:effectRef idx="0">
+              <a:schemeClr val="accent1"/>
+            </a:effectRef>
+            <a:fontRef idx="minor">
+              <a:schemeClr val="lt1"/>
+            </a:fontRef>
+          </p:style>
+          <p:txBody>
+            <a:bodyPr rtlCol="0" anchor="ctr"/>
+            <a:lstStyle/>
+            <a:p>
+              <a:pPr algn="ctr"/>
+              <a:r>
+                <a:rPr lang="fr-CH" dirty="0" smtClean="0">
+                  <a:latin typeface="Helvetica" panose="020B0604020202030204" pitchFamily="34" charset="0"/>
+                </a:rPr>
+                <a:t>CLICK BOARD</a:t>
+              </a:r>
+              <a:endParaRPr lang="fr-CH" dirty="0">
+                <a:latin typeface="Helvetica" panose="020B0604020202030204" pitchFamily="34" charset="0"/>
+              </a:endParaRPr>
+            </a:p>
+          </p:txBody>
+        </p:sp>
+        <p:sp>
+          <p:nvSpPr>
+            <p:cNvPr id="42" name="Rectangle 41"/>
+            <p:cNvSpPr/>
+            <p:nvPr/>
+          </p:nvSpPr>
+          <p:spPr>
+            <a:xfrm>
+              <a:off x="2476500" y="2476500"/>
+              <a:ext cx="4257675" cy="390561"/>
+            </a:xfrm>
+            <a:prstGeom prst="rect">
+              <a:avLst/>
+            </a:prstGeom>
+            <a:solidFill>
+              <a:schemeClr val="bg1">
+                <a:lumMod val="95000"/>
+              </a:schemeClr>
+            </a:solidFill>
+            <a:ln>
+              <a:solidFill>
+                <a:schemeClr val="bg1">
+                  <a:lumMod val="95000"/>
+                </a:schemeClr>
+              </a:solidFill>
+            </a:ln>
+          </p:spPr>
+          <p:style>
+            <a:lnRef idx="2">
+              <a:schemeClr val="accent1">
+                <a:shade val="50000"/>
+              </a:schemeClr>
+            </a:lnRef>
+            <a:fillRef idx="1">
+              <a:schemeClr val="accent1"/>
+            </a:fillRef>
+            <a:effectRef idx="0">
+              <a:schemeClr val="accent1"/>
+            </a:effectRef>
+            <a:fontRef idx="minor">
+              <a:schemeClr val="lt1"/>
+            </a:fontRef>
+          </p:style>
+          <p:txBody>
+            <a:bodyPr rtlCol="0" anchor="t"/>
+            <a:lstStyle/>
+            <a:p>
+              <a:pPr algn="ctr"/>
+              <a:r>
+                <a:rPr lang="fr-CH" dirty="0" smtClean="0">
+                  <a:solidFill>
+                    <a:schemeClr val="tx1"/>
+                  </a:solidFill>
+                  <a:latin typeface="Helvetica" panose="020B0604020202030204" pitchFamily="34" charset="0"/>
+                </a:rPr>
+                <a:t>UART, SPI, I2C, ADC</a:t>
+              </a:r>
+              <a:endParaRPr lang="fr-CH" dirty="0">
+                <a:solidFill>
+                  <a:schemeClr val="tx1"/>
+                </a:solidFill>
+                <a:latin typeface="Helvetica" panose="020B0604020202030204" pitchFamily="34" charset="0"/>
+              </a:endParaRPr>
+            </a:p>
+          </p:txBody>
+        </p:sp>
+      </p:grpSp>
+      <p:grpSp>
+        <p:nvGrpSpPr>
+          <p:cNvPr id="43" name="Groupe 42"/>
+          <p:cNvGrpSpPr/>
+          <p:nvPr/>
+        </p:nvGrpSpPr>
+        <p:grpSpPr>
+          <a:xfrm>
+            <a:off x="6344545" y="3921220"/>
+            <a:ext cx="4257675" cy="742986"/>
+            <a:chOff x="2476500" y="2124075"/>
+            <a:chExt cx="4257675" cy="742986"/>
+          </a:xfrm>
+        </p:grpSpPr>
+        <p:sp>
+          <p:nvSpPr>
+            <p:cNvPr id="44" name="Rectangle 43"/>
+            <p:cNvSpPr/>
+            <p:nvPr/>
+          </p:nvSpPr>
+          <p:spPr>
+            <a:xfrm>
+              <a:off x="2476500" y="2124075"/>
+              <a:ext cx="4257675" cy="352425"/>
+            </a:xfrm>
+            <a:prstGeom prst="rect">
+              <a:avLst/>
+            </a:prstGeom>
+            <a:solidFill>
+              <a:srgbClr val="002060"/>
+            </a:solidFill>
+            <a:ln>
+              <a:solidFill>
+                <a:srgbClr val="002060"/>
+              </a:solidFill>
+            </a:ln>
+          </p:spPr>
+          <p:style>
+            <a:lnRef idx="2">
+              <a:schemeClr val="accent1">
+                <a:shade val="50000"/>
+              </a:schemeClr>
+            </a:lnRef>
+            <a:fillRef idx="1">
+              <a:schemeClr val="accent1"/>
+            </a:fillRef>
+            <a:effectRef idx="0">
+              <a:schemeClr val="accent1"/>
+            </a:effectRef>
+            <a:fontRef idx="minor">
+              <a:schemeClr val="lt1"/>
+            </a:fontRef>
+          </p:style>
+          <p:txBody>
+            <a:bodyPr rtlCol="0" anchor="ctr"/>
+            <a:lstStyle/>
+            <a:p>
+              <a:pPr algn="ctr"/>
+              <a:r>
+                <a:rPr lang="fr-CH" dirty="0" smtClean="0">
+                  <a:latin typeface="Helvetica" panose="020B0604020202030204" pitchFamily="34" charset="0"/>
+                </a:rPr>
+                <a:t>3,3 TO 5V</a:t>
+              </a:r>
+              <a:endParaRPr lang="fr-CH" dirty="0">
+                <a:latin typeface="Helvetica" panose="020B0604020202030204" pitchFamily="34" charset="0"/>
+              </a:endParaRPr>
+            </a:p>
+          </p:txBody>
+        </p:sp>
+        <p:sp>
+          <p:nvSpPr>
+            <p:cNvPr id="45" name="Rectangle 44"/>
+            <p:cNvSpPr/>
+            <p:nvPr/>
+          </p:nvSpPr>
+          <p:spPr>
+            <a:xfrm>
+              <a:off x="2476500" y="2476500"/>
+              <a:ext cx="4257675" cy="390561"/>
+            </a:xfrm>
+            <a:prstGeom prst="rect">
+              <a:avLst/>
+            </a:prstGeom>
+            <a:solidFill>
+              <a:schemeClr val="bg1">
+                <a:lumMod val="95000"/>
+              </a:schemeClr>
+            </a:solidFill>
+            <a:ln>
+              <a:solidFill>
+                <a:schemeClr val="bg1">
+                  <a:lumMod val="95000"/>
+                </a:schemeClr>
+              </a:solidFill>
+            </a:ln>
+          </p:spPr>
+          <p:style>
+            <a:lnRef idx="2">
+              <a:schemeClr val="accent1">
+                <a:shade val="50000"/>
+              </a:schemeClr>
+            </a:lnRef>
+            <a:fillRef idx="1">
+              <a:schemeClr val="accent1"/>
+            </a:fillRef>
+            <a:effectRef idx="0">
+              <a:schemeClr val="accent1"/>
+            </a:effectRef>
+            <a:fontRef idx="minor">
+              <a:schemeClr val="lt1"/>
+            </a:fontRef>
+          </p:style>
+          <p:txBody>
+            <a:bodyPr rtlCol="0" anchor="t"/>
+            <a:lstStyle/>
+            <a:p>
+              <a:pPr algn="ctr"/>
               <a:r>
                 <a:rPr lang="fr-CH" dirty="0">
                   <a:solidFill>
@@ -9640,37 +15044,151 @@
                   </a:solidFill>
                   <a:latin typeface="Helvetica" panose="020B0604020202030204" pitchFamily="34" charset="0"/>
                 </a:rPr>
-                <a:t>prévoir une zone sans composant, sans cuivre apparent et si possible sans pistes sur les</a:t>
+                <a:t>XC9140A501MR-G</a:t>
               </a:r>
+              <a:endParaRPr lang="fr-CH" dirty="0">
+                <a:solidFill>
+                  <a:schemeClr val="tx1"/>
+                </a:solidFill>
+                <a:latin typeface="Helvetica" panose="020B0604020202030204" pitchFamily="34" charset="0"/>
+              </a:endParaRPr>
             </a:p>
+          </p:txBody>
+        </p:sp>
+      </p:grpSp>
+      <p:grpSp>
+        <p:nvGrpSpPr>
+          <p:cNvPr id="49" name="Groupe 48"/>
+          <p:cNvGrpSpPr/>
+          <p:nvPr/>
+        </p:nvGrpSpPr>
+        <p:grpSpPr>
+          <a:xfrm>
+            <a:off x="6344546" y="3006056"/>
+            <a:ext cx="4257675" cy="742986"/>
+            <a:chOff x="2476500" y="2124075"/>
+            <a:chExt cx="4257675" cy="742986"/>
+          </a:xfrm>
+        </p:grpSpPr>
+        <p:sp>
+          <p:nvSpPr>
+            <p:cNvPr id="50" name="Rectangle 49"/>
+            <p:cNvSpPr/>
+            <p:nvPr/>
+          </p:nvSpPr>
+          <p:spPr>
+            <a:xfrm>
+              <a:off x="2476500" y="2124075"/>
+              <a:ext cx="4257675" cy="352425"/>
+            </a:xfrm>
+            <a:prstGeom prst="rect">
+              <a:avLst/>
+            </a:prstGeom>
+            <a:solidFill>
+              <a:srgbClr val="002060"/>
+            </a:solidFill>
+            <a:ln>
+              <a:solidFill>
+                <a:srgbClr val="002060"/>
+              </a:solidFill>
+            </a:ln>
+          </p:spPr>
+          <p:style>
+            <a:lnRef idx="2">
+              <a:schemeClr val="accent1">
+                <a:shade val="50000"/>
+              </a:schemeClr>
+            </a:lnRef>
+            <a:fillRef idx="1">
+              <a:schemeClr val="accent1"/>
+            </a:fillRef>
+            <a:effectRef idx="0">
+              <a:schemeClr val="accent1"/>
+            </a:effectRef>
+            <a:fontRef idx="minor">
+              <a:schemeClr val="lt1"/>
+            </a:fontRef>
+          </p:style>
+          <p:txBody>
+            <a:bodyPr rtlCol="0" anchor="ctr"/>
+            <a:lstStyle/>
             <a:p>
+              <a:pPr algn="ctr"/>
               <a:r>
-                <a:rPr lang="fr-CH" dirty="0">
+                <a:rPr lang="fr-CH" dirty="0" smtClean="0">
+                  <a:latin typeface="Helvetica" panose="020B0604020202030204" pitchFamily="34" charset="0"/>
+                </a:rPr>
+                <a:t>CLICK BOARD</a:t>
+              </a:r>
+              <a:endParaRPr lang="fr-CH" dirty="0">
+                <a:latin typeface="Helvetica" panose="020B0604020202030204" pitchFamily="34" charset="0"/>
+              </a:endParaRPr>
+            </a:p>
+          </p:txBody>
+        </p:sp>
+        <p:sp>
+          <p:nvSpPr>
+            <p:cNvPr id="51" name="Rectangle 50"/>
+            <p:cNvSpPr/>
+            <p:nvPr/>
+          </p:nvSpPr>
+          <p:spPr>
+            <a:xfrm>
+              <a:off x="2476500" y="2476500"/>
+              <a:ext cx="4257675" cy="390561"/>
+            </a:xfrm>
+            <a:prstGeom prst="rect">
+              <a:avLst/>
+            </a:prstGeom>
+            <a:solidFill>
+              <a:schemeClr val="bg1">
+                <a:lumMod val="95000"/>
+              </a:schemeClr>
+            </a:solidFill>
+            <a:ln>
+              <a:solidFill>
+                <a:schemeClr val="bg1">
+                  <a:lumMod val="95000"/>
+                </a:schemeClr>
+              </a:solidFill>
+            </a:ln>
+          </p:spPr>
+          <p:style>
+            <a:lnRef idx="2">
+              <a:schemeClr val="accent1">
+                <a:shade val="50000"/>
+              </a:schemeClr>
+            </a:lnRef>
+            <a:fillRef idx="1">
+              <a:schemeClr val="accent1"/>
+            </a:fillRef>
+            <a:effectRef idx="0">
+              <a:schemeClr val="accent1"/>
+            </a:effectRef>
+            <a:fontRef idx="minor">
+              <a:schemeClr val="lt1"/>
+            </a:fontRef>
+          </p:style>
+          <p:txBody>
+            <a:bodyPr rtlCol="0" anchor="t"/>
+            <a:lstStyle/>
+            <a:p>
+              <a:pPr algn="ctr"/>
+              <a:r>
+                <a:rPr lang="fr-CH" dirty="0" smtClean="0">
                   <a:solidFill>
                     <a:schemeClr val="tx1"/>
                   </a:solidFill>
                   <a:latin typeface="Helvetica" panose="020B0604020202030204" pitchFamily="34" charset="0"/>
                 </a:rPr>
-                <a:t>bords de la couche </a:t>
+                <a:t>UART, SPI, I2C, ADC</a:t>
               </a:r>
-              <a:r>
-                <a:rPr lang="fr-CH" i="1" dirty="0" err="1">
-                  <a:solidFill>
-                    <a:schemeClr val="tx1"/>
-                  </a:solidFill>
-                  <a:latin typeface="Helvetica" panose="020B0604020202030204" pitchFamily="34" charset="0"/>
-                </a:rPr>
-                <a:t>bottom</a:t>
-              </a:r>
-              <a:r>
-                <a:rPr lang="fr-CH" dirty="0">
-                  <a:solidFill>
-                    <a:schemeClr val="tx1"/>
-                  </a:solidFill>
-                  <a:latin typeface="Helvetica" panose="020B0604020202030204" pitchFamily="34" charset="0"/>
-                </a:rPr>
-                <a:t>.</a:t>
-              </a:r>
+              <a:endParaRPr lang="fr-CH" dirty="0">
+                <a:solidFill>
+                  <a:schemeClr val="tx1"/>
+                </a:solidFill>
+                <a:latin typeface="Helvetica" panose="020B0604020202030204" pitchFamily="34" charset="0"/>
+              </a:endParaRPr>
             </a:p>
           </p:txBody>
         </p:sp>
@@ -9678,13 +15196,25 @@
     </p:spTree>
     <p:extLst>
       <p:ext uri="{BB962C8B-B14F-4D97-AF65-F5344CB8AC3E}">
-        <p14:creationId xmlns:p14="http://schemas.microsoft.com/office/powerpoint/2010/main" val="592129865"/>
+        <p14:creationId xmlns:p14="http://schemas.microsoft.com/office/powerpoint/2010/main" val="878513810"/>
       </p:ext>
     </p:extLst>
   </p:cSld>
   <p:clrMapOvr>
     <a:masterClrMapping/>
   </p:clrMapOvr>
+  <mc:AlternateContent xmlns:mc="http://schemas.openxmlformats.org/markup-compatibility/2006">
+    <mc:Choice xmlns:p14="http://schemas.microsoft.com/office/powerpoint/2010/main" Requires="p14">
+      <p:transition>
+        <p14:reveal/>
+      </p:transition>
+    </mc:Choice>
+    <mc:Fallback>
+      <p:transition>
+        <p:fade/>
+      </p:transition>
+    </mc:Fallback>
+  </mc:AlternateContent>
   <p:timing>
     <p:tnLst>
       <p:par>
